--- a/document/01_develop_webdb_on_iaas/図版.pptx
+++ b/document/01_develop_webdb_on_iaas/図版.pptx
@@ -6,7 +6,8 @@
   </p:sldMasterIdLst>
   <p:sldIdLst>
     <p:sldId id="257" r:id="rId2"/>
-    <p:sldId id="256" r:id="rId3"/>
+    <p:sldId id="258" r:id="rId3"/>
+    <p:sldId id="256" r:id="rId4"/>
   </p:sldIdLst>
   <p:sldSz cx="12192000" cy="6858000"/>
   <p:notesSz cx="6858000" cy="9144000"/>
@@ -3638,12 +3639,22 @@
         </p:blipFill>
         <p:spPr>
           <a:xfrm>
-            <a:off x="1573973" y="2197884"/>
+            <a:off x="456981" y="412888"/>
             <a:ext cx="9044054" cy="2462231"/>
           </a:xfrm>
           <a:prstGeom prst="rect">
             <a:avLst/>
           </a:prstGeom>
+          <a:ln>
+            <a:noFill/>
+          </a:ln>
+          <a:effectLst>
+            <a:outerShdw blurRad="292100" dist="139700" dir="2700000" algn="tl" rotWithShape="0">
+              <a:srgbClr val="333333">
+                <a:alpha val="65000"/>
+              </a:srgbClr>
+            </a:outerShdw>
+          </a:effectLst>
         </p:spPr>
       </p:pic>
       <p:sp>
@@ -3660,7 +3671,7 @@
         </p:nvSpPr>
         <p:spPr>
           <a:xfrm>
-            <a:off x="1431494" y="2540044"/>
+            <a:off x="314502" y="755048"/>
             <a:ext cx="1013637" cy="411790"/>
           </a:xfrm>
           <a:prstGeom prst="ellipse">
@@ -3712,7 +3723,7 @@
         </p:nvSpPr>
         <p:spPr>
           <a:xfrm>
-            <a:off x="2816783" y="2895948"/>
+            <a:off x="1699791" y="1110952"/>
             <a:ext cx="1013637" cy="411790"/>
           </a:xfrm>
           <a:prstGeom prst="ellipse">
@@ -3764,7 +3775,7 @@
         </p:nvSpPr>
         <p:spPr>
           <a:xfrm>
-            <a:off x="8264854" y="3908906"/>
+            <a:off x="7147862" y="2123910"/>
             <a:ext cx="1013637" cy="411790"/>
           </a:xfrm>
           <a:prstGeom prst="ellipse">
@@ -3799,6 +3810,223 @@
           <a:p>
             <a:pPr algn="ctr"/>
             <a:endParaRPr kumimoji="1" lang="ja-JP" altLang="en-US"/>
+          </a:p>
+        </p:txBody>
+      </p:sp>
+      <p:pic>
+        <p:nvPicPr>
+          <p:cNvPr id="7" name="図 6" descr="スクリーンショット が含まれている画像&#10;&#10;非常に高い精度で生成された説明">
+            <a:extLst>
+              <a:ext uri="{FF2B5EF4-FFF2-40B4-BE49-F238E27FC236}">
+                <a16:creationId xmlns:a16="http://schemas.microsoft.com/office/drawing/2014/main" id="{C1DB59BC-A0F9-48EE-968F-732440EE22D0}"/>
+              </a:ext>
+            </a:extLst>
+          </p:cNvPr>
+          <p:cNvPicPr>
+            <a:picLocks noChangeAspect="1"/>
+          </p:cNvPicPr>
+          <p:nvPr/>
+        </p:nvPicPr>
+        <p:blipFill>
+          <a:blip r:embed="rId3">
+            <a:extLst>
+              <a:ext uri="{28A0092B-C50C-407E-A947-70E740481C1C}">
+                <a14:useLocalDpi xmlns:a14="http://schemas.microsoft.com/office/drawing/2010/main" val="0"/>
+              </a:ext>
+            </a:extLst>
+          </a:blip>
+          <a:stretch>
+            <a:fillRect/>
+          </a:stretch>
+        </p:blipFill>
+        <p:spPr>
+          <a:xfrm>
+            <a:off x="9695698" y="412888"/>
+            <a:ext cx="3075713" cy="2669198"/>
+          </a:xfrm>
+          <a:prstGeom prst="rect">
+            <a:avLst/>
+          </a:prstGeom>
+          <a:ln>
+            <a:noFill/>
+          </a:ln>
+          <a:effectLst>
+            <a:outerShdw blurRad="292100" dist="139700" dir="2700000" algn="tl" rotWithShape="0">
+              <a:srgbClr val="333333">
+                <a:alpha val="65000"/>
+              </a:srgbClr>
+            </a:outerShdw>
+          </a:effectLst>
+        </p:spPr>
+      </p:pic>
+      <p:sp>
+        <p:nvSpPr>
+          <p:cNvPr id="8" name="四角形: 角を丸くする 7">
+            <a:extLst>
+              <a:ext uri="{FF2B5EF4-FFF2-40B4-BE49-F238E27FC236}">
+                <a16:creationId xmlns:a16="http://schemas.microsoft.com/office/drawing/2014/main" id="{2DA800D1-6B68-4496-95E1-77DDE3E0B3B5}"/>
+              </a:ext>
+            </a:extLst>
+          </p:cNvPr>
+          <p:cNvSpPr/>
+          <p:nvPr/>
+        </p:nvSpPr>
+        <p:spPr>
+          <a:xfrm>
+            <a:off x="9850176" y="953295"/>
+            <a:ext cx="1205804" cy="427085"/>
+          </a:xfrm>
+          <a:prstGeom prst="roundRect">
+            <a:avLst/>
+          </a:prstGeom>
+          <a:noFill/>
+          <a:ln w="38100">
+            <a:solidFill>
+              <a:srgbClr val="FF0000"/>
+            </a:solidFill>
+          </a:ln>
+        </p:spPr>
+        <p:style>
+          <a:lnRef idx="2">
+            <a:schemeClr val="accent1">
+              <a:shade val="50000"/>
+            </a:schemeClr>
+          </a:lnRef>
+          <a:fillRef idx="1">
+            <a:schemeClr val="accent1"/>
+          </a:fillRef>
+          <a:effectRef idx="0">
+            <a:schemeClr val="accent1"/>
+          </a:effectRef>
+          <a:fontRef idx="minor">
+            <a:schemeClr val="lt1"/>
+          </a:fontRef>
+        </p:style>
+        <p:txBody>
+          <a:bodyPr rot="0" spcFirstLastPara="0" vertOverflow="overflow" horzOverflow="overflow" vert="horz" wrap="square" lIns="91440" tIns="45720" rIns="91440" bIns="45720" numCol="1" spcCol="0" rtlCol="0" fromWordArt="0" anchor="ctr" anchorCtr="0" forceAA="0" compatLnSpc="1">
+            <a:prstTxWarp prst="textNoShape">
+              <a:avLst/>
+            </a:prstTxWarp>
+            <a:noAutofit/>
+          </a:bodyPr>
+          <a:lstStyle/>
+          <a:p>
+            <a:pPr algn="ctr"/>
+            <a:endParaRPr lang="ja-JP" altLang="en-US"/>
+          </a:p>
+        </p:txBody>
+      </p:sp>
+      <p:sp>
+        <p:nvSpPr>
+          <p:cNvPr id="9" name="四角形: 角を丸くする 8">
+            <a:extLst>
+              <a:ext uri="{FF2B5EF4-FFF2-40B4-BE49-F238E27FC236}">
+                <a16:creationId xmlns:a16="http://schemas.microsoft.com/office/drawing/2014/main" id="{BA5FB6EF-036A-4813-A11C-2F5099196C66}"/>
+              </a:ext>
+            </a:extLst>
+          </p:cNvPr>
+          <p:cNvSpPr/>
+          <p:nvPr/>
+        </p:nvSpPr>
+        <p:spPr>
+          <a:xfrm>
+            <a:off x="9843054" y="1501407"/>
+            <a:ext cx="2684773" cy="427085"/>
+          </a:xfrm>
+          <a:prstGeom prst="roundRect">
+            <a:avLst/>
+          </a:prstGeom>
+          <a:noFill/>
+          <a:ln w="38100">
+            <a:solidFill>
+              <a:srgbClr val="FF0000"/>
+            </a:solidFill>
+          </a:ln>
+        </p:spPr>
+        <p:style>
+          <a:lnRef idx="2">
+            <a:schemeClr val="accent1">
+              <a:shade val="50000"/>
+            </a:schemeClr>
+          </a:lnRef>
+          <a:fillRef idx="1">
+            <a:schemeClr val="accent1"/>
+          </a:fillRef>
+          <a:effectRef idx="0">
+            <a:schemeClr val="accent1"/>
+          </a:effectRef>
+          <a:fontRef idx="minor">
+            <a:schemeClr val="lt1"/>
+          </a:fontRef>
+        </p:style>
+        <p:txBody>
+          <a:bodyPr rot="0" spcFirstLastPara="0" vertOverflow="overflow" horzOverflow="overflow" vert="horz" wrap="square" lIns="91440" tIns="45720" rIns="91440" bIns="45720" numCol="1" spcCol="0" rtlCol="0" fromWordArt="0" anchor="ctr" anchorCtr="0" forceAA="0" compatLnSpc="1">
+            <a:prstTxWarp prst="textNoShape">
+              <a:avLst/>
+            </a:prstTxWarp>
+            <a:noAutofit/>
+          </a:bodyPr>
+          <a:lstStyle/>
+          <a:p>
+            <a:pPr algn="ctr"/>
+            <a:endParaRPr lang="ja-JP" altLang="en-US"/>
+          </a:p>
+        </p:txBody>
+      </p:sp>
+      <p:sp>
+        <p:nvSpPr>
+          <p:cNvPr id="10" name="四角形: 角を丸くする 9">
+            <a:extLst>
+              <a:ext uri="{FF2B5EF4-FFF2-40B4-BE49-F238E27FC236}">
+                <a16:creationId xmlns:a16="http://schemas.microsoft.com/office/drawing/2014/main" id="{75040424-873D-446B-9BAD-532A931D6276}"/>
+              </a:ext>
+            </a:extLst>
+          </p:cNvPr>
+          <p:cNvSpPr/>
+          <p:nvPr/>
+        </p:nvSpPr>
+        <p:spPr>
+          <a:xfrm>
+            <a:off x="9874742" y="2078203"/>
+            <a:ext cx="2684773" cy="427085"/>
+          </a:xfrm>
+          <a:prstGeom prst="roundRect">
+            <a:avLst/>
+          </a:prstGeom>
+          <a:noFill/>
+          <a:ln w="38100">
+            <a:solidFill>
+              <a:srgbClr val="FF0000"/>
+            </a:solidFill>
+          </a:ln>
+        </p:spPr>
+        <p:style>
+          <a:lnRef idx="2">
+            <a:schemeClr val="accent1">
+              <a:shade val="50000"/>
+            </a:schemeClr>
+          </a:lnRef>
+          <a:fillRef idx="1">
+            <a:schemeClr val="accent1"/>
+          </a:fillRef>
+          <a:effectRef idx="0">
+            <a:schemeClr val="accent1"/>
+          </a:effectRef>
+          <a:fontRef idx="minor">
+            <a:schemeClr val="lt1"/>
+          </a:fontRef>
+        </p:style>
+        <p:txBody>
+          <a:bodyPr rot="0" spcFirstLastPara="0" vertOverflow="overflow" horzOverflow="overflow" vert="horz" wrap="square" lIns="91440" tIns="45720" rIns="91440" bIns="45720" numCol="1" spcCol="0" rtlCol="0" fromWordArt="0" anchor="ctr" anchorCtr="0" forceAA="0" compatLnSpc="1">
+            <a:prstTxWarp prst="textNoShape">
+              <a:avLst/>
+            </a:prstTxWarp>
+            <a:noAutofit/>
+          </a:bodyPr>
+          <a:lstStyle/>
+          <a:p>
+            <a:pPr algn="ctr"/>
+            <a:endParaRPr lang="ja-JP" altLang="en-US"/>
           </a:p>
         </p:txBody>
       </p:sp>
@@ -3832,12 +4060,139 @@
           <a:chExt cx="0" cy="0"/>
         </a:xfrm>
       </p:grpSpPr>
+    </p:spTree>
+    <p:extLst>
+      <p:ext uri="{BB962C8B-B14F-4D97-AF65-F5344CB8AC3E}">
+        <p14:creationId xmlns:p14="http://schemas.microsoft.com/office/powerpoint/2010/main" val="1222181955"/>
+      </p:ext>
+    </p:extLst>
+  </p:cSld>
+  <p:clrMapOvr>
+    <a:masterClrMapping/>
+  </p:clrMapOvr>
+</p:sld>
+</file>
+
+<file path=ppt/slides/slide3.xml><?xml version="1.0" encoding="utf-8"?>
+<p:sld xmlns:a="http://schemas.openxmlformats.org/drawingml/2006/main" xmlns:r="http://schemas.openxmlformats.org/officeDocument/2006/relationships" xmlns:p="http://schemas.openxmlformats.org/presentationml/2006/main">
+  <p:cSld>
+    <p:spTree>
+      <p:nvGrpSpPr>
+        <p:cNvPr id="1" name=""/>
+        <p:cNvGrpSpPr/>
+        <p:nvPr/>
+      </p:nvGrpSpPr>
+      <p:grpSpPr>
+        <a:xfrm>
+          <a:off x="0" y="0"/>
+          <a:ext cx="0" cy="0"/>
+          <a:chOff x="0" y="0"/>
+          <a:chExt cx="0" cy="0"/>
+        </a:xfrm>
+      </p:grpSpPr>
       <p:pic>
         <p:nvPicPr>
-          <p:cNvPr id="5" name="図 4">
-            <a:extLst>
-              <a:ext uri="{FF2B5EF4-FFF2-40B4-BE49-F238E27FC236}">
-                <a16:creationId xmlns:a16="http://schemas.microsoft.com/office/drawing/2014/main" id="{5F3C5D39-4D39-4176-8592-B03EE039E7D9}"/>
+          <p:cNvPr id="11" name="図 10" descr="スクリーンショット が含まれている画像&#10;&#10;非常に高い精度で生成された説明">
+            <a:extLst>
+              <a:ext uri="{FF2B5EF4-FFF2-40B4-BE49-F238E27FC236}">
+                <a16:creationId xmlns:a16="http://schemas.microsoft.com/office/drawing/2014/main" id="{6BEF6BA2-C029-4B2A-A43F-289A36AAA695}"/>
+              </a:ext>
+            </a:extLst>
+          </p:cNvPr>
+          <p:cNvPicPr>
+            <a:picLocks noChangeAspect="1"/>
+          </p:cNvPicPr>
+          <p:nvPr/>
+        </p:nvPicPr>
+        <p:blipFill rotWithShape="1">
+          <a:blip r:embed="rId2">
+            <a:extLst>
+              <a:ext uri="{28A0092B-C50C-407E-A947-70E740481C1C}">
+                <a14:useLocalDpi xmlns:a14="http://schemas.microsoft.com/office/drawing/2010/main" val="0"/>
+              </a:ext>
+            </a:extLst>
+          </a:blip>
+          <a:srcRect r="29279"/>
+          <a:stretch/>
+        </p:blipFill>
+        <p:spPr>
+          <a:xfrm>
+            <a:off x="465933" y="416575"/>
+            <a:ext cx="4385315" cy="2362217"/>
+          </a:xfrm>
+          <a:prstGeom prst="rect">
+            <a:avLst/>
+          </a:prstGeom>
+          <a:ln>
+            <a:noFill/>
+          </a:ln>
+          <a:effectLst>
+            <a:outerShdw blurRad="292100" dist="139700" dir="2700000" algn="tl" rotWithShape="0">
+              <a:srgbClr val="333333">
+                <a:alpha val="65000"/>
+              </a:srgbClr>
+            </a:outerShdw>
+          </a:effectLst>
+        </p:spPr>
+      </p:pic>
+      <p:sp>
+        <p:nvSpPr>
+          <p:cNvPr id="6" name="楕円 5">
+            <a:extLst>
+              <a:ext uri="{FF2B5EF4-FFF2-40B4-BE49-F238E27FC236}">
+                <a16:creationId xmlns:a16="http://schemas.microsoft.com/office/drawing/2014/main" id="{2A5552D4-30F5-4C38-81B7-8D70BE07D527}"/>
+              </a:ext>
+            </a:extLst>
+          </p:cNvPr>
+          <p:cNvSpPr/>
+          <p:nvPr/>
+        </p:nvSpPr>
+        <p:spPr>
+          <a:xfrm>
+            <a:off x="1962965" y="711243"/>
+            <a:ext cx="837716" cy="411790"/>
+          </a:xfrm>
+          <a:prstGeom prst="ellipse">
+            <a:avLst/>
+          </a:prstGeom>
+          <a:noFill/>
+          <a:ln w="38100">
+            <a:solidFill>
+              <a:srgbClr val="FF0000"/>
+            </a:solidFill>
+          </a:ln>
+        </p:spPr>
+        <p:style>
+          <a:lnRef idx="2">
+            <a:schemeClr val="accent1">
+              <a:shade val="50000"/>
+            </a:schemeClr>
+          </a:lnRef>
+          <a:fillRef idx="1">
+            <a:schemeClr val="accent1"/>
+          </a:fillRef>
+          <a:effectRef idx="0">
+            <a:schemeClr val="accent1"/>
+          </a:effectRef>
+          <a:fontRef idx="minor">
+            <a:schemeClr val="lt1"/>
+          </a:fontRef>
+        </p:style>
+        <p:txBody>
+          <a:bodyPr rtlCol="0" anchor="ctr"/>
+          <a:lstStyle/>
+          <a:p>
+            <a:pPr algn="ctr"/>
+            <a:endParaRPr kumimoji="1" lang="ja-JP" altLang="en-US"/>
+          </a:p>
+        </p:txBody>
+      </p:sp>
+      <p:pic>
+        <p:nvPicPr>
+          <p:cNvPr id="13" name="図 12" descr="スクリーンショット が含まれている画像&#10;&#10;非常に高い精度で生成された説明">
+            <a:extLst>
+              <a:ext uri="{FF2B5EF4-FFF2-40B4-BE49-F238E27FC236}">
+                <a16:creationId xmlns:a16="http://schemas.microsoft.com/office/drawing/2014/main" id="{F1CFAE50-4DDB-4A09-A46A-CB4032D09F5A}"/>
               </a:ext>
             </a:extLst>
           </p:cNvPr>
@@ -3847,7 +4202,7 @@
           <p:nvPr/>
         </p:nvPicPr>
         <p:blipFill>
-          <a:blip r:embed="rId2">
+          <a:blip r:embed="rId3">
             <a:extLst>
               <a:ext uri="{28A0092B-C50C-407E-A947-70E740481C1C}">
                 <a14:useLocalDpi xmlns:a14="http://schemas.microsoft.com/office/drawing/2010/main" val="0"/>
@@ -3860,20 +4215,30 @@
         </p:blipFill>
         <p:spPr>
           <a:xfrm>
-            <a:off x="1507297" y="2231222"/>
-            <a:ext cx="9177405" cy="2395555"/>
+            <a:off x="465933" y="3181677"/>
+            <a:ext cx="5100675" cy="2386030"/>
           </a:xfrm>
           <a:prstGeom prst="rect">
             <a:avLst/>
           </a:prstGeom>
+          <a:ln>
+            <a:noFill/>
+          </a:ln>
+          <a:effectLst>
+            <a:outerShdw blurRad="292100" dist="139700" dir="2700000" algn="tl" rotWithShape="0">
+              <a:srgbClr val="333333">
+                <a:alpha val="65000"/>
+              </a:srgbClr>
+            </a:outerShdw>
+          </a:effectLst>
         </p:spPr>
       </p:pic>
       <p:sp>
         <p:nvSpPr>
-          <p:cNvPr id="6" name="楕円 5">
-            <a:extLst>
-              <a:ext uri="{FF2B5EF4-FFF2-40B4-BE49-F238E27FC236}">
-                <a16:creationId xmlns:a16="http://schemas.microsoft.com/office/drawing/2014/main" id="{2A5552D4-30F5-4C38-81B7-8D70BE07D527}"/>
+          <p:cNvPr id="14" name="楕円 13">
+            <a:extLst>
+              <a:ext uri="{FF2B5EF4-FFF2-40B4-BE49-F238E27FC236}">
+                <a16:creationId xmlns:a16="http://schemas.microsoft.com/office/drawing/2014/main" id="{820D516A-E5D2-438E-9823-F7E0F93F1F84}"/>
               </a:ext>
             </a:extLst>
           </p:cNvPr>
@@ -3882,7 +4247,7 @@
         </p:nvSpPr>
         <p:spPr>
           <a:xfrm>
-            <a:off x="1431494" y="2545519"/>
+            <a:off x="531673" y="4471488"/>
             <a:ext cx="1013637" cy="411790"/>
           </a:xfrm>
           <a:prstGeom prst="ellipse">
@@ -3920,12 +4285,48 @@
           </a:p>
         </p:txBody>
       </p:sp>
-      <p:sp>
-        <p:nvSpPr>
-          <p:cNvPr id="8" name="楕円 7">
-            <a:extLst>
-              <a:ext uri="{FF2B5EF4-FFF2-40B4-BE49-F238E27FC236}">
-                <a16:creationId xmlns:a16="http://schemas.microsoft.com/office/drawing/2014/main" id="{EC0385A1-36A6-4369-AA36-54A73A57C5C0}"/>
+      <p:pic>
+        <p:nvPicPr>
+          <p:cNvPr id="16" name="図 15" descr="スクリーンショット が含まれている画像&#10;&#10;非常に高い精度で生成された説明">
+            <a:extLst>
+              <a:ext uri="{FF2B5EF4-FFF2-40B4-BE49-F238E27FC236}">
+                <a16:creationId xmlns:a16="http://schemas.microsoft.com/office/drawing/2014/main" id="{EA805ABC-9F76-4BFE-865F-D5E1AB2969EA}"/>
+              </a:ext>
+            </a:extLst>
+          </p:cNvPr>
+          <p:cNvPicPr>
+            <a:picLocks noChangeAspect="1"/>
+          </p:cNvPicPr>
+          <p:nvPr/>
+        </p:nvPicPr>
+        <p:blipFill>
+          <a:blip r:embed="rId4">
+            <a:extLst>
+              <a:ext uri="{28A0092B-C50C-407E-A947-70E740481C1C}">
+                <a14:useLocalDpi xmlns:a14="http://schemas.microsoft.com/office/drawing/2010/main" val="0"/>
+              </a:ext>
+            </a:extLst>
+          </a:blip>
+          <a:stretch>
+            <a:fillRect/>
+          </a:stretch>
+        </p:blipFill>
+        <p:spPr>
+          <a:xfrm>
+            <a:off x="6453086" y="346824"/>
+            <a:ext cx="2768213" cy="5947822"/>
+          </a:xfrm>
+          <a:prstGeom prst="rect">
+            <a:avLst/>
+          </a:prstGeom>
+        </p:spPr>
+      </p:pic>
+      <p:sp>
+        <p:nvSpPr>
+          <p:cNvPr id="20" name="四角形: 角を丸くする 19">
+            <a:extLst>
+              <a:ext uri="{FF2B5EF4-FFF2-40B4-BE49-F238E27FC236}">
+                <a16:creationId xmlns:a16="http://schemas.microsoft.com/office/drawing/2014/main" id="{0582E43D-4D5C-4A62-9CC0-B5EDE88ABA68}"/>
               </a:ext>
             </a:extLst>
           </p:cNvPr>
@@ -3934,10 +4335,10 @@
         </p:nvSpPr>
         <p:spPr>
           <a:xfrm>
-            <a:off x="2816783" y="2901423"/>
-            <a:ext cx="1013637" cy="411790"/>
+            <a:off x="6625293" y="859645"/>
+            <a:ext cx="996532" cy="427085"/>
           </a:xfrm>
-          <a:prstGeom prst="ellipse">
+          <a:prstGeom prst="roundRect">
             <a:avLst/>
           </a:prstGeom>
           <a:noFill/>
@@ -3964,20 +4365,25 @@
           </a:fontRef>
         </p:style>
         <p:txBody>
-          <a:bodyPr rtlCol="0" anchor="ctr"/>
+          <a:bodyPr rot="0" spcFirstLastPara="0" vertOverflow="overflow" horzOverflow="overflow" vert="horz" wrap="square" lIns="91440" tIns="45720" rIns="91440" bIns="45720" numCol="1" spcCol="0" rtlCol="0" fromWordArt="0" anchor="ctr" anchorCtr="0" forceAA="0" compatLnSpc="1">
+            <a:prstTxWarp prst="textNoShape">
+              <a:avLst/>
+            </a:prstTxWarp>
+            <a:noAutofit/>
+          </a:bodyPr>
           <a:lstStyle/>
           <a:p>
             <a:pPr algn="ctr"/>
-            <a:endParaRPr kumimoji="1" lang="ja-JP" altLang="en-US"/>
-          </a:p>
-        </p:txBody>
-      </p:sp>
-      <p:sp>
-        <p:nvSpPr>
-          <p:cNvPr id="9" name="楕円 8">
-            <a:extLst>
-              <a:ext uri="{FF2B5EF4-FFF2-40B4-BE49-F238E27FC236}">
-                <a16:creationId xmlns:a16="http://schemas.microsoft.com/office/drawing/2014/main" id="{C8791D30-A097-44A4-BFCA-54F06D48CFF7}"/>
+            <a:endParaRPr lang="ja-JP" altLang="en-US"/>
+          </a:p>
+        </p:txBody>
+      </p:sp>
+      <p:sp>
+        <p:nvSpPr>
+          <p:cNvPr id="21" name="四角形: 角を丸くする 20">
+            <a:extLst>
+              <a:ext uri="{FF2B5EF4-FFF2-40B4-BE49-F238E27FC236}">
+                <a16:creationId xmlns:a16="http://schemas.microsoft.com/office/drawing/2014/main" id="{039B2661-F66C-4FCD-A408-9AFC3102273E}"/>
               </a:ext>
             </a:extLst>
           </p:cNvPr>
@@ -3986,10 +4392,10 @@
         </p:nvSpPr>
         <p:spPr>
           <a:xfrm>
-            <a:off x="8264854" y="3914381"/>
-            <a:ext cx="1013637" cy="411790"/>
+            <a:off x="6625292" y="1392292"/>
+            <a:ext cx="2414673" cy="449538"/>
           </a:xfrm>
-          <a:prstGeom prst="ellipse">
+          <a:prstGeom prst="roundRect">
             <a:avLst/>
           </a:prstGeom>
           <a:noFill/>
@@ -4016,11 +4422,246 @@
           </a:fontRef>
         </p:style>
         <p:txBody>
-          <a:bodyPr rtlCol="0" anchor="ctr"/>
+          <a:bodyPr rot="0" spcFirstLastPara="0" vertOverflow="overflow" horzOverflow="overflow" vert="horz" wrap="square" lIns="91440" tIns="45720" rIns="91440" bIns="45720" numCol="1" spcCol="0" rtlCol="0" fromWordArt="0" anchor="ctr" anchorCtr="0" forceAA="0" compatLnSpc="1">
+            <a:prstTxWarp prst="textNoShape">
+              <a:avLst/>
+            </a:prstTxWarp>
+            <a:noAutofit/>
+          </a:bodyPr>
           <a:lstStyle/>
           <a:p>
             <a:pPr algn="ctr"/>
-            <a:endParaRPr kumimoji="1" lang="ja-JP" altLang="en-US"/>
+            <a:endParaRPr lang="ja-JP" altLang="en-US"/>
+          </a:p>
+        </p:txBody>
+      </p:sp>
+      <p:sp>
+        <p:nvSpPr>
+          <p:cNvPr id="22" name="四角形: 角を丸くする 21">
+            <a:extLst>
+              <a:ext uri="{FF2B5EF4-FFF2-40B4-BE49-F238E27FC236}">
+                <a16:creationId xmlns:a16="http://schemas.microsoft.com/office/drawing/2014/main" id="{EDFA0E65-E9B8-417A-869C-0FC0A1DF7759}"/>
+              </a:ext>
+            </a:extLst>
+          </p:cNvPr>
+          <p:cNvSpPr/>
+          <p:nvPr/>
+        </p:nvSpPr>
+        <p:spPr>
+          <a:xfrm>
+            <a:off x="6625292" y="1915708"/>
+            <a:ext cx="2414673" cy="449538"/>
+          </a:xfrm>
+          <a:prstGeom prst="roundRect">
+            <a:avLst/>
+          </a:prstGeom>
+          <a:noFill/>
+          <a:ln w="38100">
+            <a:solidFill>
+              <a:srgbClr val="FF0000"/>
+            </a:solidFill>
+          </a:ln>
+        </p:spPr>
+        <p:style>
+          <a:lnRef idx="2">
+            <a:schemeClr val="accent1">
+              <a:shade val="50000"/>
+            </a:schemeClr>
+          </a:lnRef>
+          <a:fillRef idx="1">
+            <a:schemeClr val="accent1"/>
+          </a:fillRef>
+          <a:effectRef idx="0">
+            <a:schemeClr val="accent1"/>
+          </a:effectRef>
+          <a:fontRef idx="minor">
+            <a:schemeClr val="lt1"/>
+          </a:fontRef>
+        </p:style>
+        <p:txBody>
+          <a:bodyPr rot="0" spcFirstLastPara="0" vertOverflow="overflow" horzOverflow="overflow" vert="horz" wrap="square" lIns="91440" tIns="45720" rIns="91440" bIns="45720" numCol="1" spcCol="0" rtlCol="0" fromWordArt="0" anchor="ctr" anchorCtr="0" forceAA="0" compatLnSpc="1">
+            <a:prstTxWarp prst="textNoShape">
+              <a:avLst/>
+            </a:prstTxWarp>
+            <a:noAutofit/>
+          </a:bodyPr>
+          <a:lstStyle/>
+          <a:p>
+            <a:pPr algn="ctr"/>
+            <a:endParaRPr lang="ja-JP" altLang="en-US"/>
+          </a:p>
+        </p:txBody>
+      </p:sp>
+      <p:sp>
+        <p:nvSpPr>
+          <p:cNvPr id="23" name="四角形: 角を丸くする 22">
+            <a:extLst>
+              <a:ext uri="{FF2B5EF4-FFF2-40B4-BE49-F238E27FC236}">
+                <a16:creationId xmlns:a16="http://schemas.microsoft.com/office/drawing/2014/main" id="{205DC49A-B927-4D07-B288-B05F1B45D055}"/>
+              </a:ext>
+            </a:extLst>
+          </p:cNvPr>
+          <p:cNvSpPr/>
+          <p:nvPr/>
+        </p:nvSpPr>
+        <p:spPr>
+          <a:xfrm>
+            <a:off x="6625291" y="2429935"/>
+            <a:ext cx="2414673" cy="693864"/>
+          </a:xfrm>
+          <a:prstGeom prst="roundRect">
+            <a:avLst/>
+          </a:prstGeom>
+          <a:noFill/>
+          <a:ln w="38100">
+            <a:solidFill>
+              <a:srgbClr val="FF0000"/>
+            </a:solidFill>
+          </a:ln>
+        </p:spPr>
+        <p:style>
+          <a:lnRef idx="2">
+            <a:schemeClr val="accent1">
+              <a:shade val="50000"/>
+            </a:schemeClr>
+          </a:lnRef>
+          <a:fillRef idx="1">
+            <a:schemeClr val="accent1"/>
+          </a:fillRef>
+          <a:effectRef idx="0">
+            <a:schemeClr val="accent1"/>
+          </a:effectRef>
+          <a:fontRef idx="minor">
+            <a:schemeClr val="lt1"/>
+          </a:fontRef>
+        </p:style>
+        <p:txBody>
+          <a:bodyPr rot="0" spcFirstLastPara="0" vertOverflow="overflow" horzOverflow="overflow" vert="horz" wrap="square" lIns="91440" tIns="45720" rIns="91440" bIns="45720" numCol="1" spcCol="0" rtlCol="0" fromWordArt="0" anchor="ctr" anchorCtr="0" forceAA="0" compatLnSpc="1">
+            <a:prstTxWarp prst="textNoShape">
+              <a:avLst/>
+            </a:prstTxWarp>
+            <a:noAutofit/>
+          </a:bodyPr>
+          <a:lstStyle/>
+          <a:p>
+            <a:pPr algn="ctr"/>
+            <a:endParaRPr lang="ja-JP" altLang="en-US"/>
+          </a:p>
+        </p:txBody>
+      </p:sp>
+      <p:sp>
+        <p:nvSpPr>
+          <p:cNvPr id="24" name="四角形: 角を丸くする 23">
+            <a:extLst>
+              <a:ext uri="{FF2B5EF4-FFF2-40B4-BE49-F238E27FC236}">
+                <a16:creationId xmlns:a16="http://schemas.microsoft.com/office/drawing/2014/main" id="{7FFC31EC-77D0-4AB9-96E0-53E3D7CBA567}"/>
+              </a:ext>
+            </a:extLst>
+          </p:cNvPr>
+          <p:cNvSpPr/>
+          <p:nvPr/>
+        </p:nvSpPr>
+        <p:spPr>
+          <a:xfrm>
+            <a:off x="6625291" y="3218856"/>
+            <a:ext cx="2414673" cy="449538"/>
+          </a:xfrm>
+          <a:prstGeom prst="roundRect">
+            <a:avLst/>
+          </a:prstGeom>
+          <a:noFill/>
+          <a:ln w="38100">
+            <a:solidFill>
+              <a:srgbClr val="FF0000"/>
+            </a:solidFill>
+          </a:ln>
+        </p:spPr>
+        <p:style>
+          <a:lnRef idx="2">
+            <a:schemeClr val="accent1">
+              <a:shade val="50000"/>
+            </a:schemeClr>
+          </a:lnRef>
+          <a:fillRef idx="1">
+            <a:schemeClr val="accent1"/>
+          </a:fillRef>
+          <a:effectRef idx="0">
+            <a:schemeClr val="accent1"/>
+          </a:effectRef>
+          <a:fontRef idx="minor">
+            <a:schemeClr val="lt1"/>
+          </a:fontRef>
+        </p:style>
+        <p:txBody>
+          <a:bodyPr rot="0" spcFirstLastPara="0" vertOverflow="overflow" horzOverflow="overflow" vert="horz" wrap="square" lIns="91440" tIns="45720" rIns="91440" bIns="45720" numCol="1" spcCol="0" rtlCol="0" fromWordArt="0" anchor="ctr" anchorCtr="0" forceAA="0" compatLnSpc="1">
+            <a:prstTxWarp prst="textNoShape">
+              <a:avLst/>
+            </a:prstTxWarp>
+            <a:noAutofit/>
+          </a:bodyPr>
+          <a:lstStyle/>
+          <a:p>
+            <a:pPr algn="ctr"/>
+            <a:endParaRPr lang="ja-JP" altLang="en-US"/>
+          </a:p>
+        </p:txBody>
+      </p:sp>
+      <p:sp>
+        <p:nvSpPr>
+          <p:cNvPr id="25" name="四角形: 角を丸くする 24">
+            <a:extLst>
+              <a:ext uri="{FF2B5EF4-FFF2-40B4-BE49-F238E27FC236}">
+                <a16:creationId xmlns:a16="http://schemas.microsoft.com/office/drawing/2014/main" id="{30CF3B42-61F6-459E-8809-C5187B230BE1}"/>
+              </a:ext>
+            </a:extLst>
+          </p:cNvPr>
+          <p:cNvSpPr/>
+          <p:nvPr/>
+        </p:nvSpPr>
+        <p:spPr>
+          <a:xfrm>
+            <a:off x="6625291" y="3734202"/>
+            <a:ext cx="2414673" cy="1330588"/>
+          </a:xfrm>
+          <a:prstGeom prst="roundRect">
+            <a:avLst>
+              <a:gd name="adj" fmla="val 9260"/>
+            </a:avLst>
+          </a:prstGeom>
+          <a:noFill/>
+          <a:ln w="38100">
+            <a:solidFill>
+              <a:srgbClr val="FF0000"/>
+            </a:solidFill>
+          </a:ln>
+        </p:spPr>
+        <p:style>
+          <a:lnRef idx="2">
+            <a:schemeClr val="accent1">
+              <a:shade val="50000"/>
+            </a:schemeClr>
+          </a:lnRef>
+          <a:fillRef idx="1">
+            <a:schemeClr val="accent1"/>
+          </a:fillRef>
+          <a:effectRef idx="0">
+            <a:schemeClr val="accent1"/>
+          </a:effectRef>
+          <a:fontRef idx="minor">
+            <a:schemeClr val="lt1"/>
+          </a:fontRef>
+        </p:style>
+        <p:txBody>
+          <a:bodyPr rot="0" spcFirstLastPara="0" vertOverflow="overflow" horzOverflow="overflow" vert="horz" wrap="square" lIns="91440" tIns="45720" rIns="91440" bIns="45720" numCol="1" spcCol="0" rtlCol="0" fromWordArt="0" anchor="ctr" anchorCtr="0" forceAA="0" compatLnSpc="1">
+            <a:prstTxWarp prst="textNoShape">
+              <a:avLst/>
+            </a:prstTxWarp>
+            <a:noAutofit/>
+          </a:bodyPr>
+          <a:lstStyle/>
+          <a:p>
+            <a:pPr algn="ctr"/>
+            <a:endParaRPr lang="ja-JP" altLang="en-US"/>
           </a:p>
         </p:txBody>
       </p:sp>

--- a/document/01_develop_webdb_on_iaas/図版.pptx
+++ b/document/01_develop_webdb_on_iaas/図版.pptx
@@ -6,8 +6,8 @@
   </p:sldMasterIdLst>
   <p:sldIdLst>
     <p:sldId id="257" r:id="rId2"/>
-    <p:sldId id="258" r:id="rId3"/>
-    <p:sldId id="256" r:id="rId4"/>
+    <p:sldId id="256" r:id="rId3"/>
+    <p:sldId id="258" r:id="rId4"/>
   </p:sldIdLst>
   <p:sldSz cx="12192000" cy="6858000"/>
   <p:notesSz cx="6858000" cy="9144000"/>
@@ -4060,36 +4060,6 @@
           <a:chExt cx="0" cy="0"/>
         </a:xfrm>
       </p:grpSpPr>
-    </p:spTree>
-    <p:extLst>
-      <p:ext uri="{BB962C8B-B14F-4D97-AF65-F5344CB8AC3E}">
-        <p14:creationId xmlns:p14="http://schemas.microsoft.com/office/powerpoint/2010/main" val="1222181955"/>
-      </p:ext>
-    </p:extLst>
-  </p:cSld>
-  <p:clrMapOvr>
-    <a:masterClrMapping/>
-  </p:clrMapOvr>
-</p:sld>
-</file>
-
-<file path=ppt/slides/slide3.xml><?xml version="1.0" encoding="utf-8"?>
-<p:sld xmlns:a="http://schemas.openxmlformats.org/drawingml/2006/main" xmlns:r="http://schemas.openxmlformats.org/officeDocument/2006/relationships" xmlns:p="http://schemas.openxmlformats.org/presentationml/2006/main">
-  <p:cSld>
-    <p:spTree>
-      <p:nvGrpSpPr>
-        <p:cNvPr id="1" name=""/>
-        <p:cNvGrpSpPr/>
-        <p:nvPr/>
-      </p:nvGrpSpPr>
-      <p:grpSpPr>
-        <a:xfrm>
-          <a:off x="0" y="0"/>
-          <a:ext cx="0" cy="0"/>
-          <a:chOff x="0" y="0"/>
-          <a:chExt cx="0" cy="0"/>
-        </a:xfrm>
-      </p:grpSpPr>
       <p:pic>
         <p:nvPicPr>
           <p:cNvPr id="11" name="図 10" descr="スクリーンショット が含まれている画像&#10;&#10;非常に高い精度で生成された説明">
@@ -4669,6 +4639,226 @@
     <p:extLst>
       <p:ext uri="{BB962C8B-B14F-4D97-AF65-F5344CB8AC3E}">
         <p14:creationId xmlns:p14="http://schemas.microsoft.com/office/powerpoint/2010/main" val="1471276140"/>
+      </p:ext>
+    </p:extLst>
+  </p:cSld>
+  <p:clrMapOvr>
+    <a:masterClrMapping/>
+  </p:clrMapOvr>
+</p:sld>
+</file>
+
+<file path=ppt/slides/slide3.xml><?xml version="1.0" encoding="utf-8"?>
+<p:sld xmlns:a="http://schemas.openxmlformats.org/drawingml/2006/main" xmlns:r="http://schemas.openxmlformats.org/officeDocument/2006/relationships" xmlns:p="http://schemas.openxmlformats.org/presentationml/2006/main">
+  <p:cSld>
+    <p:spTree>
+      <p:nvGrpSpPr>
+        <p:cNvPr id="1" name=""/>
+        <p:cNvGrpSpPr/>
+        <p:nvPr/>
+      </p:nvGrpSpPr>
+      <p:grpSpPr>
+        <a:xfrm>
+          <a:off x="0" y="0"/>
+          <a:ext cx="0" cy="0"/>
+          <a:chOff x="0" y="0"/>
+          <a:chExt cx="0" cy="0"/>
+        </a:xfrm>
+      </p:grpSpPr>
+      <p:pic>
+        <p:nvPicPr>
+          <p:cNvPr id="3" name="図 2" descr="スクリーンショット が含まれている画像&#10;&#10;非常に高い精度で生成された説明">
+            <a:extLst>
+              <a:ext uri="{FF2B5EF4-FFF2-40B4-BE49-F238E27FC236}">
+                <a16:creationId xmlns:a16="http://schemas.microsoft.com/office/drawing/2014/main" id="{AC6E6D24-4105-4A46-8291-F1605A137524}"/>
+              </a:ext>
+            </a:extLst>
+          </p:cNvPr>
+          <p:cNvPicPr>
+            <a:picLocks noChangeAspect="1"/>
+          </p:cNvPicPr>
+          <p:nvPr/>
+        </p:nvPicPr>
+        <p:blipFill>
+          <a:blip r:embed="rId2">
+            <a:extLst>
+              <a:ext uri="{28A0092B-C50C-407E-A947-70E740481C1C}">
+                <a14:useLocalDpi xmlns:a14="http://schemas.microsoft.com/office/drawing/2010/main" val="0"/>
+              </a:ext>
+            </a:extLst>
+          </a:blip>
+          <a:stretch>
+            <a:fillRect/>
+          </a:stretch>
+        </p:blipFill>
+        <p:spPr>
+          <a:xfrm>
+            <a:off x="149924" y="260661"/>
+            <a:ext cx="4051309" cy="2744782"/>
+          </a:xfrm>
+          <a:prstGeom prst="rect">
+            <a:avLst/>
+          </a:prstGeom>
+          <a:ln>
+            <a:noFill/>
+          </a:ln>
+          <a:effectLst>
+            <a:outerShdw blurRad="292100" dist="139700" dir="2700000" algn="tl" rotWithShape="0">
+              <a:srgbClr val="333333">
+                <a:alpha val="65000"/>
+              </a:srgbClr>
+            </a:outerShdw>
+          </a:effectLst>
+        </p:spPr>
+      </p:pic>
+      <p:pic>
+        <p:nvPicPr>
+          <p:cNvPr id="5" name="図 4" descr="スクリーンショット が含まれている画像&#10;&#10;非常に高い精度で生成された説明">
+            <a:extLst>
+              <a:ext uri="{FF2B5EF4-FFF2-40B4-BE49-F238E27FC236}">
+                <a16:creationId xmlns:a16="http://schemas.microsoft.com/office/drawing/2014/main" id="{CDC7583D-625D-46D0-98C7-21D312ECCC0A}"/>
+              </a:ext>
+            </a:extLst>
+          </p:cNvPr>
+          <p:cNvPicPr>
+            <a:picLocks noChangeAspect="1"/>
+          </p:cNvPicPr>
+          <p:nvPr/>
+        </p:nvPicPr>
+        <p:blipFill>
+          <a:blip r:embed="rId3">
+            <a:extLst>
+              <a:ext uri="{28A0092B-C50C-407E-A947-70E740481C1C}">
+                <a14:useLocalDpi xmlns:a14="http://schemas.microsoft.com/office/drawing/2010/main" val="0"/>
+              </a:ext>
+            </a:extLst>
+          </a:blip>
+          <a:stretch>
+            <a:fillRect/>
+          </a:stretch>
+        </p:blipFill>
+        <p:spPr>
+          <a:xfrm>
+            <a:off x="4580053" y="283109"/>
+            <a:ext cx="4849741" cy="2699886"/>
+          </a:xfrm>
+          <a:prstGeom prst="rect">
+            <a:avLst/>
+          </a:prstGeom>
+          <a:ln>
+            <a:noFill/>
+          </a:ln>
+          <a:effectLst>
+            <a:outerShdw blurRad="292100" dist="139700" dir="2700000" algn="tl" rotWithShape="0">
+              <a:srgbClr val="333333">
+                <a:alpha val="65000"/>
+              </a:srgbClr>
+            </a:outerShdw>
+          </a:effectLst>
+        </p:spPr>
+      </p:pic>
+      <p:pic>
+        <p:nvPicPr>
+          <p:cNvPr id="7" name="図 6" descr="スクリーンショット が含まれている画像&#10;&#10;非常に高い精度で生成された説明">
+            <a:extLst>
+              <a:ext uri="{FF2B5EF4-FFF2-40B4-BE49-F238E27FC236}">
+                <a16:creationId xmlns:a16="http://schemas.microsoft.com/office/drawing/2014/main" id="{195ADC07-8083-4B5A-A05F-6DAA8E770DA4}"/>
+              </a:ext>
+            </a:extLst>
+          </p:cNvPr>
+          <p:cNvPicPr>
+            <a:picLocks noChangeAspect="1"/>
+          </p:cNvPicPr>
+          <p:nvPr/>
+        </p:nvPicPr>
+        <p:blipFill>
+          <a:blip r:embed="rId4">
+            <a:extLst>
+              <a:ext uri="{28A0092B-C50C-407E-A947-70E740481C1C}">
+                <a14:useLocalDpi xmlns:a14="http://schemas.microsoft.com/office/drawing/2010/main" val="0"/>
+              </a:ext>
+            </a:extLst>
+          </a:blip>
+          <a:stretch>
+            <a:fillRect/>
+          </a:stretch>
+        </p:blipFill>
+        <p:spPr>
+          <a:xfrm>
+            <a:off x="9712206" y="283109"/>
+            <a:ext cx="3882750" cy="2803386"/>
+          </a:xfrm>
+          <a:prstGeom prst="rect">
+            <a:avLst/>
+          </a:prstGeom>
+          <a:ln>
+            <a:noFill/>
+          </a:ln>
+          <a:effectLst>
+            <a:outerShdw blurRad="292100" dist="139700" dir="2700000" algn="tl" rotWithShape="0">
+              <a:srgbClr val="333333">
+                <a:alpha val="65000"/>
+              </a:srgbClr>
+            </a:outerShdw>
+          </a:effectLst>
+        </p:spPr>
+      </p:pic>
+      <p:sp>
+        <p:nvSpPr>
+          <p:cNvPr id="8" name="楕円 7">
+            <a:extLst>
+              <a:ext uri="{FF2B5EF4-FFF2-40B4-BE49-F238E27FC236}">
+                <a16:creationId xmlns:a16="http://schemas.microsoft.com/office/drawing/2014/main" id="{4601EDAA-0DC4-485E-B465-B3BD4E2F9FEA}"/>
+              </a:ext>
+            </a:extLst>
+          </p:cNvPr>
+          <p:cNvSpPr/>
+          <p:nvPr/>
+        </p:nvSpPr>
+        <p:spPr>
+          <a:xfrm>
+            <a:off x="1954738" y="2490766"/>
+            <a:ext cx="1226501" cy="411790"/>
+          </a:xfrm>
+          <a:prstGeom prst="ellipse">
+            <a:avLst/>
+          </a:prstGeom>
+          <a:noFill/>
+          <a:ln w="38100">
+            <a:solidFill>
+              <a:srgbClr val="FF0000"/>
+            </a:solidFill>
+          </a:ln>
+        </p:spPr>
+        <p:style>
+          <a:lnRef idx="2">
+            <a:schemeClr val="accent1">
+              <a:shade val="50000"/>
+            </a:schemeClr>
+          </a:lnRef>
+          <a:fillRef idx="1">
+            <a:schemeClr val="accent1"/>
+          </a:fillRef>
+          <a:effectRef idx="0">
+            <a:schemeClr val="accent1"/>
+          </a:effectRef>
+          <a:fontRef idx="minor">
+            <a:schemeClr val="lt1"/>
+          </a:fontRef>
+        </p:style>
+        <p:txBody>
+          <a:bodyPr rtlCol="0" anchor="ctr"/>
+          <a:lstStyle/>
+          <a:p>
+            <a:pPr algn="ctr"/>
+            <a:endParaRPr kumimoji="1" lang="ja-JP" altLang="en-US"/>
+          </a:p>
+        </p:txBody>
+      </p:sp>
+    </p:spTree>
+    <p:extLst>
+      <p:ext uri="{BB962C8B-B14F-4D97-AF65-F5344CB8AC3E}">
+        <p14:creationId xmlns:p14="http://schemas.microsoft.com/office/powerpoint/2010/main" val="1054719562"/>
       </p:ext>
     </p:extLst>
   </p:cSld>

--- a/document/01_develop_webdb_on_iaas/図版.pptx
+++ b/document/01_develop_webdb_on_iaas/図版.pptx
@@ -8,6 +8,7 @@
     <p:sldId id="257" r:id="rId2"/>
     <p:sldId id="256" r:id="rId3"/>
     <p:sldId id="258" r:id="rId4"/>
+    <p:sldId id="259" r:id="rId5"/>
   </p:sldIdLst>
   <p:sldSz cx="12192000" cy="6858000"/>
   <p:notesSz cx="6858000" cy="9144000"/>
@@ -4785,8 +4786,8 @@
         </p:blipFill>
         <p:spPr>
           <a:xfrm>
-            <a:off x="9712206" y="283109"/>
-            <a:ext cx="3882750" cy="2803386"/>
+            <a:off x="9704235" y="260661"/>
+            <a:ext cx="4271025" cy="3083725"/>
           </a:xfrm>
           <a:prstGeom prst="rect">
             <a:avLst/>
@@ -4855,10 +4856,356 @@
           </a:p>
         </p:txBody>
       </p:sp>
+      <p:sp>
+        <p:nvSpPr>
+          <p:cNvPr id="9" name="楕円 8">
+            <a:extLst>
+              <a:ext uri="{FF2B5EF4-FFF2-40B4-BE49-F238E27FC236}">
+                <a16:creationId xmlns:a16="http://schemas.microsoft.com/office/drawing/2014/main" id="{03E7AC1F-9437-4FEC-A955-B9F78C299D94}"/>
+              </a:ext>
+            </a:extLst>
+          </p:cNvPr>
+          <p:cNvSpPr/>
+          <p:nvPr/>
+        </p:nvSpPr>
+        <p:spPr>
+          <a:xfrm>
+            <a:off x="4483645" y="2593653"/>
+            <a:ext cx="1226501" cy="411790"/>
+          </a:xfrm>
+          <a:prstGeom prst="ellipse">
+            <a:avLst/>
+          </a:prstGeom>
+          <a:noFill/>
+          <a:ln w="38100">
+            <a:solidFill>
+              <a:srgbClr val="FF0000"/>
+            </a:solidFill>
+          </a:ln>
+        </p:spPr>
+        <p:style>
+          <a:lnRef idx="2">
+            <a:schemeClr val="accent1">
+              <a:shade val="50000"/>
+            </a:schemeClr>
+          </a:lnRef>
+          <a:fillRef idx="1">
+            <a:schemeClr val="accent1"/>
+          </a:fillRef>
+          <a:effectRef idx="0">
+            <a:schemeClr val="accent1"/>
+          </a:effectRef>
+          <a:fontRef idx="minor">
+            <a:schemeClr val="lt1"/>
+          </a:fontRef>
+        </p:style>
+        <p:txBody>
+          <a:bodyPr rtlCol="0" anchor="ctr"/>
+          <a:lstStyle/>
+          <a:p>
+            <a:pPr algn="ctr"/>
+            <a:endParaRPr kumimoji="1" lang="ja-JP" altLang="en-US"/>
+          </a:p>
+        </p:txBody>
+      </p:sp>
+      <p:sp>
+        <p:nvSpPr>
+          <p:cNvPr id="10" name="楕円 9">
+            <a:extLst>
+              <a:ext uri="{FF2B5EF4-FFF2-40B4-BE49-F238E27FC236}">
+                <a16:creationId xmlns:a16="http://schemas.microsoft.com/office/drawing/2014/main" id="{F2942370-A17F-411E-B414-2A88F5F0FF11}"/>
+              </a:ext>
+            </a:extLst>
+          </p:cNvPr>
+          <p:cNvSpPr/>
+          <p:nvPr/>
+        </p:nvSpPr>
+        <p:spPr>
+          <a:xfrm>
+            <a:off x="6174646" y="523021"/>
+            <a:ext cx="1226501" cy="411790"/>
+          </a:xfrm>
+          <a:prstGeom prst="ellipse">
+            <a:avLst/>
+          </a:prstGeom>
+          <a:noFill/>
+          <a:ln w="38100">
+            <a:solidFill>
+              <a:srgbClr val="FF0000"/>
+            </a:solidFill>
+          </a:ln>
+        </p:spPr>
+        <p:style>
+          <a:lnRef idx="2">
+            <a:schemeClr val="accent1">
+              <a:shade val="50000"/>
+            </a:schemeClr>
+          </a:lnRef>
+          <a:fillRef idx="1">
+            <a:schemeClr val="accent1"/>
+          </a:fillRef>
+          <a:effectRef idx="0">
+            <a:schemeClr val="accent1"/>
+          </a:effectRef>
+          <a:fontRef idx="minor">
+            <a:schemeClr val="lt1"/>
+          </a:fontRef>
+        </p:style>
+        <p:txBody>
+          <a:bodyPr rtlCol="0" anchor="ctr"/>
+          <a:lstStyle/>
+          <a:p>
+            <a:pPr algn="ctr"/>
+            <a:endParaRPr kumimoji="1" lang="ja-JP" altLang="en-US"/>
+          </a:p>
+        </p:txBody>
+      </p:sp>
+      <p:sp>
+        <p:nvSpPr>
+          <p:cNvPr id="12" name="四角形: 角を丸くする 11">
+            <a:extLst>
+              <a:ext uri="{FF2B5EF4-FFF2-40B4-BE49-F238E27FC236}">
+                <a16:creationId xmlns:a16="http://schemas.microsoft.com/office/drawing/2014/main" id="{9062481F-26F4-4D3C-B71C-1A8BAFE5EC28}"/>
+              </a:ext>
+            </a:extLst>
+          </p:cNvPr>
+          <p:cNvSpPr/>
+          <p:nvPr/>
+        </p:nvSpPr>
+        <p:spPr>
+          <a:xfrm>
+            <a:off x="9808614" y="622934"/>
+            <a:ext cx="996532" cy="352963"/>
+          </a:xfrm>
+          <a:prstGeom prst="roundRect">
+            <a:avLst/>
+          </a:prstGeom>
+          <a:noFill/>
+          <a:ln w="38100">
+            <a:solidFill>
+              <a:srgbClr val="FF0000"/>
+            </a:solidFill>
+          </a:ln>
+        </p:spPr>
+        <p:style>
+          <a:lnRef idx="2">
+            <a:schemeClr val="accent1">
+              <a:shade val="50000"/>
+            </a:schemeClr>
+          </a:lnRef>
+          <a:fillRef idx="1">
+            <a:schemeClr val="accent1"/>
+          </a:fillRef>
+          <a:effectRef idx="0">
+            <a:schemeClr val="accent1"/>
+          </a:effectRef>
+          <a:fontRef idx="minor">
+            <a:schemeClr val="lt1"/>
+          </a:fontRef>
+        </p:style>
+        <p:txBody>
+          <a:bodyPr rot="0" spcFirstLastPara="0" vertOverflow="overflow" horzOverflow="overflow" vert="horz" wrap="square" lIns="91440" tIns="45720" rIns="91440" bIns="45720" numCol="1" spcCol="0" rtlCol="0" fromWordArt="0" anchor="ctr" anchorCtr="0" forceAA="0" compatLnSpc="1">
+            <a:prstTxWarp prst="textNoShape">
+              <a:avLst/>
+            </a:prstTxWarp>
+            <a:noAutofit/>
+          </a:bodyPr>
+          <a:lstStyle/>
+          <a:p>
+            <a:pPr algn="ctr"/>
+            <a:endParaRPr lang="ja-JP" altLang="en-US"/>
+          </a:p>
+        </p:txBody>
+      </p:sp>
+      <p:sp>
+        <p:nvSpPr>
+          <p:cNvPr id="13" name="四角形: 角を丸くする 12">
+            <a:extLst>
+              <a:ext uri="{FF2B5EF4-FFF2-40B4-BE49-F238E27FC236}">
+                <a16:creationId xmlns:a16="http://schemas.microsoft.com/office/drawing/2014/main" id="{67A9C0E5-D056-41C9-8049-DAAA0C38906E}"/>
+              </a:ext>
+            </a:extLst>
+          </p:cNvPr>
+          <p:cNvSpPr/>
+          <p:nvPr/>
+        </p:nvSpPr>
+        <p:spPr>
+          <a:xfrm>
+            <a:off x="9808614" y="1065532"/>
+            <a:ext cx="1531041" cy="352963"/>
+          </a:xfrm>
+          <a:prstGeom prst="roundRect">
+            <a:avLst/>
+          </a:prstGeom>
+          <a:noFill/>
+          <a:ln w="38100">
+            <a:solidFill>
+              <a:srgbClr val="FF0000"/>
+            </a:solidFill>
+          </a:ln>
+        </p:spPr>
+        <p:style>
+          <a:lnRef idx="2">
+            <a:schemeClr val="accent1">
+              <a:shade val="50000"/>
+            </a:schemeClr>
+          </a:lnRef>
+          <a:fillRef idx="1">
+            <a:schemeClr val="accent1"/>
+          </a:fillRef>
+          <a:effectRef idx="0">
+            <a:schemeClr val="accent1"/>
+          </a:effectRef>
+          <a:fontRef idx="minor">
+            <a:schemeClr val="lt1"/>
+          </a:fontRef>
+        </p:style>
+        <p:txBody>
+          <a:bodyPr rot="0" spcFirstLastPara="0" vertOverflow="overflow" horzOverflow="overflow" vert="horz" wrap="square" lIns="91440" tIns="45720" rIns="91440" bIns="45720" numCol="1" spcCol="0" rtlCol="0" fromWordArt="0" anchor="ctr" anchorCtr="0" forceAA="0" compatLnSpc="1">
+            <a:prstTxWarp prst="textNoShape">
+              <a:avLst/>
+            </a:prstTxWarp>
+            <a:noAutofit/>
+          </a:bodyPr>
+          <a:lstStyle/>
+          <a:p>
+            <a:pPr algn="ctr"/>
+            <a:endParaRPr lang="ja-JP" altLang="en-US"/>
+          </a:p>
+        </p:txBody>
+      </p:sp>
     </p:spTree>
     <p:extLst>
       <p:ext uri="{BB962C8B-B14F-4D97-AF65-F5344CB8AC3E}">
         <p14:creationId xmlns:p14="http://schemas.microsoft.com/office/powerpoint/2010/main" val="1054719562"/>
+      </p:ext>
+    </p:extLst>
+  </p:cSld>
+  <p:clrMapOvr>
+    <a:masterClrMapping/>
+  </p:clrMapOvr>
+</p:sld>
+</file>
+
+<file path=ppt/slides/slide4.xml><?xml version="1.0" encoding="utf-8"?>
+<p:sld xmlns:a="http://schemas.openxmlformats.org/drawingml/2006/main" xmlns:r="http://schemas.openxmlformats.org/officeDocument/2006/relationships" xmlns:p="http://schemas.openxmlformats.org/presentationml/2006/main">
+  <p:cSld>
+    <p:spTree>
+      <p:nvGrpSpPr>
+        <p:cNvPr id="1" name=""/>
+        <p:cNvGrpSpPr/>
+        <p:nvPr/>
+      </p:nvGrpSpPr>
+      <p:grpSpPr>
+        <a:xfrm>
+          <a:off x="0" y="0"/>
+          <a:ext cx="0" cy="0"/>
+          <a:chOff x="0" y="0"/>
+          <a:chExt cx="0" cy="0"/>
+        </a:xfrm>
+      </p:grpSpPr>
+      <p:pic>
+        <p:nvPicPr>
+          <p:cNvPr id="2" name="図 1" descr="スクリーンショット が含まれている画像&#10;&#10;非常に高い精度で生成された説明">
+            <a:extLst>
+              <a:ext uri="{FF2B5EF4-FFF2-40B4-BE49-F238E27FC236}">
+                <a16:creationId xmlns:a16="http://schemas.microsoft.com/office/drawing/2014/main" id="{E06A8CFF-821E-4AF1-9921-1ED7AF293ADE}"/>
+              </a:ext>
+            </a:extLst>
+          </p:cNvPr>
+          <p:cNvPicPr>
+            <a:picLocks noChangeAspect="1"/>
+          </p:cNvPicPr>
+          <p:nvPr/>
+        </p:nvPicPr>
+        <p:blipFill>
+          <a:blip r:embed="rId2">
+            <a:extLst>
+              <a:ext uri="{28A0092B-C50C-407E-A947-70E740481C1C}">
+                <a14:useLocalDpi xmlns:a14="http://schemas.microsoft.com/office/drawing/2010/main" val="0"/>
+              </a:ext>
+            </a:extLst>
+          </a:blip>
+          <a:stretch>
+            <a:fillRect/>
+          </a:stretch>
+        </p:blipFill>
+        <p:spPr>
+          <a:xfrm>
+            <a:off x="149924" y="260661"/>
+            <a:ext cx="4051309" cy="2744782"/>
+          </a:xfrm>
+          <a:prstGeom prst="rect">
+            <a:avLst/>
+          </a:prstGeom>
+          <a:ln>
+            <a:noFill/>
+          </a:ln>
+          <a:effectLst>
+            <a:outerShdw blurRad="292100" dist="139700" dir="2700000" algn="tl" rotWithShape="0">
+              <a:srgbClr val="333333">
+                <a:alpha val="65000"/>
+              </a:srgbClr>
+            </a:outerShdw>
+          </a:effectLst>
+        </p:spPr>
+      </p:pic>
+      <p:sp>
+        <p:nvSpPr>
+          <p:cNvPr id="3" name="楕円 2">
+            <a:extLst>
+              <a:ext uri="{FF2B5EF4-FFF2-40B4-BE49-F238E27FC236}">
+                <a16:creationId xmlns:a16="http://schemas.microsoft.com/office/drawing/2014/main" id="{63E407B3-4C3F-4449-B299-F8446C68E66A}"/>
+              </a:ext>
+            </a:extLst>
+          </p:cNvPr>
+          <p:cNvSpPr/>
+          <p:nvPr/>
+        </p:nvSpPr>
+        <p:spPr>
+          <a:xfrm>
+            <a:off x="1749556" y="623638"/>
+            <a:ext cx="629388" cy="411790"/>
+          </a:xfrm>
+          <a:prstGeom prst="ellipse">
+            <a:avLst/>
+          </a:prstGeom>
+          <a:noFill/>
+          <a:ln w="38100">
+            <a:solidFill>
+              <a:srgbClr val="FF0000"/>
+            </a:solidFill>
+          </a:ln>
+        </p:spPr>
+        <p:style>
+          <a:lnRef idx="2">
+            <a:schemeClr val="accent1">
+              <a:shade val="50000"/>
+            </a:schemeClr>
+          </a:lnRef>
+          <a:fillRef idx="1">
+            <a:schemeClr val="accent1"/>
+          </a:fillRef>
+          <a:effectRef idx="0">
+            <a:schemeClr val="accent1"/>
+          </a:effectRef>
+          <a:fontRef idx="minor">
+            <a:schemeClr val="lt1"/>
+          </a:fontRef>
+        </p:style>
+        <p:txBody>
+          <a:bodyPr rtlCol="0" anchor="ctr"/>
+          <a:lstStyle/>
+          <a:p>
+            <a:pPr algn="ctr"/>
+            <a:endParaRPr kumimoji="1" lang="ja-JP" altLang="en-US"/>
+          </a:p>
+        </p:txBody>
+      </p:sp>
+    </p:spTree>
+    <p:extLst>
+      <p:ext uri="{BB962C8B-B14F-4D97-AF65-F5344CB8AC3E}">
+        <p14:creationId xmlns:p14="http://schemas.microsoft.com/office/powerpoint/2010/main" val="4156693191"/>
       </p:ext>
     </p:extLst>
   </p:cSld>

--- a/document/01_develop_webdb_on_iaas/図版.pptx
+++ b/document/01_develop_webdb_on_iaas/図版.pptx
@@ -9,6 +9,7 @@
     <p:sldId id="256" r:id="rId3"/>
     <p:sldId id="258" r:id="rId4"/>
     <p:sldId id="259" r:id="rId5"/>
+    <p:sldId id="260" r:id="rId6"/>
   </p:sldIdLst>
   <p:sldSz cx="12192000" cy="6858000"/>
   <p:notesSz cx="6858000" cy="9144000"/>
@@ -107,6 +108,11 @@
       </a:defRPr>
     </a:lvl9pPr>
   </p:defaultTextStyle>
+  <p:extLst>
+    <p:ext uri="{EFAFB233-063F-42B5-8137-9DF3F51BA10A}">
+      <p15:sldGuideLst xmlns:p15="http://schemas.microsoft.com/office/powerpoint/2012/main"/>
+    </p:ext>
+  </p:extLst>
 </p:presentation>
 </file>
 
@@ -257,7 +263,7 @@
           <a:p>
             <a:fld id="{BAD14A03-038F-4C81-AA81-028A8293EF95}" type="datetimeFigureOut">
               <a:rPr kumimoji="1" lang="ja-JP" altLang="en-US" smtClean="0"/>
-              <a:t>2018/8/20</a:t>
+              <a:t>2018/8/21</a:t>
             </a:fld>
             <a:endParaRPr kumimoji="1" lang="ja-JP" altLang="en-US"/>
           </a:p>
@@ -487,7 +493,7 @@
           <a:p>
             <a:fld id="{BAD14A03-038F-4C81-AA81-028A8293EF95}" type="datetimeFigureOut">
               <a:rPr kumimoji="1" lang="ja-JP" altLang="en-US" smtClean="0"/>
-              <a:t>2018/8/20</a:t>
+              <a:t>2018/8/21</a:t>
             </a:fld>
             <a:endParaRPr kumimoji="1" lang="ja-JP" altLang="en-US"/>
           </a:p>
@@ -727,7 +733,7 @@
           <a:p>
             <a:fld id="{BAD14A03-038F-4C81-AA81-028A8293EF95}" type="datetimeFigureOut">
               <a:rPr kumimoji="1" lang="ja-JP" altLang="en-US" smtClean="0"/>
-              <a:t>2018/8/20</a:t>
+              <a:t>2018/8/21</a:t>
             </a:fld>
             <a:endParaRPr kumimoji="1" lang="ja-JP" altLang="en-US"/>
           </a:p>
@@ -957,7 +963,7 @@
           <a:p>
             <a:fld id="{BAD14A03-038F-4C81-AA81-028A8293EF95}" type="datetimeFigureOut">
               <a:rPr kumimoji="1" lang="ja-JP" altLang="en-US" smtClean="0"/>
-              <a:t>2018/8/20</a:t>
+              <a:t>2018/8/21</a:t>
             </a:fld>
             <a:endParaRPr kumimoji="1" lang="ja-JP" altLang="en-US"/>
           </a:p>
@@ -1232,7 +1238,7 @@
           <a:p>
             <a:fld id="{BAD14A03-038F-4C81-AA81-028A8293EF95}" type="datetimeFigureOut">
               <a:rPr kumimoji="1" lang="ja-JP" altLang="en-US" smtClean="0"/>
-              <a:t>2018/8/20</a:t>
+              <a:t>2018/8/21</a:t>
             </a:fld>
             <a:endParaRPr kumimoji="1" lang="ja-JP" altLang="en-US"/>
           </a:p>
@@ -1561,7 +1567,7 @@
           <a:p>
             <a:fld id="{BAD14A03-038F-4C81-AA81-028A8293EF95}" type="datetimeFigureOut">
               <a:rPr kumimoji="1" lang="ja-JP" altLang="en-US" smtClean="0"/>
-              <a:t>2018/8/20</a:t>
+              <a:t>2018/8/21</a:t>
             </a:fld>
             <a:endParaRPr kumimoji="1" lang="ja-JP" altLang="en-US"/>
           </a:p>
@@ -2037,7 +2043,7 @@
           <a:p>
             <a:fld id="{BAD14A03-038F-4C81-AA81-028A8293EF95}" type="datetimeFigureOut">
               <a:rPr kumimoji="1" lang="ja-JP" altLang="en-US" smtClean="0"/>
-              <a:t>2018/8/20</a:t>
+              <a:t>2018/8/21</a:t>
             </a:fld>
             <a:endParaRPr kumimoji="1" lang="ja-JP" altLang="en-US"/>
           </a:p>
@@ -2178,7 +2184,7 @@
           <a:p>
             <a:fld id="{BAD14A03-038F-4C81-AA81-028A8293EF95}" type="datetimeFigureOut">
               <a:rPr kumimoji="1" lang="ja-JP" altLang="en-US" smtClean="0"/>
-              <a:t>2018/8/20</a:t>
+              <a:t>2018/8/21</a:t>
             </a:fld>
             <a:endParaRPr kumimoji="1" lang="ja-JP" altLang="en-US"/>
           </a:p>
@@ -2291,7 +2297,7 @@
           <a:p>
             <a:fld id="{BAD14A03-038F-4C81-AA81-028A8293EF95}" type="datetimeFigureOut">
               <a:rPr kumimoji="1" lang="ja-JP" altLang="en-US" smtClean="0"/>
-              <a:t>2018/8/20</a:t>
+              <a:t>2018/8/21</a:t>
             </a:fld>
             <a:endParaRPr kumimoji="1" lang="ja-JP" altLang="en-US"/>
           </a:p>
@@ -2634,7 +2640,7 @@
           <a:p>
             <a:fld id="{BAD14A03-038F-4C81-AA81-028A8293EF95}" type="datetimeFigureOut">
               <a:rPr kumimoji="1" lang="ja-JP" altLang="en-US" smtClean="0"/>
-              <a:t>2018/8/20</a:t>
+              <a:t>2018/8/21</a:t>
             </a:fld>
             <a:endParaRPr kumimoji="1" lang="ja-JP" altLang="en-US"/>
           </a:p>
@@ -2922,7 +2928,7 @@
           <a:p>
             <a:fld id="{BAD14A03-038F-4C81-AA81-028A8293EF95}" type="datetimeFigureOut">
               <a:rPr kumimoji="1" lang="ja-JP" altLang="en-US" smtClean="0"/>
-              <a:t>2018/8/20</a:t>
+              <a:t>2018/8/21</a:t>
             </a:fld>
             <a:endParaRPr kumimoji="1" lang="ja-JP" altLang="en-US"/>
           </a:p>
@@ -3195,7 +3201,7 @@
           <a:p>
             <a:fld id="{BAD14A03-038F-4C81-AA81-028A8293EF95}" type="datetimeFigureOut">
               <a:rPr kumimoji="1" lang="ja-JP" altLang="en-US" smtClean="0"/>
-              <a:t>2018/8/20</a:t>
+              <a:t>2018/8/21</a:t>
             </a:fld>
             <a:endParaRPr kumimoji="1" lang="ja-JP" altLang="en-US"/>
           </a:p>
@@ -5202,10 +5208,313 @@
           </a:p>
         </p:txBody>
       </p:sp>
+      <p:pic>
+        <p:nvPicPr>
+          <p:cNvPr id="7" name="図 6" descr="スクリーンショット が含まれている画像&#10;&#10;非常に高い精度で生成された説明">
+            <a:extLst>
+              <a:ext uri="{FF2B5EF4-FFF2-40B4-BE49-F238E27FC236}">
+                <a16:creationId xmlns:a16="http://schemas.microsoft.com/office/drawing/2014/main" id="{AF98C537-60D0-403A-B03D-459570469B5C}"/>
+              </a:ext>
+            </a:extLst>
+          </p:cNvPr>
+          <p:cNvPicPr>
+            <a:picLocks noChangeAspect="1"/>
+          </p:cNvPicPr>
+          <p:nvPr/>
+        </p:nvPicPr>
+        <p:blipFill>
+          <a:blip r:embed="rId3">
+            <a:extLst>
+              <a:ext uri="{28A0092B-C50C-407E-A947-70E740481C1C}">
+                <a14:useLocalDpi xmlns:a14="http://schemas.microsoft.com/office/drawing/2010/main" val="0"/>
+              </a:ext>
+            </a:extLst>
+          </a:blip>
+          <a:stretch>
+            <a:fillRect/>
+          </a:stretch>
+        </p:blipFill>
+        <p:spPr>
+          <a:xfrm>
+            <a:off x="4560717" y="260661"/>
+            <a:ext cx="7143802" cy="3700490"/>
+          </a:xfrm>
+          <a:prstGeom prst="rect">
+            <a:avLst/>
+          </a:prstGeom>
+          <a:ln>
+            <a:noFill/>
+          </a:ln>
+          <a:effectLst>
+            <a:outerShdw blurRad="292100" dist="139700" dir="2700000" algn="tl" rotWithShape="0">
+              <a:srgbClr val="333333">
+                <a:alpha val="65000"/>
+              </a:srgbClr>
+            </a:outerShdw>
+          </a:effectLst>
+        </p:spPr>
+      </p:pic>
+      <p:sp>
+        <p:nvSpPr>
+          <p:cNvPr id="8" name="四角形: 角を丸くする 7">
+            <a:extLst>
+              <a:ext uri="{FF2B5EF4-FFF2-40B4-BE49-F238E27FC236}">
+                <a16:creationId xmlns:a16="http://schemas.microsoft.com/office/drawing/2014/main" id="{3159BA9C-5505-4D5C-A70E-92C7D5E32294}"/>
+              </a:ext>
+            </a:extLst>
+          </p:cNvPr>
+          <p:cNvSpPr/>
+          <p:nvPr/>
+        </p:nvSpPr>
+        <p:spPr>
+          <a:xfrm>
+            <a:off x="4676034" y="2780674"/>
+            <a:ext cx="6811458" cy="449538"/>
+          </a:xfrm>
+          <a:prstGeom prst="roundRect">
+            <a:avLst/>
+          </a:prstGeom>
+          <a:noFill/>
+          <a:ln w="38100">
+            <a:solidFill>
+              <a:srgbClr val="FF0000"/>
+            </a:solidFill>
+          </a:ln>
+        </p:spPr>
+        <p:style>
+          <a:lnRef idx="2">
+            <a:schemeClr val="accent1">
+              <a:shade val="50000"/>
+            </a:schemeClr>
+          </a:lnRef>
+          <a:fillRef idx="1">
+            <a:schemeClr val="accent1"/>
+          </a:fillRef>
+          <a:effectRef idx="0">
+            <a:schemeClr val="accent1"/>
+          </a:effectRef>
+          <a:fontRef idx="minor">
+            <a:schemeClr val="lt1"/>
+          </a:fontRef>
+        </p:style>
+        <p:txBody>
+          <a:bodyPr rot="0" spcFirstLastPara="0" vertOverflow="overflow" horzOverflow="overflow" vert="horz" wrap="square" lIns="91440" tIns="45720" rIns="91440" bIns="45720" numCol="1" spcCol="0" rtlCol="0" fromWordArt="0" anchor="ctr" anchorCtr="0" forceAA="0" compatLnSpc="1">
+            <a:prstTxWarp prst="textNoShape">
+              <a:avLst/>
+            </a:prstTxWarp>
+            <a:noAutofit/>
+          </a:bodyPr>
+          <a:lstStyle/>
+          <a:p>
+            <a:pPr algn="ctr"/>
+            <a:endParaRPr lang="ja-JP" altLang="en-US"/>
+          </a:p>
+        </p:txBody>
+      </p:sp>
     </p:spTree>
     <p:extLst>
       <p:ext uri="{BB962C8B-B14F-4D97-AF65-F5344CB8AC3E}">
         <p14:creationId xmlns:p14="http://schemas.microsoft.com/office/powerpoint/2010/main" val="4156693191"/>
+      </p:ext>
+    </p:extLst>
+  </p:cSld>
+  <p:clrMapOvr>
+    <a:masterClrMapping/>
+  </p:clrMapOvr>
+</p:sld>
+</file>
+
+<file path=ppt/slides/slide5.xml><?xml version="1.0" encoding="utf-8"?>
+<p:sld xmlns:a="http://schemas.openxmlformats.org/drawingml/2006/main" xmlns:r="http://schemas.openxmlformats.org/officeDocument/2006/relationships" xmlns:p="http://schemas.openxmlformats.org/presentationml/2006/main">
+  <p:cSld>
+    <p:spTree>
+      <p:nvGrpSpPr>
+        <p:cNvPr id="1" name=""/>
+        <p:cNvGrpSpPr/>
+        <p:nvPr/>
+      </p:nvGrpSpPr>
+      <p:grpSpPr>
+        <a:xfrm>
+          <a:off x="0" y="0"/>
+          <a:ext cx="0" cy="0"/>
+          <a:chOff x="0" y="0"/>
+          <a:chExt cx="0" cy="0"/>
+        </a:xfrm>
+      </p:grpSpPr>
+      <p:pic>
+        <p:nvPicPr>
+          <p:cNvPr id="5" name="図 4" descr="スクリーンショット が含まれている画像&#10;&#10;非常に高い精度で生成された説明">
+            <a:extLst>
+              <a:ext uri="{FF2B5EF4-FFF2-40B4-BE49-F238E27FC236}">
+                <a16:creationId xmlns:a16="http://schemas.microsoft.com/office/drawing/2014/main" id="{FCAEAA78-485D-4E04-BB31-15EFA8230602}"/>
+              </a:ext>
+            </a:extLst>
+          </p:cNvPr>
+          <p:cNvPicPr>
+            <a:picLocks noChangeAspect="1"/>
+          </p:cNvPicPr>
+          <p:nvPr/>
+        </p:nvPicPr>
+        <p:blipFill>
+          <a:blip r:embed="rId2">
+            <a:extLst>
+              <a:ext uri="{28A0092B-C50C-407E-A947-70E740481C1C}">
+                <a14:useLocalDpi xmlns:a14="http://schemas.microsoft.com/office/drawing/2010/main" val="0"/>
+              </a:ext>
+            </a:extLst>
+          </a:blip>
+          <a:stretch>
+            <a:fillRect/>
+          </a:stretch>
+        </p:blipFill>
+        <p:spPr>
+          <a:xfrm>
+            <a:off x="318203" y="-1094732"/>
+            <a:ext cx="5788861" cy="5149729"/>
+          </a:xfrm>
+          <a:prstGeom prst="rect">
+            <a:avLst/>
+          </a:prstGeom>
+          <a:ln>
+            <a:noFill/>
+          </a:ln>
+          <a:effectLst>
+            <a:outerShdw blurRad="292100" dist="139700" dir="2700000" algn="tl" rotWithShape="0">
+              <a:srgbClr val="333333">
+                <a:alpha val="65000"/>
+              </a:srgbClr>
+            </a:outerShdw>
+          </a:effectLst>
+        </p:spPr>
+      </p:pic>
+      <p:pic>
+        <p:nvPicPr>
+          <p:cNvPr id="7" name="図 6" descr="スクリーンショット が含まれている画像&#10;&#10;非常に高い精度で生成された説明">
+            <a:extLst>
+              <a:ext uri="{FF2B5EF4-FFF2-40B4-BE49-F238E27FC236}">
+                <a16:creationId xmlns:a16="http://schemas.microsoft.com/office/drawing/2014/main" id="{A26AAC3B-1CAC-4A9C-BEE6-79C061C2E6E6}"/>
+              </a:ext>
+            </a:extLst>
+          </p:cNvPr>
+          <p:cNvPicPr>
+            <a:picLocks noChangeAspect="1"/>
+          </p:cNvPicPr>
+          <p:nvPr/>
+        </p:nvPicPr>
+        <p:blipFill>
+          <a:blip r:embed="rId3">
+            <a:extLst>
+              <a:ext uri="{28A0092B-C50C-407E-A947-70E740481C1C}">
+                <a14:useLocalDpi xmlns:a14="http://schemas.microsoft.com/office/drawing/2010/main" val="0"/>
+              </a:ext>
+            </a:extLst>
+          </a:blip>
+          <a:stretch>
+            <a:fillRect/>
+          </a:stretch>
+        </p:blipFill>
+        <p:spPr>
+          <a:xfrm>
+            <a:off x="318203" y="4316985"/>
+            <a:ext cx="5777797" cy="3926707"/>
+          </a:xfrm>
+          <a:prstGeom prst="rect">
+            <a:avLst/>
+          </a:prstGeom>
+          <a:ln>
+            <a:noFill/>
+          </a:ln>
+          <a:effectLst>
+            <a:outerShdw blurRad="292100" dist="139700" dir="2700000" algn="tl" rotWithShape="0">
+              <a:srgbClr val="333333">
+                <a:alpha val="65000"/>
+              </a:srgbClr>
+            </a:outerShdw>
+          </a:effectLst>
+        </p:spPr>
+      </p:pic>
+      <p:pic>
+        <p:nvPicPr>
+          <p:cNvPr id="15" name="図 14">
+            <a:extLst>
+              <a:ext uri="{FF2B5EF4-FFF2-40B4-BE49-F238E27FC236}">
+                <a16:creationId xmlns:a16="http://schemas.microsoft.com/office/drawing/2014/main" id="{DFA62783-548A-4FAF-8759-FF5C91A5797D}"/>
+              </a:ext>
+            </a:extLst>
+          </p:cNvPr>
+          <p:cNvPicPr>
+            <a:picLocks noChangeAspect="1"/>
+          </p:cNvPicPr>
+          <p:nvPr/>
+        </p:nvPicPr>
+        <p:blipFill rotWithShape="1">
+          <a:blip r:embed="rId4"/>
+          <a:srcRect b="40000"/>
+          <a:stretch/>
+        </p:blipFill>
+        <p:spPr>
+          <a:xfrm>
+            <a:off x="6208355" y="-1094732"/>
+            <a:ext cx="3316644" cy="8022005"/>
+          </a:xfrm>
+          <a:prstGeom prst="rect">
+            <a:avLst/>
+          </a:prstGeom>
+          <a:ln>
+            <a:noFill/>
+          </a:ln>
+          <a:effectLst>
+            <a:outerShdw blurRad="292100" dist="139700" dir="2700000" algn="tl" rotWithShape="0">
+              <a:srgbClr val="333333">
+                <a:alpha val="65000"/>
+              </a:srgbClr>
+            </a:outerShdw>
+          </a:effectLst>
+        </p:spPr>
+      </p:pic>
+      <p:pic>
+        <p:nvPicPr>
+          <p:cNvPr id="17" name="図 16">
+            <a:extLst>
+              <a:ext uri="{FF2B5EF4-FFF2-40B4-BE49-F238E27FC236}">
+                <a16:creationId xmlns:a16="http://schemas.microsoft.com/office/drawing/2014/main" id="{91BC4038-B3E1-4689-8DAD-71685992C73F}"/>
+              </a:ext>
+            </a:extLst>
+          </p:cNvPr>
+          <p:cNvPicPr>
+            <a:picLocks noChangeAspect="1"/>
+          </p:cNvPicPr>
+          <p:nvPr/>
+        </p:nvPicPr>
+        <p:blipFill rotWithShape="1">
+          <a:blip r:embed="rId5"/>
+          <a:srcRect t="50707"/>
+          <a:stretch/>
+        </p:blipFill>
+        <p:spPr>
+          <a:xfrm>
+            <a:off x="9428753" y="2632364"/>
+            <a:ext cx="2826166" cy="5611328"/>
+          </a:xfrm>
+          <a:prstGeom prst="rect">
+            <a:avLst/>
+          </a:prstGeom>
+          <a:ln>
+            <a:noFill/>
+          </a:ln>
+          <a:effectLst>
+            <a:outerShdw blurRad="292100" dist="139700" dir="2700000" algn="tl" rotWithShape="0">
+              <a:srgbClr val="333333">
+                <a:alpha val="65000"/>
+              </a:srgbClr>
+            </a:outerShdw>
+          </a:effectLst>
+        </p:spPr>
+      </p:pic>
+    </p:spTree>
+    <p:extLst>
+      <p:ext uri="{BB962C8B-B14F-4D97-AF65-F5344CB8AC3E}">
+        <p14:creationId xmlns:p14="http://schemas.microsoft.com/office/powerpoint/2010/main" val="3455536398"/>
       </p:ext>
     </p:extLst>
   </p:cSld>

--- a/document/01_develop_webdb_on_iaas/図版.pptx
+++ b/document/01_develop_webdb_on_iaas/図版.pptx
@@ -10,6 +10,7 @@
     <p:sldId id="258" r:id="rId4"/>
     <p:sldId id="259" r:id="rId5"/>
     <p:sldId id="260" r:id="rId6"/>
+    <p:sldId id="261" r:id="rId7"/>
   </p:sldIdLst>
   <p:sldSz cx="12192000" cy="6858000"/>
   <p:notesSz cx="6858000" cy="9144000"/>
@@ -5511,10 +5512,707 @@
           </a:effectLst>
         </p:spPr>
       </p:pic>
+      <p:sp>
+        <p:nvSpPr>
+          <p:cNvPr id="18" name="四角形: 角を丸くする 17">
+            <a:extLst>
+              <a:ext uri="{FF2B5EF4-FFF2-40B4-BE49-F238E27FC236}">
+                <a16:creationId xmlns:a16="http://schemas.microsoft.com/office/drawing/2014/main" id="{AFFAFD8E-2811-4FA6-964D-372D4B7C35F0}"/>
+              </a:ext>
+            </a:extLst>
+          </p:cNvPr>
+          <p:cNvSpPr/>
+          <p:nvPr/>
+        </p:nvSpPr>
+        <p:spPr>
+          <a:xfrm>
+            <a:off x="3318289" y="494673"/>
+            <a:ext cx="2659947" cy="1403399"/>
+          </a:xfrm>
+          <a:prstGeom prst="roundRect">
+            <a:avLst/>
+          </a:prstGeom>
+          <a:noFill/>
+          <a:ln w="38100">
+            <a:solidFill>
+              <a:srgbClr val="FF0000"/>
+            </a:solidFill>
+          </a:ln>
+        </p:spPr>
+        <p:style>
+          <a:lnRef idx="2">
+            <a:schemeClr val="accent1">
+              <a:shade val="50000"/>
+            </a:schemeClr>
+          </a:lnRef>
+          <a:fillRef idx="1">
+            <a:schemeClr val="accent1"/>
+          </a:fillRef>
+          <a:effectRef idx="0">
+            <a:schemeClr val="accent1"/>
+          </a:effectRef>
+          <a:fontRef idx="minor">
+            <a:schemeClr val="lt1"/>
+          </a:fontRef>
+        </p:style>
+        <p:txBody>
+          <a:bodyPr rot="0" spcFirstLastPara="0" vertOverflow="overflow" horzOverflow="overflow" vert="horz" wrap="square" lIns="91440" tIns="45720" rIns="91440" bIns="45720" numCol="1" spcCol="0" rtlCol="0" fromWordArt="0" anchor="ctr" anchorCtr="0" forceAA="0" compatLnSpc="1">
+            <a:prstTxWarp prst="textNoShape">
+              <a:avLst/>
+            </a:prstTxWarp>
+            <a:noAutofit/>
+          </a:bodyPr>
+          <a:lstStyle/>
+          <a:p>
+            <a:pPr algn="ctr"/>
+            <a:endParaRPr lang="ja-JP" altLang="en-US"/>
+          </a:p>
+        </p:txBody>
+      </p:sp>
+      <p:sp>
+        <p:nvSpPr>
+          <p:cNvPr id="19" name="四角形: 角を丸くする 18">
+            <a:extLst>
+              <a:ext uri="{FF2B5EF4-FFF2-40B4-BE49-F238E27FC236}">
+                <a16:creationId xmlns:a16="http://schemas.microsoft.com/office/drawing/2014/main" id="{D2012683-7AFB-47C4-895E-F675D6EFC7EE}"/>
+              </a:ext>
+            </a:extLst>
+          </p:cNvPr>
+          <p:cNvSpPr/>
+          <p:nvPr/>
+        </p:nvSpPr>
+        <p:spPr>
+          <a:xfrm>
+            <a:off x="3318289" y="2080893"/>
+            <a:ext cx="2659947" cy="1756816"/>
+          </a:xfrm>
+          <a:prstGeom prst="roundRect">
+            <a:avLst>
+              <a:gd name="adj" fmla="val 9175"/>
+            </a:avLst>
+          </a:prstGeom>
+          <a:noFill/>
+          <a:ln w="38100">
+            <a:solidFill>
+              <a:srgbClr val="FF0000"/>
+            </a:solidFill>
+          </a:ln>
+        </p:spPr>
+        <p:style>
+          <a:lnRef idx="2">
+            <a:schemeClr val="accent1">
+              <a:shade val="50000"/>
+            </a:schemeClr>
+          </a:lnRef>
+          <a:fillRef idx="1">
+            <a:schemeClr val="accent1"/>
+          </a:fillRef>
+          <a:effectRef idx="0">
+            <a:schemeClr val="accent1"/>
+          </a:effectRef>
+          <a:fontRef idx="minor">
+            <a:schemeClr val="lt1"/>
+          </a:fontRef>
+        </p:style>
+        <p:txBody>
+          <a:bodyPr rot="0" spcFirstLastPara="0" vertOverflow="overflow" horzOverflow="overflow" vert="horz" wrap="square" lIns="91440" tIns="45720" rIns="91440" bIns="45720" numCol="1" spcCol="0" rtlCol="0" fromWordArt="0" anchor="ctr" anchorCtr="0" forceAA="0" compatLnSpc="1">
+            <a:prstTxWarp prst="textNoShape">
+              <a:avLst/>
+            </a:prstTxWarp>
+            <a:noAutofit/>
+          </a:bodyPr>
+          <a:lstStyle/>
+          <a:p>
+            <a:pPr algn="ctr"/>
+            <a:endParaRPr lang="ja-JP" altLang="en-US"/>
+          </a:p>
+        </p:txBody>
+      </p:sp>
+      <p:sp>
+        <p:nvSpPr>
+          <p:cNvPr id="21" name="四角形: 角を丸くする 20">
+            <a:extLst>
+              <a:ext uri="{FF2B5EF4-FFF2-40B4-BE49-F238E27FC236}">
+                <a16:creationId xmlns:a16="http://schemas.microsoft.com/office/drawing/2014/main" id="{247656DB-509F-47AF-84C9-19EBD9915522}"/>
+              </a:ext>
+            </a:extLst>
+          </p:cNvPr>
+          <p:cNvSpPr/>
+          <p:nvPr/>
+        </p:nvSpPr>
+        <p:spPr>
+          <a:xfrm>
+            <a:off x="608236" y="6881073"/>
+            <a:ext cx="5245309" cy="549602"/>
+          </a:xfrm>
+          <a:prstGeom prst="roundRect">
+            <a:avLst>
+              <a:gd name="adj" fmla="val 9175"/>
+            </a:avLst>
+          </a:prstGeom>
+          <a:noFill/>
+          <a:ln w="38100">
+            <a:solidFill>
+              <a:srgbClr val="FF0000"/>
+            </a:solidFill>
+          </a:ln>
+        </p:spPr>
+        <p:style>
+          <a:lnRef idx="2">
+            <a:schemeClr val="accent1">
+              <a:shade val="50000"/>
+            </a:schemeClr>
+          </a:lnRef>
+          <a:fillRef idx="1">
+            <a:schemeClr val="accent1"/>
+          </a:fillRef>
+          <a:effectRef idx="0">
+            <a:schemeClr val="accent1"/>
+          </a:effectRef>
+          <a:fontRef idx="minor">
+            <a:schemeClr val="lt1"/>
+          </a:fontRef>
+        </p:style>
+        <p:txBody>
+          <a:bodyPr rot="0" spcFirstLastPara="0" vertOverflow="overflow" horzOverflow="overflow" vert="horz" wrap="square" lIns="91440" tIns="45720" rIns="91440" bIns="45720" numCol="1" spcCol="0" rtlCol="0" fromWordArt="0" anchor="ctr" anchorCtr="0" forceAA="0" compatLnSpc="1">
+            <a:prstTxWarp prst="textNoShape">
+              <a:avLst/>
+            </a:prstTxWarp>
+            <a:noAutofit/>
+          </a:bodyPr>
+          <a:lstStyle/>
+          <a:p>
+            <a:pPr algn="ctr"/>
+            <a:endParaRPr lang="ja-JP" altLang="en-US"/>
+          </a:p>
+        </p:txBody>
+      </p:sp>
+      <p:sp>
+        <p:nvSpPr>
+          <p:cNvPr id="22" name="四角形: 角を丸くする 21">
+            <a:extLst>
+              <a:ext uri="{FF2B5EF4-FFF2-40B4-BE49-F238E27FC236}">
+                <a16:creationId xmlns:a16="http://schemas.microsoft.com/office/drawing/2014/main" id="{74A31F18-1110-47A4-BA50-618AF4A3AA67}"/>
+              </a:ext>
+            </a:extLst>
+          </p:cNvPr>
+          <p:cNvSpPr/>
+          <p:nvPr/>
+        </p:nvSpPr>
+        <p:spPr>
+          <a:xfrm>
+            <a:off x="6551836" y="596079"/>
+            <a:ext cx="2876917" cy="602339"/>
+          </a:xfrm>
+          <a:prstGeom prst="roundRect">
+            <a:avLst>
+              <a:gd name="adj" fmla="val 9175"/>
+            </a:avLst>
+          </a:prstGeom>
+          <a:noFill/>
+          <a:ln w="38100">
+            <a:solidFill>
+              <a:srgbClr val="FF0000"/>
+            </a:solidFill>
+          </a:ln>
+        </p:spPr>
+        <p:style>
+          <a:lnRef idx="2">
+            <a:schemeClr val="accent1">
+              <a:shade val="50000"/>
+            </a:schemeClr>
+          </a:lnRef>
+          <a:fillRef idx="1">
+            <a:schemeClr val="accent1"/>
+          </a:fillRef>
+          <a:effectRef idx="0">
+            <a:schemeClr val="accent1"/>
+          </a:effectRef>
+          <a:fontRef idx="minor">
+            <a:schemeClr val="lt1"/>
+          </a:fontRef>
+        </p:style>
+        <p:txBody>
+          <a:bodyPr rot="0" spcFirstLastPara="0" vertOverflow="overflow" horzOverflow="overflow" vert="horz" wrap="square" lIns="91440" tIns="45720" rIns="91440" bIns="45720" numCol="1" spcCol="0" rtlCol="0" fromWordArt="0" anchor="ctr" anchorCtr="0" forceAA="0" compatLnSpc="1">
+            <a:prstTxWarp prst="textNoShape">
+              <a:avLst/>
+            </a:prstTxWarp>
+            <a:noAutofit/>
+          </a:bodyPr>
+          <a:lstStyle/>
+          <a:p>
+            <a:pPr algn="ctr"/>
+            <a:endParaRPr lang="ja-JP" altLang="en-US"/>
+          </a:p>
+        </p:txBody>
+      </p:sp>
+      <p:sp>
+        <p:nvSpPr>
+          <p:cNvPr id="23" name="四角形: 角を丸くする 22">
+            <a:extLst>
+              <a:ext uri="{FF2B5EF4-FFF2-40B4-BE49-F238E27FC236}">
+                <a16:creationId xmlns:a16="http://schemas.microsoft.com/office/drawing/2014/main" id="{6DCB2CE5-CB1E-4025-B275-DE72D3CF6584}"/>
+              </a:ext>
+            </a:extLst>
+          </p:cNvPr>
+          <p:cNvSpPr/>
+          <p:nvPr/>
+        </p:nvSpPr>
+        <p:spPr>
+          <a:xfrm>
+            <a:off x="6551836" y="2030025"/>
+            <a:ext cx="2876917" cy="1260430"/>
+          </a:xfrm>
+          <a:prstGeom prst="roundRect">
+            <a:avLst>
+              <a:gd name="adj" fmla="val 9175"/>
+            </a:avLst>
+          </a:prstGeom>
+          <a:noFill/>
+          <a:ln w="38100">
+            <a:solidFill>
+              <a:srgbClr val="FF0000"/>
+            </a:solidFill>
+          </a:ln>
+        </p:spPr>
+        <p:style>
+          <a:lnRef idx="2">
+            <a:schemeClr val="accent1">
+              <a:shade val="50000"/>
+            </a:schemeClr>
+          </a:lnRef>
+          <a:fillRef idx="1">
+            <a:schemeClr val="accent1"/>
+          </a:fillRef>
+          <a:effectRef idx="0">
+            <a:schemeClr val="accent1"/>
+          </a:effectRef>
+          <a:fontRef idx="minor">
+            <a:schemeClr val="lt1"/>
+          </a:fontRef>
+        </p:style>
+        <p:txBody>
+          <a:bodyPr rot="0" spcFirstLastPara="0" vertOverflow="overflow" horzOverflow="overflow" vert="horz" wrap="square" lIns="91440" tIns="45720" rIns="91440" bIns="45720" numCol="1" spcCol="0" rtlCol="0" fromWordArt="0" anchor="ctr" anchorCtr="0" forceAA="0" compatLnSpc="1">
+            <a:prstTxWarp prst="textNoShape">
+              <a:avLst/>
+            </a:prstTxWarp>
+            <a:noAutofit/>
+          </a:bodyPr>
+          <a:lstStyle/>
+          <a:p>
+            <a:pPr algn="ctr"/>
+            <a:endParaRPr lang="ja-JP" altLang="en-US"/>
+          </a:p>
+        </p:txBody>
+      </p:sp>
+      <p:sp>
+        <p:nvSpPr>
+          <p:cNvPr id="24" name="四角形: 角を丸くする 23">
+            <a:extLst>
+              <a:ext uri="{FF2B5EF4-FFF2-40B4-BE49-F238E27FC236}">
+                <a16:creationId xmlns:a16="http://schemas.microsoft.com/office/drawing/2014/main" id="{B4B77F51-8E7A-4F78-9DD7-0186E334A599}"/>
+              </a:ext>
+            </a:extLst>
+          </p:cNvPr>
+          <p:cNvSpPr/>
+          <p:nvPr/>
+        </p:nvSpPr>
+        <p:spPr>
+          <a:xfrm>
+            <a:off x="6574584" y="3424781"/>
+            <a:ext cx="2876917" cy="1611345"/>
+          </a:xfrm>
+          <a:prstGeom prst="roundRect">
+            <a:avLst>
+              <a:gd name="adj" fmla="val 9175"/>
+            </a:avLst>
+          </a:prstGeom>
+          <a:noFill/>
+          <a:ln w="38100">
+            <a:solidFill>
+              <a:srgbClr val="FF0000"/>
+            </a:solidFill>
+          </a:ln>
+        </p:spPr>
+        <p:style>
+          <a:lnRef idx="2">
+            <a:schemeClr val="accent1">
+              <a:shade val="50000"/>
+            </a:schemeClr>
+          </a:lnRef>
+          <a:fillRef idx="1">
+            <a:schemeClr val="accent1"/>
+          </a:fillRef>
+          <a:effectRef idx="0">
+            <a:schemeClr val="accent1"/>
+          </a:effectRef>
+          <a:fontRef idx="minor">
+            <a:schemeClr val="lt1"/>
+          </a:fontRef>
+        </p:style>
+        <p:txBody>
+          <a:bodyPr rot="0" spcFirstLastPara="0" vertOverflow="overflow" horzOverflow="overflow" vert="horz" wrap="square" lIns="91440" tIns="45720" rIns="91440" bIns="45720" numCol="1" spcCol="0" rtlCol="0" fromWordArt="0" anchor="ctr" anchorCtr="0" forceAA="0" compatLnSpc="1">
+            <a:prstTxWarp prst="textNoShape">
+              <a:avLst/>
+            </a:prstTxWarp>
+            <a:noAutofit/>
+          </a:bodyPr>
+          <a:lstStyle/>
+          <a:p>
+            <a:pPr algn="ctr"/>
+            <a:endParaRPr lang="ja-JP" altLang="en-US"/>
+          </a:p>
+        </p:txBody>
+      </p:sp>
     </p:spTree>
     <p:extLst>
       <p:ext uri="{BB962C8B-B14F-4D97-AF65-F5344CB8AC3E}">
         <p14:creationId xmlns:p14="http://schemas.microsoft.com/office/powerpoint/2010/main" val="3455536398"/>
+      </p:ext>
+    </p:extLst>
+  </p:cSld>
+  <p:clrMapOvr>
+    <a:masterClrMapping/>
+  </p:clrMapOvr>
+</p:sld>
+</file>
+
+<file path=ppt/slides/slide6.xml><?xml version="1.0" encoding="utf-8"?>
+<p:sld xmlns:a="http://schemas.openxmlformats.org/drawingml/2006/main" xmlns:r="http://schemas.openxmlformats.org/officeDocument/2006/relationships" xmlns:p="http://schemas.openxmlformats.org/presentationml/2006/main">
+  <p:cSld>
+    <p:spTree>
+      <p:nvGrpSpPr>
+        <p:cNvPr id="1" name=""/>
+        <p:cNvGrpSpPr/>
+        <p:nvPr/>
+      </p:nvGrpSpPr>
+      <p:grpSpPr>
+        <a:xfrm>
+          <a:off x="0" y="0"/>
+          <a:ext cx="0" cy="0"/>
+          <a:chOff x="0" y="0"/>
+          <a:chExt cx="0" cy="0"/>
+        </a:xfrm>
+      </p:grpSpPr>
+      <p:pic>
+        <p:nvPicPr>
+          <p:cNvPr id="3" name="図 2" descr="スクリーンショット が含まれている画像&#10;&#10;非常に高い精度で生成された説明">
+            <a:extLst>
+              <a:ext uri="{FF2B5EF4-FFF2-40B4-BE49-F238E27FC236}">
+                <a16:creationId xmlns:a16="http://schemas.microsoft.com/office/drawing/2014/main" id="{650676F3-5A19-4705-A0CF-2C486211F28B}"/>
+              </a:ext>
+            </a:extLst>
+          </p:cNvPr>
+          <p:cNvPicPr>
+            <a:picLocks noChangeAspect="1"/>
+          </p:cNvPicPr>
+          <p:nvPr/>
+        </p:nvPicPr>
+        <p:blipFill>
+          <a:blip r:embed="rId2">
+            <a:extLst>
+              <a:ext uri="{28A0092B-C50C-407E-A947-70E740481C1C}">
+                <a14:useLocalDpi xmlns:a14="http://schemas.microsoft.com/office/drawing/2010/main" val="0"/>
+              </a:ext>
+            </a:extLst>
+          </a:blip>
+          <a:stretch>
+            <a:fillRect/>
+          </a:stretch>
+        </p:blipFill>
+        <p:spPr>
+          <a:xfrm>
+            <a:off x="212782" y="296780"/>
+            <a:ext cx="4676387" cy="2868983"/>
+          </a:xfrm>
+          <a:prstGeom prst="rect">
+            <a:avLst/>
+          </a:prstGeom>
+          <a:ln>
+            <a:noFill/>
+          </a:ln>
+          <a:effectLst>
+            <a:outerShdw blurRad="292100" dist="139700" dir="2700000" algn="tl" rotWithShape="0">
+              <a:srgbClr val="333333">
+                <a:alpha val="65000"/>
+              </a:srgbClr>
+            </a:outerShdw>
+          </a:effectLst>
+        </p:spPr>
+      </p:pic>
+      <p:pic>
+        <p:nvPicPr>
+          <p:cNvPr id="5" name="図 4" descr="スクリーンショット が含まれている画像&#10;&#10;非常に高い精度で生成された説明">
+            <a:extLst>
+              <a:ext uri="{FF2B5EF4-FFF2-40B4-BE49-F238E27FC236}">
+                <a16:creationId xmlns:a16="http://schemas.microsoft.com/office/drawing/2014/main" id="{7A6A0FBA-FC16-4215-B5AF-F87030A218E2}"/>
+              </a:ext>
+            </a:extLst>
+          </p:cNvPr>
+          <p:cNvPicPr>
+            <a:picLocks noChangeAspect="1"/>
+          </p:cNvPicPr>
+          <p:nvPr/>
+        </p:nvPicPr>
+        <p:blipFill>
+          <a:blip r:embed="rId3">
+            <a:extLst>
+              <a:ext uri="{28A0092B-C50C-407E-A947-70E740481C1C}">
+                <a14:useLocalDpi xmlns:a14="http://schemas.microsoft.com/office/drawing/2010/main" val="0"/>
+              </a:ext>
+            </a:extLst>
+          </a:blip>
+          <a:stretch>
+            <a:fillRect/>
+          </a:stretch>
+        </p:blipFill>
+        <p:spPr>
+          <a:xfrm>
+            <a:off x="5143226" y="296780"/>
+            <a:ext cx="2393074" cy="5169654"/>
+          </a:xfrm>
+          <a:prstGeom prst="rect">
+            <a:avLst/>
+          </a:prstGeom>
+          <a:ln>
+            <a:noFill/>
+          </a:ln>
+          <a:effectLst>
+            <a:outerShdw blurRad="292100" dist="139700" dir="2700000" algn="tl" rotWithShape="0">
+              <a:srgbClr val="333333">
+                <a:alpha val="65000"/>
+              </a:srgbClr>
+            </a:outerShdw>
+          </a:effectLst>
+        </p:spPr>
+      </p:pic>
+      <p:pic>
+        <p:nvPicPr>
+          <p:cNvPr id="7" name="図 6" descr="スクリーンショット が含まれている画像&#10;&#10;非常に高い精度で生成された説明">
+            <a:extLst>
+              <a:ext uri="{FF2B5EF4-FFF2-40B4-BE49-F238E27FC236}">
+                <a16:creationId xmlns:a16="http://schemas.microsoft.com/office/drawing/2014/main" id="{ACE4A894-4AE0-4E72-B4A2-EF06C1E6ACD6}"/>
+              </a:ext>
+            </a:extLst>
+          </p:cNvPr>
+          <p:cNvPicPr>
+            <a:picLocks noChangeAspect="1"/>
+          </p:cNvPicPr>
+          <p:nvPr/>
+        </p:nvPicPr>
+        <p:blipFill>
+          <a:blip r:embed="rId4">
+            <a:extLst>
+              <a:ext uri="{28A0092B-C50C-407E-A947-70E740481C1C}">
+                <a14:useLocalDpi xmlns:a14="http://schemas.microsoft.com/office/drawing/2010/main" val="0"/>
+              </a:ext>
+            </a:extLst>
+          </a:blip>
+          <a:stretch>
+            <a:fillRect/>
+          </a:stretch>
+        </p:blipFill>
+        <p:spPr>
+          <a:xfrm>
+            <a:off x="7889893" y="296780"/>
+            <a:ext cx="2203413" cy="5515507"/>
+          </a:xfrm>
+          <a:prstGeom prst="rect">
+            <a:avLst/>
+          </a:prstGeom>
+          <a:ln>
+            <a:noFill/>
+          </a:ln>
+          <a:effectLst>
+            <a:outerShdw blurRad="292100" dist="139700" dir="2700000" algn="tl" rotWithShape="0">
+              <a:srgbClr val="333333">
+                <a:alpha val="65000"/>
+              </a:srgbClr>
+            </a:outerShdw>
+          </a:effectLst>
+        </p:spPr>
+      </p:pic>
+      <p:sp>
+        <p:nvSpPr>
+          <p:cNvPr id="8" name="四角形: 角を丸くする 7">
+            <a:extLst>
+              <a:ext uri="{FF2B5EF4-FFF2-40B4-BE49-F238E27FC236}">
+                <a16:creationId xmlns:a16="http://schemas.microsoft.com/office/drawing/2014/main" id="{B683FEF0-E71F-4EB5-A63B-245043565EB9}"/>
+              </a:ext>
+            </a:extLst>
+          </p:cNvPr>
+          <p:cNvSpPr/>
+          <p:nvPr/>
+        </p:nvSpPr>
+        <p:spPr>
+          <a:xfrm>
+            <a:off x="212782" y="1572822"/>
+            <a:ext cx="4676387" cy="443012"/>
+          </a:xfrm>
+          <a:prstGeom prst="roundRect">
+            <a:avLst>
+              <a:gd name="adj" fmla="val 9175"/>
+            </a:avLst>
+          </a:prstGeom>
+          <a:noFill/>
+          <a:ln w="38100">
+            <a:solidFill>
+              <a:srgbClr val="FF0000"/>
+            </a:solidFill>
+          </a:ln>
+        </p:spPr>
+        <p:style>
+          <a:lnRef idx="2">
+            <a:schemeClr val="accent1">
+              <a:shade val="50000"/>
+            </a:schemeClr>
+          </a:lnRef>
+          <a:fillRef idx="1">
+            <a:schemeClr val="accent1"/>
+          </a:fillRef>
+          <a:effectRef idx="0">
+            <a:schemeClr val="accent1"/>
+          </a:effectRef>
+          <a:fontRef idx="minor">
+            <a:schemeClr val="lt1"/>
+          </a:fontRef>
+        </p:style>
+        <p:txBody>
+          <a:bodyPr rot="0" spcFirstLastPara="0" vertOverflow="overflow" horzOverflow="overflow" vert="horz" wrap="square" lIns="91440" tIns="45720" rIns="91440" bIns="45720" numCol="1" spcCol="0" rtlCol="0" fromWordArt="0" anchor="ctr" anchorCtr="0" forceAA="0" compatLnSpc="1">
+            <a:prstTxWarp prst="textNoShape">
+              <a:avLst/>
+            </a:prstTxWarp>
+            <a:noAutofit/>
+          </a:bodyPr>
+          <a:lstStyle/>
+          <a:p>
+            <a:pPr algn="ctr"/>
+            <a:endParaRPr lang="ja-JP" altLang="en-US"/>
+          </a:p>
+        </p:txBody>
+      </p:sp>
+      <p:sp>
+        <p:nvSpPr>
+          <p:cNvPr id="10" name="四角形: 角を丸くする 9">
+            <a:extLst>
+              <a:ext uri="{FF2B5EF4-FFF2-40B4-BE49-F238E27FC236}">
+                <a16:creationId xmlns:a16="http://schemas.microsoft.com/office/drawing/2014/main" id="{EBFFF5AF-B3DE-4599-B742-9BE60B2AA984}"/>
+              </a:ext>
+            </a:extLst>
+          </p:cNvPr>
+          <p:cNvSpPr/>
+          <p:nvPr/>
+        </p:nvSpPr>
+        <p:spPr>
+          <a:xfrm>
+            <a:off x="7889893" y="1572822"/>
+            <a:ext cx="2133871" cy="546923"/>
+          </a:xfrm>
+          <a:prstGeom prst="roundRect">
+            <a:avLst>
+              <a:gd name="adj" fmla="val 9175"/>
+            </a:avLst>
+          </a:prstGeom>
+          <a:noFill/>
+          <a:ln w="38100">
+            <a:solidFill>
+              <a:srgbClr val="FF0000"/>
+            </a:solidFill>
+          </a:ln>
+        </p:spPr>
+        <p:style>
+          <a:lnRef idx="2">
+            <a:schemeClr val="accent1">
+              <a:shade val="50000"/>
+            </a:schemeClr>
+          </a:lnRef>
+          <a:fillRef idx="1">
+            <a:schemeClr val="accent1"/>
+          </a:fillRef>
+          <a:effectRef idx="0">
+            <a:schemeClr val="accent1"/>
+          </a:effectRef>
+          <a:fontRef idx="minor">
+            <a:schemeClr val="lt1"/>
+          </a:fontRef>
+        </p:style>
+        <p:txBody>
+          <a:bodyPr rot="0" spcFirstLastPara="0" vertOverflow="overflow" horzOverflow="overflow" vert="horz" wrap="square" lIns="91440" tIns="45720" rIns="91440" bIns="45720" numCol="1" spcCol="0" rtlCol="0" fromWordArt="0" anchor="ctr" anchorCtr="0" forceAA="0" compatLnSpc="1">
+            <a:prstTxWarp prst="textNoShape">
+              <a:avLst/>
+            </a:prstTxWarp>
+            <a:noAutofit/>
+          </a:bodyPr>
+          <a:lstStyle/>
+          <a:p>
+            <a:pPr algn="ctr"/>
+            <a:endParaRPr lang="ja-JP" altLang="en-US"/>
+          </a:p>
+        </p:txBody>
+      </p:sp>
+      <p:sp>
+        <p:nvSpPr>
+          <p:cNvPr id="11" name="四角形: 角を丸くする 10">
+            <a:extLst>
+              <a:ext uri="{FF2B5EF4-FFF2-40B4-BE49-F238E27FC236}">
+                <a16:creationId xmlns:a16="http://schemas.microsoft.com/office/drawing/2014/main" id="{0F954818-7D61-4D32-98A2-FF6CDFABBE4A}"/>
+              </a:ext>
+            </a:extLst>
+          </p:cNvPr>
+          <p:cNvSpPr/>
+          <p:nvPr/>
+        </p:nvSpPr>
+        <p:spPr>
+          <a:xfrm>
+            <a:off x="7889893" y="4143245"/>
+            <a:ext cx="2133871" cy="1323188"/>
+          </a:xfrm>
+          <a:prstGeom prst="roundRect">
+            <a:avLst>
+              <a:gd name="adj" fmla="val 9175"/>
+            </a:avLst>
+          </a:prstGeom>
+          <a:noFill/>
+          <a:ln w="38100">
+            <a:solidFill>
+              <a:srgbClr val="FF0000"/>
+            </a:solidFill>
+          </a:ln>
+        </p:spPr>
+        <p:style>
+          <a:lnRef idx="2">
+            <a:schemeClr val="accent1">
+              <a:shade val="50000"/>
+            </a:schemeClr>
+          </a:lnRef>
+          <a:fillRef idx="1">
+            <a:schemeClr val="accent1"/>
+          </a:fillRef>
+          <a:effectRef idx="0">
+            <a:schemeClr val="accent1"/>
+          </a:effectRef>
+          <a:fontRef idx="minor">
+            <a:schemeClr val="lt1"/>
+          </a:fontRef>
+        </p:style>
+        <p:txBody>
+          <a:bodyPr rot="0" spcFirstLastPara="0" vertOverflow="overflow" horzOverflow="overflow" vert="horz" wrap="square" lIns="91440" tIns="45720" rIns="91440" bIns="45720" numCol="1" spcCol="0" rtlCol="0" fromWordArt="0" anchor="ctr" anchorCtr="0" forceAA="0" compatLnSpc="1">
+            <a:prstTxWarp prst="textNoShape">
+              <a:avLst/>
+            </a:prstTxWarp>
+            <a:noAutofit/>
+          </a:bodyPr>
+          <a:lstStyle/>
+          <a:p>
+            <a:pPr algn="ctr"/>
+            <a:endParaRPr lang="ja-JP" altLang="en-US"/>
+          </a:p>
+        </p:txBody>
+      </p:sp>
+    </p:spTree>
+    <p:extLst>
+      <p:ext uri="{BB962C8B-B14F-4D97-AF65-F5344CB8AC3E}">
+        <p14:creationId xmlns:p14="http://schemas.microsoft.com/office/powerpoint/2010/main" val="2509718594"/>
       </p:ext>
     </p:extLst>
   </p:cSld>

--- a/document/01_develop_webdb_on_iaas/図版.pptx
+++ b/document/01_develop_webdb_on_iaas/図版.pptx
@@ -11,6 +11,7 @@
     <p:sldId id="259" r:id="rId5"/>
     <p:sldId id="260" r:id="rId6"/>
     <p:sldId id="261" r:id="rId7"/>
+    <p:sldId id="262" r:id="rId8"/>
   </p:sldIdLst>
   <p:sldSz cx="12192000" cy="6858000"/>
   <p:notesSz cx="6858000" cy="9144000"/>
@@ -6222,6 +6223,501 @@
 </p:sld>
 </file>
 
+<file path=ppt/slides/slide7.xml><?xml version="1.0" encoding="utf-8"?>
+<p:sld xmlns:a="http://schemas.openxmlformats.org/drawingml/2006/main" xmlns:r="http://schemas.openxmlformats.org/officeDocument/2006/relationships" xmlns:p="http://schemas.openxmlformats.org/presentationml/2006/main">
+  <p:cSld>
+    <p:spTree>
+      <p:nvGrpSpPr>
+        <p:cNvPr id="1" name=""/>
+        <p:cNvGrpSpPr/>
+        <p:nvPr/>
+      </p:nvGrpSpPr>
+      <p:grpSpPr>
+        <a:xfrm>
+          <a:off x="0" y="0"/>
+          <a:ext cx="0" cy="0"/>
+          <a:chOff x="0" y="0"/>
+          <a:chExt cx="0" cy="0"/>
+        </a:xfrm>
+      </p:grpSpPr>
+      <p:pic>
+        <p:nvPicPr>
+          <p:cNvPr id="19" name="図 18" descr="スクリーンショット が含まれている画像&#10;&#10;非常に高い精度で生成された説明">
+            <a:extLst>
+              <a:ext uri="{FF2B5EF4-FFF2-40B4-BE49-F238E27FC236}">
+                <a16:creationId xmlns:a16="http://schemas.microsoft.com/office/drawing/2014/main" id="{B2E5B7A3-B292-4628-B70A-6177A65D2E76}"/>
+              </a:ext>
+            </a:extLst>
+          </p:cNvPr>
+          <p:cNvPicPr>
+            <a:picLocks noChangeAspect="1"/>
+          </p:cNvPicPr>
+          <p:nvPr/>
+        </p:nvPicPr>
+        <p:blipFill>
+          <a:blip r:embed="rId2">
+            <a:extLst>
+              <a:ext uri="{28A0092B-C50C-407E-A947-70E740481C1C}">
+                <a14:useLocalDpi xmlns:a14="http://schemas.microsoft.com/office/drawing/2010/main" val="0"/>
+              </a:ext>
+            </a:extLst>
+          </a:blip>
+          <a:stretch>
+            <a:fillRect/>
+          </a:stretch>
+        </p:blipFill>
+        <p:spPr>
+          <a:xfrm>
+            <a:off x="6286967" y="157263"/>
+            <a:ext cx="2794689" cy="6921016"/>
+          </a:xfrm>
+          <a:prstGeom prst="rect">
+            <a:avLst/>
+          </a:prstGeom>
+          <a:ln>
+            <a:noFill/>
+          </a:ln>
+          <a:effectLst>
+            <a:outerShdw blurRad="292100" dist="139700" dir="2700000" algn="tl" rotWithShape="0">
+              <a:srgbClr val="333333">
+                <a:alpha val="65000"/>
+              </a:srgbClr>
+            </a:outerShdw>
+          </a:effectLst>
+        </p:spPr>
+      </p:pic>
+      <p:pic>
+        <p:nvPicPr>
+          <p:cNvPr id="3" name="図 2" descr="スクリーンショット が含まれている画像&#10;&#10;非常に高い精度で生成された説明">
+            <a:extLst>
+              <a:ext uri="{FF2B5EF4-FFF2-40B4-BE49-F238E27FC236}">
+                <a16:creationId xmlns:a16="http://schemas.microsoft.com/office/drawing/2014/main" id="{B62AAA1B-20C2-42A7-A58F-7B2E6AC9B803}"/>
+              </a:ext>
+            </a:extLst>
+          </p:cNvPr>
+          <p:cNvPicPr>
+            <a:picLocks noChangeAspect="1"/>
+          </p:cNvPicPr>
+          <p:nvPr/>
+        </p:nvPicPr>
+        <p:blipFill>
+          <a:blip r:embed="rId3">
+            <a:extLst>
+              <a:ext uri="{28A0092B-C50C-407E-A947-70E740481C1C}">
+                <a14:useLocalDpi xmlns:a14="http://schemas.microsoft.com/office/drawing/2010/main" val="0"/>
+              </a:ext>
+            </a:extLst>
+          </a:blip>
+          <a:stretch>
+            <a:fillRect/>
+          </a:stretch>
+        </p:blipFill>
+        <p:spPr>
+          <a:xfrm>
+            <a:off x="133854" y="101845"/>
+            <a:ext cx="4915555" cy="2927436"/>
+          </a:xfrm>
+          <a:prstGeom prst="rect">
+            <a:avLst/>
+          </a:prstGeom>
+          <a:ln>
+            <a:noFill/>
+          </a:ln>
+          <a:effectLst>
+            <a:outerShdw blurRad="292100" dist="139700" dir="2700000" algn="tl" rotWithShape="0">
+              <a:srgbClr val="333333">
+                <a:alpha val="65000"/>
+              </a:srgbClr>
+            </a:outerShdw>
+          </a:effectLst>
+        </p:spPr>
+      </p:pic>
+      <p:pic>
+        <p:nvPicPr>
+          <p:cNvPr id="7" name="図 6" descr="スクリーンショット が含まれている画像&#10;&#10;非常に高い精度で生成された説明">
+            <a:extLst>
+              <a:ext uri="{FF2B5EF4-FFF2-40B4-BE49-F238E27FC236}">
+                <a16:creationId xmlns:a16="http://schemas.microsoft.com/office/drawing/2014/main" id="{F4B80A01-2F02-4029-9153-81DBD948D5A1}"/>
+              </a:ext>
+            </a:extLst>
+          </p:cNvPr>
+          <p:cNvPicPr>
+            <a:picLocks noChangeAspect="1"/>
+          </p:cNvPicPr>
+          <p:nvPr/>
+        </p:nvPicPr>
+        <p:blipFill>
+          <a:blip r:embed="rId4">
+            <a:extLst>
+              <a:ext uri="{28A0092B-C50C-407E-A947-70E740481C1C}">
+                <a14:useLocalDpi xmlns:a14="http://schemas.microsoft.com/office/drawing/2010/main" val="0"/>
+              </a:ext>
+            </a:extLst>
+          </a:blip>
+          <a:stretch>
+            <a:fillRect/>
+          </a:stretch>
+        </p:blipFill>
+        <p:spPr>
+          <a:xfrm>
+            <a:off x="3758578" y="3249464"/>
+            <a:ext cx="2343372" cy="3761550"/>
+          </a:xfrm>
+          <a:prstGeom prst="rect">
+            <a:avLst/>
+          </a:prstGeom>
+          <a:ln>
+            <a:noFill/>
+          </a:ln>
+          <a:effectLst>
+            <a:outerShdw blurRad="292100" dist="139700" dir="2700000" algn="tl" rotWithShape="0">
+              <a:srgbClr val="333333">
+                <a:alpha val="65000"/>
+              </a:srgbClr>
+            </a:outerShdw>
+          </a:effectLst>
+        </p:spPr>
+      </p:pic>
+      <p:pic>
+        <p:nvPicPr>
+          <p:cNvPr id="9" name="図 8" descr="スクリーンショット が含まれている画像&#10;&#10;非常に高い精度で生成された説明">
+            <a:extLst>
+              <a:ext uri="{FF2B5EF4-FFF2-40B4-BE49-F238E27FC236}">
+                <a16:creationId xmlns:a16="http://schemas.microsoft.com/office/drawing/2014/main" id="{470A15E9-FA67-4EB0-ABD2-8C4E4C7D4792}"/>
+              </a:ext>
+            </a:extLst>
+          </p:cNvPr>
+          <p:cNvPicPr>
+            <a:picLocks noChangeAspect="1"/>
+          </p:cNvPicPr>
+          <p:nvPr/>
+        </p:nvPicPr>
+        <p:blipFill>
+          <a:blip r:embed="rId5">
+            <a:extLst>
+              <a:ext uri="{28A0092B-C50C-407E-A947-70E740481C1C}">
+                <a14:useLocalDpi xmlns:a14="http://schemas.microsoft.com/office/drawing/2010/main" val="0"/>
+              </a:ext>
+            </a:extLst>
+          </a:blip>
+          <a:stretch>
+            <a:fillRect/>
+          </a:stretch>
+        </p:blipFill>
+        <p:spPr>
+          <a:xfrm>
+            <a:off x="133854" y="3231178"/>
+            <a:ext cx="3305675" cy="3798122"/>
+          </a:xfrm>
+          <a:prstGeom prst="rect">
+            <a:avLst/>
+          </a:prstGeom>
+          <a:ln>
+            <a:noFill/>
+          </a:ln>
+          <a:effectLst>
+            <a:outerShdw blurRad="292100" dist="139700" dir="2700000" algn="tl" rotWithShape="0">
+              <a:srgbClr val="333333">
+                <a:alpha val="65000"/>
+              </a:srgbClr>
+            </a:outerShdw>
+          </a:effectLst>
+        </p:spPr>
+      </p:pic>
+      <p:pic>
+        <p:nvPicPr>
+          <p:cNvPr id="13" name="図 12" descr="スクリーンショット が含まれている画像&#10;&#10;非常に高い精度で生成された説明">
+            <a:extLst>
+              <a:ext uri="{FF2B5EF4-FFF2-40B4-BE49-F238E27FC236}">
+                <a16:creationId xmlns:a16="http://schemas.microsoft.com/office/drawing/2014/main" id="{9573F70F-5906-4FE9-A50A-9621454FBDDF}"/>
+              </a:ext>
+            </a:extLst>
+          </p:cNvPr>
+          <p:cNvPicPr>
+            <a:picLocks noChangeAspect="1"/>
+          </p:cNvPicPr>
+          <p:nvPr/>
+        </p:nvPicPr>
+        <p:blipFill rotWithShape="1">
+          <a:blip r:embed="rId6">
+            <a:extLst>
+              <a:ext uri="{28A0092B-C50C-407E-A947-70E740481C1C}">
+                <a14:useLocalDpi xmlns:a14="http://schemas.microsoft.com/office/drawing/2010/main" val="0"/>
+              </a:ext>
+            </a:extLst>
+          </a:blip>
+          <a:srcRect l="49179"/>
+          <a:stretch/>
+        </p:blipFill>
+        <p:spPr>
+          <a:xfrm>
+            <a:off x="9572228" y="157263"/>
+            <a:ext cx="2999796" cy="6580110"/>
+          </a:xfrm>
+          <a:prstGeom prst="rect">
+            <a:avLst/>
+          </a:prstGeom>
+          <a:ln>
+            <a:noFill/>
+          </a:ln>
+          <a:effectLst>
+            <a:outerShdw blurRad="292100" dist="139700" dir="2700000" algn="tl" rotWithShape="0">
+              <a:srgbClr val="333333">
+                <a:alpha val="65000"/>
+              </a:srgbClr>
+            </a:outerShdw>
+          </a:effectLst>
+        </p:spPr>
+      </p:pic>
+      <p:sp>
+        <p:nvSpPr>
+          <p:cNvPr id="14" name="四角形: 角を丸くする 13">
+            <a:extLst>
+              <a:ext uri="{FF2B5EF4-FFF2-40B4-BE49-F238E27FC236}">
+                <a16:creationId xmlns:a16="http://schemas.microsoft.com/office/drawing/2014/main" id="{6310E09F-ACEE-41C1-8658-A15950F171DA}"/>
+              </a:ext>
+            </a:extLst>
+          </p:cNvPr>
+          <p:cNvSpPr/>
+          <p:nvPr/>
+        </p:nvSpPr>
+        <p:spPr>
+          <a:xfrm>
+            <a:off x="212782" y="1330368"/>
+            <a:ext cx="4676387" cy="443012"/>
+          </a:xfrm>
+          <a:prstGeom prst="roundRect">
+            <a:avLst>
+              <a:gd name="adj" fmla="val 9175"/>
+            </a:avLst>
+          </a:prstGeom>
+          <a:noFill/>
+          <a:ln w="38100">
+            <a:solidFill>
+              <a:srgbClr val="FF0000"/>
+            </a:solidFill>
+          </a:ln>
+        </p:spPr>
+        <p:style>
+          <a:lnRef idx="2">
+            <a:schemeClr val="accent1">
+              <a:shade val="50000"/>
+            </a:schemeClr>
+          </a:lnRef>
+          <a:fillRef idx="1">
+            <a:schemeClr val="accent1"/>
+          </a:fillRef>
+          <a:effectRef idx="0">
+            <a:schemeClr val="accent1"/>
+          </a:effectRef>
+          <a:fontRef idx="minor">
+            <a:schemeClr val="lt1"/>
+          </a:fontRef>
+        </p:style>
+        <p:txBody>
+          <a:bodyPr rot="0" spcFirstLastPara="0" vertOverflow="overflow" horzOverflow="overflow" vert="horz" wrap="square" lIns="91440" tIns="45720" rIns="91440" bIns="45720" numCol="1" spcCol="0" rtlCol="0" fromWordArt="0" anchor="ctr" anchorCtr="0" forceAA="0" compatLnSpc="1">
+            <a:prstTxWarp prst="textNoShape">
+              <a:avLst/>
+            </a:prstTxWarp>
+            <a:noAutofit/>
+          </a:bodyPr>
+          <a:lstStyle/>
+          <a:p>
+            <a:pPr algn="ctr"/>
+            <a:endParaRPr lang="ja-JP" altLang="en-US"/>
+          </a:p>
+        </p:txBody>
+      </p:sp>
+      <p:sp>
+        <p:nvSpPr>
+          <p:cNvPr id="15" name="四角形: 角を丸くする 14">
+            <a:extLst>
+              <a:ext uri="{FF2B5EF4-FFF2-40B4-BE49-F238E27FC236}">
+                <a16:creationId xmlns:a16="http://schemas.microsoft.com/office/drawing/2014/main" id="{BEE9E4D7-F275-4300-8A7D-373F9B5C4F30}"/>
+              </a:ext>
+            </a:extLst>
+          </p:cNvPr>
+          <p:cNvSpPr/>
+          <p:nvPr/>
+        </p:nvSpPr>
+        <p:spPr>
+          <a:xfrm>
+            <a:off x="6312946" y="1746003"/>
+            <a:ext cx="2768710" cy="650832"/>
+          </a:xfrm>
+          <a:prstGeom prst="roundRect">
+            <a:avLst>
+              <a:gd name="adj" fmla="val 9175"/>
+            </a:avLst>
+          </a:prstGeom>
+          <a:noFill/>
+          <a:ln w="38100">
+            <a:solidFill>
+              <a:srgbClr val="FF0000"/>
+            </a:solidFill>
+          </a:ln>
+        </p:spPr>
+        <p:style>
+          <a:lnRef idx="2">
+            <a:schemeClr val="accent1">
+              <a:shade val="50000"/>
+            </a:schemeClr>
+          </a:lnRef>
+          <a:fillRef idx="1">
+            <a:schemeClr val="accent1"/>
+          </a:fillRef>
+          <a:effectRef idx="0">
+            <a:schemeClr val="accent1"/>
+          </a:effectRef>
+          <a:fontRef idx="minor">
+            <a:schemeClr val="lt1"/>
+          </a:fontRef>
+        </p:style>
+        <p:txBody>
+          <a:bodyPr rot="0" spcFirstLastPara="0" vertOverflow="overflow" horzOverflow="overflow" vert="horz" wrap="square" lIns="91440" tIns="45720" rIns="91440" bIns="45720" numCol="1" spcCol="0" rtlCol="0" fromWordArt="0" anchor="ctr" anchorCtr="0" forceAA="0" compatLnSpc="1">
+            <a:prstTxWarp prst="textNoShape">
+              <a:avLst/>
+            </a:prstTxWarp>
+            <a:noAutofit/>
+          </a:bodyPr>
+          <a:lstStyle/>
+          <a:p>
+            <a:pPr algn="ctr"/>
+            <a:endParaRPr lang="ja-JP" altLang="en-US"/>
+          </a:p>
+        </p:txBody>
+      </p:sp>
+      <p:sp>
+        <p:nvSpPr>
+          <p:cNvPr id="16" name="四角形: 角を丸くする 15">
+            <a:extLst>
+              <a:ext uri="{FF2B5EF4-FFF2-40B4-BE49-F238E27FC236}">
+                <a16:creationId xmlns:a16="http://schemas.microsoft.com/office/drawing/2014/main" id="{137AEA8D-0072-4A3C-A150-67B385D11C47}"/>
+              </a:ext>
+            </a:extLst>
+          </p:cNvPr>
+          <p:cNvSpPr/>
+          <p:nvPr/>
+        </p:nvSpPr>
+        <p:spPr>
+          <a:xfrm>
+            <a:off x="6286967" y="4544621"/>
+            <a:ext cx="2768710" cy="1516740"/>
+          </a:xfrm>
+          <a:prstGeom prst="roundRect">
+            <a:avLst>
+              <a:gd name="adj" fmla="val 9175"/>
+            </a:avLst>
+          </a:prstGeom>
+          <a:noFill/>
+          <a:ln w="38100">
+            <a:solidFill>
+              <a:srgbClr val="FF0000"/>
+            </a:solidFill>
+          </a:ln>
+        </p:spPr>
+        <p:style>
+          <a:lnRef idx="2">
+            <a:schemeClr val="accent1">
+              <a:shade val="50000"/>
+            </a:schemeClr>
+          </a:lnRef>
+          <a:fillRef idx="1">
+            <a:schemeClr val="accent1"/>
+          </a:fillRef>
+          <a:effectRef idx="0">
+            <a:schemeClr val="accent1"/>
+          </a:effectRef>
+          <a:fontRef idx="minor">
+            <a:schemeClr val="lt1"/>
+          </a:fontRef>
+        </p:style>
+        <p:txBody>
+          <a:bodyPr rot="0" spcFirstLastPara="0" vertOverflow="overflow" horzOverflow="overflow" vert="horz" wrap="square" lIns="91440" tIns="45720" rIns="91440" bIns="45720" numCol="1" spcCol="0" rtlCol="0" fromWordArt="0" anchor="ctr" anchorCtr="0" forceAA="0" compatLnSpc="1">
+            <a:prstTxWarp prst="textNoShape">
+              <a:avLst/>
+            </a:prstTxWarp>
+            <a:noAutofit/>
+          </a:bodyPr>
+          <a:lstStyle/>
+          <a:p>
+            <a:pPr algn="ctr"/>
+            <a:endParaRPr lang="ja-JP" altLang="en-US"/>
+          </a:p>
+        </p:txBody>
+      </p:sp>
+      <p:sp>
+        <p:nvSpPr>
+          <p:cNvPr id="17" name="四角形: 角を丸くする 16">
+            <a:extLst>
+              <a:ext uri="{FF2B5EF4-FFF2-40B4-BE49-F238E27FC236}">
+                <a16:creationId xmlns:a16="http://schemas.microsoft.com/office/drawing/2014/main" id="{947BC6A4-696D-460B-9496-3D31B0D2615E}"/>
+              </a:ext>
+            </a:extLst>
+          </p:cNvPr>
+          <p:cNvSpPr/>
+          <p:nvPr/>
+        </p:nvSpPr>
+        <p:spPr>
+          <a:xfrm>
+            <a:off x="9687771" y="1789054"/>
+            <a:ext cx="2768710" cy="1584527"/>
+          </a:xfrm>
+          <a:prstGeom prst="roundRect">
+            <a:avLst>
+              <a:gd name="adj" fmla="val 9175"/>
+            </a:avLst>
+          </a:prstGeom>
+          <a:noFill/>
+          <a:ln w="38100">
+            <a:solidFill>
+              <a:srgbClr val="FF0000"/>
+            </a:solidFill>
+          </a:ln>
+        </p:spPr>
+        <p:style>
+          <a:lnRef idx="2">
+            <a:schemeClr val="accent1">
+              <a:shade val="50000"/>
+            </a:schemeClr>
+          </a:lnRef>
+          <a:fillRef idx="1">
+            <a:schemeClr val="accent1"/>
+          </a:fillRef>
+          <a:effectRef idx="0">
+            <a:schemeClr val="accent1"/>
+          </a:effectRef>
+          <a:fontRef idx="minor">
+            <a:schemeClr val="lt1"/>
+          </a:fontRef>
+        </p:style>
+        <p:txBody>
+          <a:bodyPr rot="0" spcFirstLastPara="0" vertOverflow="overflow" horzOverflow="overflow" vert="horz" wrap="square" lIns="91440" tIns="45720" rIns="91440" bIns="45720" numCol="1" spcCol="0" rtlCol="0" fromWordArt="0" anchor="ctr" anchorCtr="0" forceAA="0" compatLnSpc="1">
+            <a:prstTxWarp prst="textNoShape">
+              <a:avLst/>
+            </a:prstTxWarp>
+            <a:noAutofit/>
+          </a:bodyPr>
+          <a:lstStyle/>
+          <a:p>
+            <a:pPr algn="ctr"/>
+            <a:endParaRPr lang="ja-JP" altLang="en-US"/>
+          </a:p>
+        </p:txBody>
+      </p:sp>
+    </p:spTree>
+    <p:extLst>
+      <p:ext uri="{BB962C8B-B14F-4D97-AF65-F5344CB8AC3E}">
+        <p14:creationId xmlns:p14="http://schemas.microsoft.com/office/powerpoint/2010/main" val="4191470101"/>
+      </p:ext>
+    </p:extLst>
+  </p:cSld>
+  <p:clrMapOvr>
+    <a:masterClrMapping/>
+  </p:clrMapOvr>
+</p:sld>
+</file>
+
 <file path=ppt/theme/theme1.xml><?xml version="1.0" encoding="utf-8"?>
 <a:theme xmlns:a="http://schemas.openxmlformats.org/drawingml/2006/main" name="Office テーマ">
   <a:themeElements>

--- a/document/01_develop_webdb_on_iaas/図版.pptx
+++ b/document/01_develop_webdb_on_iaas/図版.pptx
@@ -12,6 +12,9 @@
     <p:sldId id="260" r:id="rId6"/>
     <p:sldId id="261" r:id="rId7"/>
     <p:sldId id="262" r:id="rId8"/>
+    <p:sldId id="263" r:id="rId9"/>
+    <p:sldId id="264" r:id="rId10"/>
+    <p:sldId id="265" r:id="rId11"/>
   </p:sldIdLst>
   <p:sldSz cx="12192000" cy="6858000"/>
   <p:notesSz cx="6858000" cy="9144000"/>
@@ -4052,6 +4055,274 @@
 </p:sld>
 </file>
 
+<file path=ppt/slides/slide10.xml><?xml version="1.0" encoding="utf-8"?>
+<p:sld xmlns:a="http://schemas.openxmlformats.org/drawingml/2006/main" xmlns:r="http://schemas.openxmlformats.org/officeDocument/2006/relationships" xmlns:p="http://schemas.openxmlformats.org/presentationml/2006/main">
+  <p:cSld>
+    <p:spTree>
+      <p:nvGrpSpPr>
+        <p:cNvPr id="1" name=""/>
+        <p:cNvGrpSpPr/>
+        <p:nvPr/>
+      </p:nvGrpSpPr>
+      <p:grpSpPr>
+        <a:xfrm>
+          <a:off x="0" y="0"/>
+          <a:ext cx="0" cy="0"/>
+          <a:chOff x="0" y="0"/>
+          <a:chExt cx="0" cy="0"/>
+        </a:xfrm>
+      </p:grpSpPr>
+      <p:pic>
+        <p:nvPicPr>
+          <p:cNvPr id="5" name="図 4">
+            <a:extLst>
+              <a:ext uri="{FF2B5EF4-FFF2-40B4-BE49-F238E27FC236}">
+                <a16:creationId xmlns:a16="http://schemas.microsoft.com/office/drawing/2014/main" id="{1AD8778F-1811-4D2B-AC28-04A2929896AA}"/>
+              </a:ext>
+            </a:extLst>
+          </p:cNvPr>
+          <p:cNvPicPr>
+            <a:picLocks noChangeAspect="1"/>
+          </p:cNvPicPr>
+          <p:nvPr/>
+        </p:nvPicPr>
+        <p:blipFill>
+          <a:blip r:embed="rId2"/>
+          <a:stretch>
+            <a:fillRect/>
+          </a:stretch>
+        </p:blipFill>
+        <p:spPr>
+          <a:xfrm>
+            <a:off x="218194" y="332614"/>
+            <a:ext cx="9912955" cy="2859272"/>
+          </a:xfrm>
+          <a:prstGeom prst="rect">
+            <a:avLst/>
+          </a:prstGeom>
+          <a:ln>
+            <a:noFill/>
+          </a:ln>
+          <a:effectLst>
+            <a:outerShdw blurRad="292100" dist="139700" dir="2700000" algn="tl" rotWithShape="0">
+              <a:srgbClr val="333333">
+                <a:alpha val="65000"/>
+              </a:srgbClr>
+            </a:outerShdw>
+          </a:effectLst>
+        </p:spPr>
+      </p:pic>
+      <p:sp>
+        <p:nvSpPr>
+          <p:cNvPr id="6" name="四角形: 角を丸くする 5">
+            <a:extLst>
+              <a:ext uri="{FF2B5EF4-FFF2-40B4-BE49-F238E27FC236}">
+                <a16:creationId xmlns:a16="http://schemas.microsoft.com/office/drawing/2014/main" id="{A3D7C9E9-31A8-4F17-AD6C-18CE9739F6E6}"/>
+              </a:ext>
+            </a:extLst>
+          </p:cNvPr>
+          <p:cNvSpPr/>
+          <p:nvPr/>
+        </p:nvSpPr>
+        <p:spPr>
+          <a:xfrm>
+            <a:off x="6908690" y="2037473"/>
+            <a:ext cx="2768710" cy="488979"/>
+          </a:xfrm>
+          <a:prstGeom prst="roundRect">
+            <a:avLst>
+              <a:gd name="adj" fmla="val 9175"/>
+            </a:avLst>
+          </a:prstGeom>
+          <a:noFill/>
+          <a:ln w="38100">
+            <a:solidFill>
+              <a:srgbClr val="FF0000"/>
+            </a:solidFill>
+          </a:ln>
+        </p:spPr>
+        <p:style>
+          <a:lnRef idx="2">
+            <a:schemeClr val="accent1">
+              <a:shade val="50000"/>
+            </a:schemeClr>
+          </a:lnRef>
+          <a:fillRef idx="1">
+            <a:schemeClr val="accent1"/>
+          </a:fillRef>
+          <a:effectRef idx="0">
+            <a:schemeClr val="accent1"/>
+          </a:effectRef>
+          <a:fontRef idx="minor">
+            <a:schemeClr val="lt1"/>
+          </a:fontRef>
+        </p:style>
+        <p:txBody>
+          <a:bodyPr rot="0" spcFirstLastPara="0" vertOverflow="overflow" horzOverflow="overflow" vert="horz" wrap="square" lIns="91440" tIns="45720" rIns="91440" bIns="45720" numCol="1" spcCol="0" rtlCol="0" fromWordArt="0" anchor="ctr" anchorCtr="0" forceAA="0" compatLnSpc="1">
+            <a:prstTxWarp prst="textNoShape">
+              <a:avLst/>
+            </a:prstTxWarp>
+            <a:noAutofit/>
+          </a:bodyPr>
+          <a:lstStyle/>
+          <a:p>
+            <a:pPr algn="ctr"/>
+            <a:endParaRPr lang="ja-JP" altLang="en-US"/>
+          </a:p>
+        </p:txBody>
+      </p:sp>
+      <p:pic>
+        <p:nvPicPr>
+          <p:cNvPr id="8" name="図 7">
+            <a:extLst>
+              <a:ext uri="{FF2B5EF4-FFF2-40B4-BE49-F238E27FC236}">
+                <a16:creationId xmlns:a16="http://schemas.microsoft.com/office/drawing/2014/main" id="{8427E918-9E47-4572-9B15-C346D0D5341A}"/>
+              </a:ext>
+            </a:extLst>
+          </p:cNvPr>
+          <p:cNvPicPr>
+            <a:picLocks noChangeAspect="1"/>
+          </p:cNvPicPr>
+          <p:nvPr/>
+        </p:nvPicPr>
+        <p:blipFill>
+          <a:blip r:embed="rId3"/>
+          <a:stretch>
+            <a:fillRect/>
+          </a:stretch>
+        </p:blipFill>
+        <p:spPr>
+          <a:xfrm>
+            <a:off x="218194" y="3748366"/>
+            <a:ext cx="4311067" cy="3030455"/>
+          </a:xfrm>
+          <a:prstGeom prst="rect">
+            <a:avLst/>
+          </a:prstGeom>
+          <a:ln>
+            <a:noFill/>
+          </a:ln>
+          <a:effectLst>
+            <a:outerShdw blurRad="292100" dist="139700" dir="2700000" algn="tl" rotWithShape="0">
+              <a:srgbClr val="333333">
+                <a:alpha val="65000"/>
+              </a:srgbClr>
+            </a:outerShdw>
+          </a:effectLst>
+        </p:spPr>
+      </p:pic>
+      <p:sp>
+        <p:nvSpPr>
+          <p:cNvPr id="9" name="四角形: 角を丸くする 8">
+            <a:extLst>
+              <a:ext uri="{FF2B5EF4-FFF2-40B4-BE49-F238E27FC236}">
+                <a16:creationId xmlns:a16="http://schemas.microsoft.com/office/drawing/2014/main" id="{CC0AF071-0B58-4B5B-A7CB-284FDFBCD3F0}"/>
+              </a:ext>
+            </a:extLst>
+          </p:cNvPr>
+          <p:cNvSpPr/>
+          <p:nvPr/>
+        </p:nvSpPr>
+        <p:spPr>
+          <a:xfrm>
+            <a:off x="1227159" y="4955921"/>
+            <a:ext cx="2517009" cy="488979"/>
+          </a:xfrm>
+          <a:prstGeom prst="roundRect">
+            <a:avLst>
+              <a:gd name="adj" fmla="val 9175"/>
+            </a:avLst>
+          </a:prstGeom>
+          <a:noFill/>
+          <a:ln w="38100">
+            <a:solidFill>
+              <a:srgbClr val="FF0000"/>
+            </a:solidFill>
+          </a:ln>
+        </p:spPr>
+        <p:style>
+          <a:lnRef idx="2">
+            <a:schemeClr val="accent1">
+              <a:shade val="50000"/>
+            </a:schemeClr>
+          </a:lnRef>
+          <a:fillRef idx="1">
+            <a:schemeClr val="accent1"/>
+          </a:fillRef>
+          <a:effectRef idx="0">
+            <a:schemeClr val="accent1"/>
+          </a:effectRef>
+          <a:fontRef idx="minor">
+            <a:schemeClr val="lt1"/>
+          </a:fontRef>
+        </p:style>
+        <p:txBody>
+          <a:bodyPr rot="0" spcFirstLastPara="0" vertOverflow="overflow" horzOverflow="overflow" vert="horz" wrap="square" lIns="91440" tIns="45720" rIns="91440" bIns="45720" numCol="1" spcCol="0" rtlCol="0" fromWordArt="0" anchor="ctr" anchorCtr="0" forceAA="0" compatLnSpc="1">
+            <a:prstTxWarp prst="textNoShape">
+              <a:avLst/>
+            </a:prstTxWarp>
+            <a:noAutofit/>
+          </a:bodyPr>
+          <a:lstStyle/>
+          <a:p>
+            <a:pPr algn="ctr"/>
+            <a:endParaRPr lang="ja-JP" altLang="en-US"/>
+          </a:p>
+        </p:txBody>
+      </p:sp>
+      <p:pic>
+        <p:nvPicPr>
+          <p:cNvPr id="10" name="図 9">
+            <a:extLst>
+              <a:ext uri="{FF2B5EF4-FFF2-40B4-BE49-F238E27FC236}">
+                <a16:creationId xmlns:a16="http://schemas.microsoft.com/office/drawing/2014/main" id="{248A9704-372F-4282-94DC-52B4F4EC5805}"/>
+              </a:ext>
+            </a:extLst>
+          </p:cNvPr>
+          <p:cNvPicPr>
+            <a:picLocks noChangeAspect="1"/>
+          </p:cNvPicPr>
+          <p:nvPr/>
+        </p:nvPicPr>
+        <p:blipFill>
+          <a:blip r:embed="rId4"/>
+          <a:stretch>
+            <a:fillRect/>
+          </a:stretch>
+        </p:blipFill>
+        <p:spPr>
+          <a:xfrm>
+            <a:off x="4839248" y="3809363"/>
+            <a:ext cx="3453797" cy="2908460"/>
+          </a:xfrm>
+          <a:prstGeom prst="rect">
+            <a:avLst/>
+          </a:prstGeom>
+          <a:ln>
+            <a:noFill/>
+          </a:ln>
+          <a:effectLst>
+            <a:outerShdw blurRad="292100" dist="139700" dir="2700000" algn="tl" rotWithShape="0">
+              <a:srgbClr val="333333">
+                <a:alpha val="65000"/>
+              </a:srgbClr>
+            </a:outerShdw>
+          </a:effectLst>
+        </p:spPr>
+      </p:pic>
+    </p:spTree>
+    <p:extLst>
+      <p:ext uri="{BB962C8B-B14F-4D97-AF65-F5344CB8AC3E}">
+        <p14:creationId xmlns:p14="http://schemas.microsoft.com/office/powerpoint/2010/main" val="3061003617"/>
+      </p:ext>
+    </p:extLst>
+  </p:cSld>
+  <p:clrMapOvr>
+    <a:masterClrMapping/>
+  </p:clrMapOvr>
+</p:sld>
+</file>
+
 <file path=ppt/slides/slide2.xml><?xml version="1.0" encoding="utf-8"?>
 <p:sld xmlns:a="http://schemas.openxmlformats.org/drawingml/2006/main" xmlns:r="http://schemas.openxmlformats.org/officeDocument/2006/relationships" xmlns:p="http://schemas.openxmlformats.org/presentationml/2006/main">
   <p:cSld>
@@ -6709,6 +6980,276 @@
     <p:extLst>
       <p:ext uri="{BB962C8B-B14F-4D97-AF65-F5344CB8AC3E}">
         <p14:creationId xmlns:p14="http://schemas.microsoft.com/office/powerpoint/2010/main" val="4191470101"/>
+      </p:ext>
+    </p:extLst>
+  </p:cSld>
+  <p:clrMapOvr>
+    <a:masterClrMapping/>
+  </p:clrMapOvr>
+</p:sld>
+</file>
+
+<file path=ppt/slides/slide8.xml><?xml version="1.0" encoding="utf-8"?>
+<p:sld xmlns:a="http://schemas.openxmlformats.org/drawingml/2006/main" xmlns:r="http://schemas.openxmlformats.org/officeDocument/2006/relationships" xmlns:p="http://schemas.openxmlformats.org/presentationml/2006/main">
+  <p:cSld>
+    <p:spTree>
+      <p:nvGrpSpPr>
+        <p:cNvPr id="1" name=""/>
+        <p:cNvGrpSpPr/>
+        <p:nvPr/>
+      </p:nvGrpSpPr>
+      <p:grpSpPr>
+        <a:xfrm>
+          <a:off x="0" y="0"/>
+          <a:ext cx="0" cy="0"/>
+          <a:chOff x="0" y="0"/>
+          <a:chExt cx="0" cy="0"/>
+        </a:xfrm>
+      </p:grpSpPr>
+      <p:pic>
+        <p:nvPicPr>
+          <p:cNvPr id="3" name="図 2">
+            <a:extLst>
+              <a:ext uri="{FF2B5EF4-FFF2-40B4-BE49-F238E27FC236}">
+                <a16:creationId xmlns:a16="http://schemas.microsoft.com/office/drawing/2014/main" id="{BB64A93A-BBA6-4802-84A2-5E8FC5B230EE}"/>
+              </a:ext>
+            </a:extLst>
+          </p:cNvPr>
+          <p:cNvPicPr>
+            <a:picLocks noChangeAspect="1"/>
+          </p:cNvPicPr>
+          <p:nvPr/>
+        </p:nvPicPr>
+        <p:blipFill>
+          <a:blip r:embed="rId2">
+            <a:extLst>
+              <a:ext uri="{28A0092B-C50C-407E-A947-70E740481C1C}">
+                <a14:useLocalDpi xmlns:a14="http://schemas.microsoft.com/office/drawing/2010/main" val="0"/>
+              </a:ext>
+            </a:extLst>
+          </a:blip>
+          <a:stretch>
+            <a:fillRect/>
+          </a:stretch>
+        </p:blipFill>
+        <p:spPr>
+          <a:xfrm>
+            <a:off x="530978" y="500041"/>
+            <a:ext cx="11130044" cy="5857918"/>
+          </a:xfrm>
+          <a:prstGeom prst="rect">
+            <a:avLst/>
+          </a:prstGeom>
+          <a:ln>
+            <a:noFill/>
+          </a:ln>
+          <a:effectLst>
+            <a:outerShdw blurRad="292100" dist="139700" dir="2700000" algn="tl" rotWithShape="0">
+              <a:srgbClr val="333333">
+                <a:alpha val="65000"/>
+              </a:srgbClr>
+            </a:outerShdw>
+          </a:effectLst>
+        </p:spPr>
+      </p:pic>
+      <p:sp>
+        <p:nvSpPr>
+          <p:cNvPr id="4" name="四角形: 角を丸くする 3">
+            <a:extLst>
+              <a:ext uri="{FF2B5EF4-FFF2-40B4-BE49-F238E27FC236}">
+                <a16:creationId xmlns:a16="http://schemas.microsoft.com/office/drawing/2014/main" id="{D71C1B9A-6A5A-4DFD-96E8-F85EEA5DF77E}"/>
+              </a:ext>
+            </a:extLst>
+          </p:cNvPr>
+          <p:cNvSpPr/>
+          <p:nvPr/>
+        </p:nvSpPr>
+        <p:spPr>
+          <a:xfrm>
+            <a:off x="2831291" y="2127004"/>
+            <a:ext cx="8702618" cy="4426195"/>
+          </a:xfrm>
+          <a:prstGeom prst="roundRect">
+            <a:avLst>
+              <a:gd name="adj" fmla="val 5106"/>
+            </a:avLst>
+          </a:prstGeom>
+          <a:noFill/>
+          <a:ln w="38100">
+            <a:solidFill>
+              <a:srgbClr val="FF0000"/>
+            </a:solidFill>
+          </a:ln>
+        </p:spPr>
+        <p:style>
+          <a:lnRef idx="2">
+            <a:schemeClr val="accent1">
+              <a:shade val="50000"/>
+            </a:schemeClr>
+          </a:lnRef>
+          <a:fillRef idx="1">
+            <a:schemeClr val="accent1"/>
+          </a:fillRef>
+          <a:effectRef idx="0">
+            <a:schemeClr val="accent1"/>
+          </a:effectRef>
+          <a:fontRef idx="minor">
+            <a:schemeClr val="lt1"/>
+          </a:fontRef>
+        </p:style>
+        <p:txBody>
+          <a:bodyPr rot="0" spcFirstLastPara="0" vertOverflow="overflow" horzOverflow="overflow" vert="horz" wrap="square" lIns="91440" tIns="45720" rIns="91440" bIns="45720" numCol="1" spcCol="0" rtlCol="0" fromWordArt="0" anchor="ctr" anchorCtr="0" forceAA="0" compatLnSpc="1">
+            <a:prstTxWarp prst="textNoShape">
+              <a:avLst/>
+            </a:prstTxWarp>
+            <a:noAutofit/>
+          </a:bodyPr>
+          <a:lstStyle/>
+          <a:p>
+            <a:pPr algn="ctr"/>
+            <a:endParaRPr lang="ja-JP" altLang="en-US"/>
+          </a:p>
+        </p:txBody>
+      </p:sp>
+    </p:spTree>
+    <p:extLst>
+      <p:ext uri="{BB962C8B-B14F-4D97-AF65-F5344CB8AC3E}">
+        <p14:creationId xmlns:p14="http://schemas.microsoft.com/office/powerpoint/2010/main" val="215170697"/>
+      </p:ext>
+    </p:extLst>
+  </p:cSld>
+  <p:clrMapOvr>
+    <a:masterClrMapping/>
+  </p:clrMapOvr>
+</p:sld>
+</file>
+
+<file path=ppt/slides/slide9.xml><?xml version="1.0" encoding="utf-8"?>
+<p:sld xmlns:a="http://schemas.openxmlformats.org/drawingml/2006/main" xmlns:r="http://schemas.openxmlformats.org/officeDocument/2006/relationships" xmlns:p="http://schemas.openxmlformats.org/presentationml/2006/main">
+  <p:cSld>
+    <p:spTree>
+      <p:nvGrpSpPr>
+        <p:cNvPr id="1" name=""/>
+        <p:cNvGrpSpPr/>
+        <p:nvPr/>
+      </p:nvGrpSpPr>
+      <p:grpSpPr>
+        <a:xfrm>
+          <a:off x="0" y="0"/>
+          <a:ext cx="0" cy="0"/>
+          <a:chOff x="0" y="0"/>
+          <a:chExt cx="0" cy="0"/>
+        </a:xfrm>
+      </p:grpSpPr>
+      <p:pic>
+        <p:nvPicPr>
+          <p:cNvPr id="3" name="図 2" descr="スクリーンショット が含まれている画像&#10;&#10;非常に高い精度で生成された説明">
+            <a:extLst>
+              <a:ext uri="{FF2B5EF4-FFF2-40B4-BE49-F238E27FC236}">
+                <a16:creationId xmlns:a16="http://schemas.microsoft.com/office/drawing/2014/main" id="{BBF16C72-91A5-4C73-A891-D53709460FBA}"/>
+              </a:ext>
+            </a:extLst>
+          </p:cNvPr>
+          <p:cNvPicPr>
+            <a:picLocks noChangeAspect="1"/>
+          </p:cNvPicPr>
+          <p:nvPr/>
+        </p:nvPicPr>
+        <p:blipFill>
+          <a:blip r:embed="rId2">
+            <a:extLst>
+              <a:ext uri="{28A0092B-C50C-407E-A947-70E740481C1C}">
+                <a14:useLocalDpi xmlns:a14="http://schemas.microsoft.com/office/drawing/2010/main" val="0"/>
+              </a:ext>
+            </a:extLst>
+          </a:blip>
+          <a:stretch>
+            <a:fillRect/>
+          </a:stretch>
+        </p:blipFill>
+        <p:spPr>
+          <a:xfrm>
+            <a:off x="514309" y="1821644"/>
+            <a:ext cx="11163382" cy="3214711"/>
+          </a:xfrm>
+          <a:prstGeom prst="rect">
+            <a:avLst/>
+          </a:prstGeom>
+          <a:ln>
+            <a:noFill/>
+          </a:ln>
+          <a:effectLst>
+            <a:outerShdw blurRad="292100" dist="139700" dir="2700000" algn="tl" rotWithShape="0">
+              <a:srgbClr val="333333">
+                <a:alpha val="65000"/>
+              </a:srgbClr>
+            </a:outerShdw>
+          </a:effectLst>
+        </p:spPr>
+      </p:pic>
+      <p:sp>
+        <p:nvSpPr>
+          <p:cNvPr id="4" name="四角形: 角を丸くする 3">
+            <a:extLst>
+              <a:ext uri="{FF2B5EF4-FFF2-40B4-BE49-F238E27FC236}">
+                <a16:creationId xmlns:a16="http://schemas.microsoft.com/office/drawing/2014/main" id="{AD4B773D-E491-4C24-AC98-6F9CEA11F3B1}"/>
+              </a:ext>
+            </a:extLst>
+          </p:cNvPr>
+          <p:cNvSpPr/>
+          <p:nvPr/>
+        </p:nvSpPr>
+        <p:spPr>
+          <a:xfrm>
+            <a:off x="2831291" y="3283412"/>
+            <a:ext cx="8702618" cy="1282112"/>
+          </a:xfrm>
+          <a:prstGeom prst="roundRect">
+            <a:avLst>
+              <a:gd name="adj" fmla="val 5106"/>
+            </a:avLst>
+          </a:prstGeom>
+          <a:noFill/>
+          <a:ln w="38100">
+            <a:solidFill>
+              <a:srgbClr val="FF0000"/>
+            </a:solidFill>
+          </a:ln>
+        </p:spPr>
+        <p:style>
+          <a:lnRef idx="2">
+            <a:schemeClr val="accent1">
+              <a:shade val="50000"/>
+            </a:schemeClr>
+          </a:lnRef>
+          <a:fillRef idx="1">
+            <a:schemeClr val="accent1"/>
+          </a:fillRef>
+          <a:effectRef idx="0">
+            <a:schemeClr val="accent1"/>
+          </a:effectRef>
+          <a:fontRef idx="minor">
+            <a:schemeClr val="lt1"/>
+          </a:fontRef>
+        </p:style>
+        <p:txBody>
+          <a:bodyPr rot="0" spcFirstLastPara="0" vertOverflow="overflow" horzOverflow="overflow" vert="horz" wrap="square" lIns="91440" tIns="45720" rIns="91440" bIns="45720" numCol="1" spcCol="0" rtlCol="0" fromWordArt="0" anchor="ctr" anchorCtr="0" forceAA="0" compatLnSpc="1">
+            <a:prstTxWarp prst="textNoShape">
+              <a:avLst/>
+            </a:prstTxWarp>
+            <a:noAutofit/>
+          </a:bodyPr>
+          <a:lstStyle/>
+          <a:p>
+            <a:pPr algn="ctr"/>
+            <a:endParaRPr lang="ja-JP" altLang="en-US"/>
+          </a:p>
+        </p:txBody>
+      </p:sp>
+    </p:spTree>
+    <p:extLst>
+      <p:ext uri="{BB962C8B-B14F-4D97-AF65-F5344CB8AC3E}">
+        <p14:creationId xmlns:p14="http://schemas.microsoft.com/office/powerpoint/2010/main" val="2159405212"/>
       </p:ext>
     </p:extLst>
   </p:cSld>

--- a/document/01_develop_webdb_on_iaas/図版.pptx
+++ b/document/01_develop_webdb_on_iaas/図版.pptx
@@ -15,6 +15,7 @@
     <p:sldId id="263" r:id="rId9"/>
     <p:sldId id="264" r:id="rId10"/>
     <p:sldId id="265" r:id="rId11"/>
+    <p:sldId id="266" r:id="rId12"/>
   </p:sldIdLst>
   <p:sldSz cx="12192000" cy="6858000"/>
   <p:notesSz cx="6858000" cy="9144000"/>
@@ -4310,10 +4311,179 @@
           </a:effectLst>
         </p:spPr>
       </p:pic>
+      <p:sp>
+        <p:nvSpPr>
+          <p:cNvPr id="11" name="四角形: 角を丸くする 10">
+            <a:extLst>
+              <a:ext uri="{FF2B5EF4-FFF2-40B4-BE49-F238E27FC236}">
+                <a16:creationId xmlns:a16="http://schemas.microsoft.com/office/drawing/2014/main" id="{4D133CD2-0494-4A6A-8870-76C9886D576B}"/>
+              </a:ext>
+            </a:extLst>
+          </p:cNvPr>
+          <p:cNvSpPr/>
+          <p:nvPr/>
+        </p:nvSpPr>
+        <p:spPr>
+          <a:xfrm>
+            <a:off x="4974814" y="4652255"/>
+            <a:ext cx="2517009" cy="792645"/>
+          </a:xfrm>
+          <a:prstGeom prst="roundRect">
+            <a:avLst>
+              <a:gd name="adj" fmla="val 9175"/>
+            </a:avLst>
+          </a:prstGeom>
+          <a:noFill/>
+          <a:ln w="38100">
+            <a:solidFill>
+              <a:srgbClr val="FF0000"/>
+            </a:solidFill>
+          </a:ln>
+        </p:spPr>
+        <p:style>
+          <a:lnRef idx="2">
+            <a:schemeClr val="accent1">
+              <a:shade val="50000"/>
+            </a:schemeClr>
+          </a:lnRef>
+          <a:fillRef idx="1">
+            <a:schemeClr val="accent1"/>
+          </a:fillRef>
+          <a:effectRef idx="0">
+            <a:schemeClr val="accent1"/>
+          </a:effectRef>
+          <a:fontRef idx="minor">
+            <a:schemeClr val="lt1"/>
+          </a:fontRef>
+        </p:style>
+        <p:txBody>
+          <a:bodyPr rot="0" spcFirstLastPara="0" vertOverflow="overflow" horzOverflow="overflow" vert="horz" wrap="square" lIns="91440" tIns="45720" rIns="91440" bIns="45720" numCol="1" spcCol="0" rtlCol="0" fromWordArt="0" anchor="ctr" anchorCtr="0" forceAA="0" compatLnSpc="1">
+            <a:prstTxWarp prst="textNoShape">
+              <a:avLst/>
+            </a:prstTxWarp>
+            <a:noAutofit/>
+          </a:bodyPr>
+          <a:lstStyle/>
+          <a:p>
+            <a:pPr algn="ctr"/>
+            <a:endParaRPr lang="ja-JP" altLang="en-US"/>
+          </a:p>
+        </p:txBody>
+      </p:sp>
+      <p:pic>
+        <p:nvPicPr>
+          <p:cNvPr id="12" name="図 11">
+            <a:extLst>
+              <a:ext uri="{FF2B5EF4-FFF2-40B4-BE49-F238E27FC236}">
+                <a16:creationId xmlns:a16="http://schemas.microsoft.com/office/drawing/2014/main" id="{140B9214-95A2-4C81-8C47-F0DE433B3471}"/>
+              </a:ext>
+            </a:extLst>
+          </p:cNvPr>
+          <p:cNvPicPr>
+            <a:picLocks noChangeAspect="1"/>
+          </p:cNvPicPr>
+          <p:nvPr/>
+        </p:nvPicPr>
+        <p:blipFill>
+          <a:blip r:embed="rId5"/>
+          <a:stretch>
+            <a:fillRect/>
+          </a:stretch>
+        </p:blipFill>
+        <p:spPr>
+          <a:xfrm>
+            <a:off x="8681614" y="3545503"/>
+            <a:ext cx="4322797" cy="3548566"/>
+          </a:xfrm>
+          <a:prstGeom prst="rect">
+            <a:avLst/>
+          </a:prstGeom>
+          <a:ln>
+            <a:noFill/>
+          </a:ln>
+          <a:effectLst>
+            <a:outerShdw blurRad="292100" dist="139700" dir="2700000" algn="tl" rotWithShape="0">
+              <a:srgbClr val="333333">
+                <a:alpha val="65000"/>
+              </a:srgbClr>
+            </a:outerShdw>
+          </a:effectLst>
+        </p:spPr>
+      </p:pic>
     </p:spTree>
     <p:extLst>
       <p:ext uri="{BB962C8B-B14F-4D97-AF65-F5344CB8AC3E}">
         <p14:creationId xmlns:p14="http://schemas.microsoft.com/office/powerpoint/2010/main" val="3061003617"/>
+      </p:ext>
+    </p:extLst>
+  </p:cSld>
+  <p:clrMapOvr>
+    <a:masterClrMapping/>
+  </p:clrMapOvr>
+</p:sld>
+</file>
+
+<file path=ppt/slides/slide11.xml><?xml version="1.0" encoding="utf-8"?>
+<p:sld xmlns:a="http://schemas.openxmlformats.org/drawingml/2006/main" xmlns:r="http://schemas.openxmlformats.org/officeDocument/2006/relationships" xmlns:p="http://schemas.openxmlformats.org/presentationml/2006/main">
+  <p:cSld>
+    <p:spTree>
+      <p:nvGrpSpPr>
+        <p:cNvPr id="1" name=""/>
+        <p:cNvGrpSpPr/>
+        <p:nvPr/>
+      </p:nvGrpSpPr>
+      <p:grpSpPr>
+        <a:xfrm>
+          <a:off x="0" y="0"/>
+          <a:ext cx="0" cy="0"/>
+          <a:chOff x="0" y="0"/>
+          <a:chExt cx="0" cy="0"/>
+        </a:xfrm>
+      </p:grpSpPr>
+      <p:pic>
+        <p:nvPicPr>
+          <p:cNvPr id="2" name="図 1">
+            <a:extLst>
+              <a:ext uri="{FF2B5EF4-FFF2-40B4-BE49-F238E27FC236}">
+                <a16:creationId xmlns:a16="http://schemas.microsoft.com/office/drawing/2014/main" id="{AEB175E5-DAA5-4077-ADC6-B77981278800}"/>
+              </a:ext>
+            </a:extLst>
+          </p:cNvPr>
+          <p:cNvPicPr>
+            <a:picLocks noChangeAspect="1"/>
+          </p:cNvPicPr>
+          <p:nvPr/>
+        </p:nvPicPr>
+        <p:blipFill>
+          <a:blip r:embed="rId2"/>
+          <a:stretch>
+            <a:fillRect/>
+          </a:stretch>
+        </p:blipFill>
+        <p:spPr>
+          <a:xfrm>
+            <a:off x="488770" y="387293"/>
+            <a:ext cx="7473731" cy="4684105"/>
+          </a:xfrm>
+          <a:prstGeom prst="rect">
+            <a:avLst/>
+          </a:prstGeom>
+          <a:ln>
+            <a:noFill/>
+          </a:ln>
+          <a:effectLst>
+            <a:outerShdw blurRad="292100" dist="139700" dir="2700000" algn="tl" rotWithShape="0">
+              <a:srgbClr val="333333">
+                <a:alpha val="65000"/>
+              </a:srgbClr>
+            </a:outerShdw>
+          </a:effectLst>
+        </p:spPr>
+      </p:pic>
+    </p:spTree>
+    <p:extLst>
+      <p:ext uri="{BB962C8B-B14F-4D97-AF65-F5344CB8AC3E}">
+        <p14:creationId xmlns:p14="http://schemas.microsoft.com/office/powerpoint/2010/main" val="2710701328"/>
       </p:ext>
     </p:extLst>
   </p:cSld>

--- a/document/01_develop_webdb_on_iaas/図版.pptx
+++ b/document/01_develop_webdb_on_iaas/図版.pptx
@@ -15,7 +15,9 @@
     <p:sldId id="263" r:id="rId9"/>
     <p:sldId id="264" r:id="rId10"/>
     <p:sldId id="265" r:id="rId11"/>
-    <p:sldId id="266" r:id="rId12"/>
+    <p:sldId id="268" r:id="rId12"/>
+    <p:sldId id="266" r:id="rId13"/>
+    <p:sldId id="267" r:id="rId14"/>
   </p:sldIdLst>
   <p:sldSz cx="12192000" cy="6858000"/>
   <p:notesSz cx="6858000" cy="9144000"/>
@@ -269,7 +271,7 @@
           <a:p>
             <a:fld id="{BAD14A03-038F-4C81-AA81-028A8293EF95}" type="datetimeFigureOut">
               <a:rPr kumimoji="1" lang="ja-JP" altLang="en-US" smtClean="0"/>
-              <a:t>2018/8/21</a:t>
+              <a:t>2018/8/22</a:t>
             </a:fld>
             <a:endParaRPr kumimoji="1" lang="ja-JP" altLang="en-US"/>
           </a:p>
@@ -499,7 +501,7 @@
           <a:p>
             <a:fld id="{BAD14A03-038F-4C81-AA81-028A8293EF95}" type="datetimeFigureOut">
               <a:rPr kumimoji="1" lang="ja-JP" altLang="en-US" smtClean="0"/>
-              <a:t>2018/8/21</a:t>
+              <a:t>2018/8/22</a:t>
             </a:fld>
             <a:endParaRPr kumimoji="1" lang="ja-JP" altLang="en-US"/>
           </a:p>
@@ -739,7 +741,7 @@
           <a:p>
             <a:fld id="{BAD14A03-038F-4C81-AA81-028A8293EF95}" type="datetimeFigureOut">
               <a:rPr kumimoji="1" lang="ja-JP" altLang="en-US" smtClean="0"/>
-              <a:t>2018/8/21</a:t>
+              <a:t>2018/8/22</a:t>
             </a:fld>
             <a:endParaRPr kumimoji="1" lang="ja-JP" altLang="en-US"/>
           </a:p>
@@ -969,7 +971,7 @@
           <a:p>
             <a:fld id="{BAD14A03-038F-4C81-AA81-028A8293EF95}" type="datetimeFigureOut">
               <a:rPr kumimoji="1" lang="ja-JP" altLang="en-US" smtClean="0"/>
-              <a:t>2018/8/21</a:t>
+              <a:t>2018/8/22</a:t>
             </a:fld>
             <a:endParaRPr kumimoji="1" lang="ja-JP" altLang="en-US"/>
           </a:p>
@@ -1244,7 +1246,7 @@
           <a:p>
             <a:fld id="{BAD14A03-038F-4C81-AA81-028A8293EF95}" type="datetimeFigureOut">
               <a:rPr kumimoji="1" lang="ja-JP" altLang="en-US" smtClean="0"/>
-              <a:t>2018/8/21</a:t>
+              <a:t>2018/8/22</a:t>
             </a:fld>
             <a:endParaRPr kumimoji="1" lang="ja-JP" altLang="en-US"/>
           </a:p>
@@ -1573,7 +1575,7 @@
           <a:p>
             <a:fld id="{BAD14A03-038F-4C81-AA81-028A8293EF95}" type="datetimeFigureOut">
               <a:rPr kumimoji="1" lang="ja-JP" altLang="en-US" smtClean="0"/>
-              <a:t>2018/8/21</a:t>
+              <a:t>2018/8/22</a:t>
             </a:fld>
             <a:endParaRPr kumimoji="1" lang="ja-JP" altLang="en-US"/>
           </a:p>
@@ -2049,7 +2051,7 @@
           <a:p>
             <a:fld id="{BAD14A03-038F-4C81-AA81-028A8293EF95}" type="datetimeFigureOut">
               <a:rPr kumimoji="1" lang="ja-JP" altLang="en-US" smtClean="0"/>
-              <a:t>2018/8/21</a:t>
+              <a:t>2018/8/22</a:t>
             </a:fld>
             <a:endParaRPr kumimoji="1" lang="ja-JP" altLang="en-US"/>
           </a:p>
@@ -2190,7 +2192,7 @@
           <a:p>
             <a:fld id="{BAD14A03-038F-4C81-AA81-028A8293EF95}" type="datetimeFigureOut">
               <a:rPr kumimoji="1" lang="ja-JP" altLang="en-US" smtClean="0"/>
-              <a:t>2018/8/21</a:t>
+              <a:t>2018/8/22</a:t>
             </a:fld>
             <a:endParaRPr kumimoji="1" lang="ja-JP" altLang="en-US"/>
           </a:p>
@@ -2303,7 +2305,7 @@
           <a:p>
             <a:fld id="{BAD14A03-038F-4C81-AA81-028A8293EF95}" type="datetimeFigureOut">
               <a:rPr kumimoji="1" lang="ja-JP" altLang="en-US" smtClean="0"/>
-              <a:t>2018/8/21</a:t>
+              <a:t>2018/8/22</a:t>
             </a:fld>
             <a:endParaRPr kumimoji="1" lang="ja-JP" altLang="en-US"/>
           </a:p>
@@ -2646,7 +2648,7 @@
           <a:p>
             <a:fld id="{BAD14A03-038F-4C81-AA81-028A8293EF95}" type="datetimeFigureOut">
               <a:rPr kumimoji="1" lang="ja-JP" altLang="en-US" smtClean="0"/>
-              <a:t>2018/8/21</a:t>
+              <a:t>2018/8/22</a:t>
             </a:fld>
             <a:endParaRPr kumimoji="1" lang="ja-JP" altLang="en-US"/>
           </a:p>
@@ -2934,7 +2936,7 @@
           <a:p>
             <a:fld id="{BAD14A03-038F-4C81-AA81-028A8293EF95}" type="datetimeFigureOut">
               <a:rPr kumimoji="1" lang="ja-JP" altLang="en-US" smtClean="0"/>
-              <a:t>2018/8/21</a:t>
+              <a:t>2018/8/22</a:t>
             </a:fld>
             <a:endParaRPr kumimoji="1" lang="ja-JP" altLang="en-US"/>
           </a:p>
@@ -3207,7 +3209,7 @@
           <a:p>
             <a:fld id="{BAD14A03-038F-4C81-AA81-028A8293EF95}" type="datetimeFigureOut">
               <a:rPr kumimoji="1" lang="ja-JP" altLang="en-US" smtClean="0"/>
-              <a:t>2018/8/21</a:t>
+              <a:t>2018/8/22</a:t>
             </a:fld>
             <a:endParaRPr kumimoji="1" lang="ja-JP" altLang="en-US"/>
           </a:p>
@@ -4445,6 +4447,214 @@
           <p:cNvPr id="2" name="図 1">
             <a:extLst>
               <a:ext uri="{FF2B5EF4-FFF2-40B4-BE49-F238E27FC236}">
+                <a16:creationId xmlns:a16="http://schemas.microsoft.com/office/drawing/2014/main" id="{CCA39FA3-E6D8-46B5-AD94-6A4C50A2BD25}"/>
+              </a:ext>
+            </a:extLst>
+          </p:cNvPr>
+          <p:cNvPicPr>
+            <a:picLocks noChangeAspect="1"/>
+          </p:cNvPicPr>
+          <p:nvPr/>
+        </p:nvPicPr>
+        <p:blipFill>
+          <a:blip r:embed="rId2"/>
+          <a:stretch>
+            <a:fillRect/>
+          </a:stretch>
+        </p:blipFill>
+        <p:spPr>
+          <a:xfrm>
+            <a:off x="48437" y="304800"/>
+            <a:ext cx="8211788" cy="3882145"/>
+          </a:xfrm>
+          <a:prstGeom prst="rect">
+            <a:avLst/>
+          </a:prstGeom>
+        </p:spPr>
+      </p:pic>
+      <p:pic>
+        <p:nvPicPr>
+          <p:cNvPr id="3" name="図 2">
+            <a:extLst>
+              <a:ext uri="{FF2B5EF4-FFF2-40B4-BE49-F238E27FC236}">
+                <a16:creationId xmlns:a16="http://schemas.microsoft.com/office/drawing/2014/main" id="{2288EC7E-2D86-4ECE-860D-86856B77143E}"/>
+              </a:ext>
+            </a:extLst>
+          </p:cNvPr>
+          <p:cNvPicPr>
+            <a:picLocks noChangeAspect="1"/>
+          </p:cNvPicPr>
+          <p:nvPr/>
+        </p:nvPicPr>
+        <p:blipFill>
+          <a:blip r:embed="rId3"/>
+          <a:stretch>
+            <a:fillRect/>
+          </a:stretch>
+        </p:blipFill>
+        <p:spPr>
+          <a:xfrm>
+            <a:off x="8383157" y="315784"/>
+            <a:ext cx="3586010" cy="3871161"/>
+          </a:xfrm>
+          <a:prstGeom prst="rect">
+            <a:avLst/>
+          </a:prstGeom>
+        </p:spPr>
+      </p:pic>
+      <p:sp>
+        <p:nvSpPr>
+          <p:cNvPr id="4" name="四角形: 角を丸くする 3">
+            <a:extLst>
+              <a:ext uri="{FF2B5EF4-FFF2-40B4-BE49-F238E27FC236}">
+                <a16:creationId xmlns:a16="http://schemas.microsoft.com/office/drawing/2014/main" id="{F12EF9AF-19AB-4F1B-A077-7D694C2C2850}"/>
+              </a:ext>
+            </a:extLst>
+          </p:cNvPr>
+          <p:cNvSpPr/>
+          <p:nvPr/>
+        </p:nvSpPr>
+        <p:spPr>
+          <a:xfrm>
+            <a:off x="5179276" y="2441885"/>
+            <a:ext cx="1891067" cy="303617"/>
+          </a:xfrm>
+          <a:prstGeom prst="roundRect">
+            <a:avLst>
+              <a:gd name="adj" fmla="val 9175"/>
+            </a:avLst>
+          </a:prstGeom>
+          <a:noFill/>
+          <a:ln w="38100">
+            <a:solidFill>
+              <a:srgbClr val="FF0000"/>
+            </a:solidFill>
+          </a:ln>
+        </p:spPr>
+        <p:style>
+          <a:lnRef idx="2">
+            <a:schemeClr val="accent1">
+              <a:shade val="50000"/>
+            </a:schemeClr>
+          </a:lnRef>
+          <a:fillRef idx="1">
+            <a:schemeClr val="accent1"/>
+          </a:fillRef>
+          <a:effectRef idx="0">
+            <a:schemeClr val="accent1"/>
+          </a:effectRef>
+          <a:fontRef idx="minor">
+            <a:schemeClr val="lt1"/>
+          </a:fontRef>
+        </p:style>
+        <p:txBody>
+          <a:bodyPr rot="0" spcFirstLastPara="0" vertOverflow="overflow" horzOverflow="overflow" vert="horz" wrap="square" lIns="91440" tIns="45720" rIns="91440" bIns="45720" numCol="1" spcCol="0" rtlCol="0" fromWordArt="0" anchor="ctr" anchorCtr="0" forceAA="0" compatLnSpc="1">
+            <a:prstTxWarp prst="textNoShape">
+              <a:avLst/>
+            </a:prstTxWarp>
+            <a:noAutofit/>
+          </a:bodyPr>
+          <a:lstStyle/>
+          <a:p>
+            <a:pPr algn="ctr"/>
+            <a:endParaRPr lang="ja-JP" altLang="en-US"/>
+          </a:p>
+        </p:txBody>
+      </p:sp>
+      <p:sp>
+        <p:nvSpPr>
+          <p:cNvPr id="5" name="四角形: 角を丸くする 4">
+            <a:extLst>
+              <a:ext uri="{FF2B5EF4-FFF2-40B4-BE49-F238E27FC236}">
+                <a16:creationId xmlns:a16="http://schemas.microsoft.com/office/drawing/2014/main" id="{FBC6FBBC-7E6C-49AC-949E-BE5C717BC8E8}"/>
+              </a:ext>
+            </a:extLst>
+          </p:cNvPr>
+          <p:cNvSpPr/>
+          <p:nvPr/>
+        </p:nvSpPr>
+        <p:spPr>
+          <a:xfrm>
+            <a:off x="8490512" y="1969963"/>
+            <a:ext cx="1891067" cy="303617"/>
+          </a:xfrm>
+          <a:prstGeom prst="roundRect">
+            <a:avLst>
+              <a:gd name="adj" fmla="val 9175"/>
+            </a:avLst>
+          </a:prstGeom>
+          <a:noFill/>
+          <a:ln w="38100">
+            <a:solidFill>
+              <a:srgbClr val="FF0000"/>
+            </a:solidFill>
+          </a:ln>
+        </p:spPr>
+        <p:style>
+          <a:lnRef idx="2">
+            <a:schemeClr val="accent1">
+              <a:shade val="50000"/>
+            </a:schemeClr>
+          </a:lnRef>
+          <a:fillRef idx="1">
+            <a:schemeClr val="accent1"/>
+          </a:fillRef>
+          <a:effectRef idx="0">
+            <a:schemeClr val="accent1"/>
+          </a:effectRef>
+          <a:fontRef idx="minor">
+            <a:schemeClr val="lt1"/>
+          </a:fontRef>
+        </p:style>
+        <p:txBody>
+          <a:bodyPr rot="0" spcFirstLastPara="0" vertOverflow="overflow" horzOverflow="overflow" vert="horz" wrap="square" lIns="91440" tIns="45720" rIns="91440" bIns="45720" numCol="1" spcCol="0" rtlCol="0" fromWordArt="0" anchor="ctr" anchorCtr="0" forceAA="0" compatLnSpc="1">
+            <a:prstTxWarp prst="textNoShape">
+              <a:avLst/>
+            </a:prstTxWarp>
+            <a:noAutofit/>
+          </a:bodyPr>
+          <a:lstStyle/>
+          <a:p>
+            <a:pPr algn="ctr"/>
+            <a:endParaRPr lang="ja-JP" altLang="en-US"/>
+          </a:p>
+        </p:txBody>
+      </p:sp>
+    </p:spTree>
+    <p:extLst>
+      <p:ext uri="{BB962C8B-B14F-4D97-AF65-F5344CB8AC3E}">
+        <p14:creationId xmlns:p14="http://schemas.microsoft.com/office/powerpoint/2010/main" val="2425867208"/>
+      </p:ext>
+    </p:extLst>
+  </p:cSld>
+  <p:clrMapOvr>
+    <a:masterClrMapping/>
+  </p:clrMapOvr>
+</p:sld>
+</file>
+
+<file path=ppt/slides/slide12.xml><?xml version="1.0" encoding="utf-8"?>
+<p:sld xmlns:a="http://schemas.openxmlformats.org/drawingml/2006/main" xmlns:r="http://schemas.openxmlformats.org/officeDocument/2006/relationships" xmlns:p="http://schemas.openxmlformats.org/presentationml/2006/main">
+  <p:cSld>
+    <p:spTree>
+      <p:nvGrpSpPr>
+        <p:cNvPr id="1" name=""/>
+        <p:cNvGrpSpPr/>
+        <p:nvPr/>
+      </p:nvGrpSpPr>
+      <p:grpSpPr>
+        <a:xfrm>
+          <a:off x="0" y="0"/>
+          <a:ext cx="0" cy="0"/>
+          <a:chOff x="0" y="0"/>
+          <a:chExt cx="0" cy="0"/>
+        </a:xfrm>
+      </p:grpSpPr>
+      <p:pic>
+        <p:nvPicPr>
+          <p:cNvPr id="2" name="図 1">
+            <a:extLst>
+              <a:ext uri="{FF2B5EF4-FFF2-40B4-BE49-F238E27FC236}">
                 <a16:creationId xmlns:a16="http://schemas.microsoft.com/office/drawing/2014/main" id="{AEB175E5-DAA5-4077-ADC6-B77981278800}"/>
               </a:ext>
             </a:extLst>
@@ -4484,6 +4694,76 @@
     <p:extLst>
       <p:ext uri="{BB962C8B-B14F-4D97-AF65-F5344CB8AC3E}">
         <p14:creationId xmlns:p14="http://schemas.microsoft.com/office/powerpoint/2010/main" val="2710701328"/>
+      </p:ext>
+    </p:extLst>
+  </p:cSld>
+  <p:clrMapOvr>
+    <a:masterClrMapping/>
+  </p:clrMapOvr>
+</p:sld>
+</file>
+
+<file path=ppt/slides/slide13.xml><?xml version="1.0" encoding="utf-8"?>
+<p:sld xmlns:a="http://schemas.openxmlformats.org/drawingml/2006/main" xmlns:r="http://schemas.openxmlformats.org/officeDocument/2006/relationships" xmlns:p="http://schemas.openxmlformats.org/presentationml/2006/main">
+  <p:cSld>
+    <p:spTree>
+      <p:nvGrpSpPr>
+        <p:cNvPr id="1" name=""/>
+        <p:cNvGrpSpPr/>
+        <p:nvPr/>
+      </p:nvGrpSpPr>
+      <p:grpSpPr>
+        <a:xfrm>
+          <a:off x="0" y="0"/>
+          <a:ext cx="0" cy="0"/>
+          <a:chOff x="0" y="0"/>
+          <a:chExt cx="0" cy="0"/>
+        </a:xfrm>
+      </p:grpSpPr>
+      <p:pic>
+        <p:nvPicPr>
+          <p:cNvPr id="2" name="図 1">
+            <a:extLst>
+              <a:ext uri="{FF2B5EF4-FFF2-40B4-BE49-F238E27FC236}">
+                <a16:creationId xmlns:a16="http://schemas.microsoft.com/office/drawing/2014/main" id="{9E297257-BDB0-4D0E-983A-DFB3FD918287}"/>
+              </a:ext>
+            </a:extLst>
+          </p:cNvPr>
+          <p:cNvPicPr>
+            <a:picLocks noChangeAspect="1"/>
+          </p:cNvPicPr>
+          <p:nvPr/>
+        </p:nvPicPr>
+        <p:blipFill>
+          <a:blip r:embed="rId2"/>
+          <a:stretch>
+            <a:fillRect/>
+          </a:stretch>
+        </p:blipFill>
+        <p:spPr>
+          <a:xfrm>
+            <a:off x="2278871" y="852742"/>
+            <a:ext cx="7634256" cy="5152516"/>
+          </a:xfrm>
+          <a:prstGeom prst="rect">
+            <a:avLst/>
+          </a:prstGeom>
+          <a:ln>
+            <a:noFill/>
+          </a:ln>
+          <a:effectLst>
+            <a:outerShdw blurRad="292100" dist="139700" dir="2700000" algn="tl" rotWithShape="0">
+              <a:srgbClr val="333333">
+                <a:alpha val="65000"/>
+              </a:srgbClr>
+            </a:outerShdw>
+          </a:effectLst>
+        </p:spPr>
+      </p:pic>
+    </p:spTree>
+    <p:extLst>
+      <p:ext uri="{BB962C8B-B14F-4D97-AF65-F5344CB8AC3E}">
+        <p14:creationId xmlns:p14="http://schemas.microsoft.com/office/powerpoint/2010/main" val="723596352"/>
       </p:ext>
     </p:extLst>
   </p:cSld>

--- a/document/01_develop_webdb_on_iaas/図版.pptx
+++ b/document/01_develop_webdb_on_iaas/図版.pptx
@@ -18,6 +18,9 @@
     <p:sldId id="268" r:id="rId12"/>
     <p:sldId id="266" r:id="rId13"/>
     <p:sldId id="267" r:id="rId14"/>
+    <p:sldId id="269" r:id="rId15"/>
+    <p:sldId id="270" r:id="rId16"/>
+    <p:sldId id="271" r:id="rId17"/>
   </p:sldIdLst>
   <p:sldSz cx="12192000" cy="6858000"/>
   <p:notesSz cx="6858000" cy="9144000"/>
@@ -4773,6 +4776,438 @@
 </p:sld>
 </file>
 
+<file path=ppt/slides/slide14.xml><?xml version="1.0" encoding="utf-8"?>
+<p:sld xmlns:a="http://schemas.openxmlformats.org/drawingml/2006/main" xmlns:r="http://schemas.openxmlformats.org/officeDocument/2006/relationships" xmlns:p="http://schemas.openxmlformats.org/presentationml/2006/main">
+  <p:cSld>
+    <p:spTree>
+      <p:nvGrpSpPr>
+        <p:cNvPr id="1" name=""/>
+        <p:cNvGrpSpPr/>
+        <p:nvPr/>
+      </p:nvGrpSpPr>
+      <p:grpSpPr>
+        <a:xfrm>
+          <a:off x="0" y="0"/>
+          <a:ext cx="0" cy="0"/>
+          <a:chOff x="0" y="0"/>
+          <a:chExt cx="0" cy="0"/>
+        </a:xfrm>
+      </p:grpSpPr>
+      <p:pic>
+        <p:nvPicPr>
+          <p:cNvPr id="2" name="図 1">
+            <a:extLst>
+              <a:ext uri="{FF2B5EF4-FFF2-40B4-BE49-F238E27FC236}">
+                <a16:creationId xmlns:a16="http://schemas.microsoft.com/office/drawing/2014/main" id="{DFA5CC65-C82D-4812-AD4F-E25B1663BD02}"/>
+              </a:ext>
+            </a:extLst>
+          </p:cNvPr>
+          <p:cNvPicPr>
+            <a:picLocks noChangeAspect="1"/>
+          </p:cNvPicPr>
+          <p:nvPr/>
+        </p:nvPicPr>
+        <p:blipFill>
+          <a:blip r:embed="rId2"/>
+          <a:stretch>
+            <a:fillRect/>
+          </a:stretch>
+        </p:blipFill>
+        <p:spPr>
+          <a:xfrm>
+            <a:off x="2060602" y="595116"/>
+            <a:ext cx="8070795" cy="5667768"/>
+          </a:xfrm>
+          <a:prstGeom prst="rect">
+            <a:avLst/>
+          </a:prstGeom>
+          <a:ln>
+            <a:noFill/>
+          </a:ln>
+          <a:effectLst>
+            <a:outerShdw blurRad="292100" dist="139700" dir="2700000" algn="tl" rotWithShape="0">
+              <a:srgbClr val="333333">
+                <a:alpha val="65000"/>
+              </a:srgbClr>
+            </a:outerShdw>
+          </a:effectLst>
+        </p:spPr>
+      </p:pic>
+    </p:spTree>
+    <p:extLst>
+      <p:ext uri="{BB962C8B-B14F-4D97-AF65-F5344CB8AC3E}">
+        <p14:creationId xmlns:p14="http://schemas.microsoft.com/office/powerpoint/2010/main" val="2153598994"/>
+      </p:ext>
+    </p:extLst>
+  </p:cSld>
+  <p:clrMapOvr>
+    <a:masterClrMapping/>
+  </p:clrMapOvr>
+</p:sld>
+</file>
+
+<file path=ppt/slides/slide15.xml><?xml version="1.0" encoding="utf-8"?>
+<p:sld xmlns:a="http://schemas.openxmlformats.org/drawingml/2006/main" xmlns:r="http://schemas.openxmlformats.org/officeDocument/2006/relationships" xmlns:p="http://schemas.openxmlformats.org/presentationml/2006/main">
+  <p:cSld>
+    <p:spTree>
+      <p:nvGrpSpPr>
+        <p:cNvPr id="1" name=""/>
+        <p:cNvGrpSpPr/>
+        <p:nvPr/>
+      </p:nvGrpSpPr>
+      <p:grpSpPr>
+        <a:xfrm>
+          <a:off x="0" y="0"/>
+          <a:ext cx="0" cy="0"/>
+          <a:chOff x="0" y="0"/>
+          <a:chExt cx="0" cy="0"/>
+        </a:xfrm>
+      </p:grpSpPr>
+      <p:pic>
+        <p:nvPicPr>
+          <p:cNvPr id="3" name="図 2" descr="スクリーンショット が含まれている画像&#10;&#10;非常に高い精度で生成された説明">
+            <a:extLst>
+              <a:ext uri="{FF2B5EF4-FFF2-40B4-BE49-F238E27FC236}">
+                <a16:creationId xmlns:a16="http://schemas.microsoft.com/office/drawing/2014/main" id="{EC223D25-6538-4F4F-986B-E37C61D74AF3}"/>
+              </a:ext>
+            </a:extLst>
+          </p:cNvPr>
+          <p:cNvPicPr>
+            <a:picLocks noChangeAspect="1"/>
+          </p:cNvPicPr>
+          <p:nvPr/>
+        </p:nvPicPr>
+        <p:blipFill>
+          <a:blip r:embed="rId2">
+            <a:extLst>
+              <a:ext uri="{28A0092B-C50C-407E-A947-70E740481C1C}">
+                <a14:useLocalDpi xmlns:a14="http://schemas.microsoft.com/office/drawing/2010/main" val="0"/>
+              </a:ext>
+            </a:extLst>
+          </a:blip>
+          <a:stretch>
+            <a:fillRect/>
+          </a:stretch>
+        </p:blipFill>
+        <p:spPr>
+          <a:xfrm>
+            <a:off x="232024" y="282706"/>
+            <a:ext cx="10896680" cy="3590951"/>
+          </a:xfrm>
+          <a:prstGeom prst="rect">
+            <a:avLst/>
+          </a:prstGeom>
+          <a:ln>
+            <a:noFill/>
+          </a:ln>
+          <a:effectLst>
+            <a:outerShdw blurRad="292100" dist="139700" dir="2700000" algn="tl" rotWithShape="0">
+              <a:srgbClr val="333333">
+                <a:alpha val="65000"/>
+              </a:srgbClr>
+            </a:outerShdw>
+          </a:effectLst>
+        </p:spPr>
+      </p:pic>
+      <p:pic>
+        <p:nvPicPr>
+          <p:cNvPr id="5" name="図 4" descr="スクリーンショット が含まれている画像&#10;&#10;非常に高い精度で生成された説明">
+            <a:extLst>
+              <a:ext uri="{FF2B5EF4-FFF2-40B4-BE49-F238E27FC236}">
+                <a16:creationId xmlns:a16="http://schemas.microsoft.com/office/drawing/2014/main" id="{4C45C077-926D-43A3-BA43-5A27404F6A9D}"/>
+              </a:ext>
+            </a:extLst>
+          </p:cNvPr>
+          <p:cNvPicPr>
+            <a:picLocks noChangeAspect="1"/>
+          </p:cNvPicPr>
+          <p:nvPr/>
+        </p:nvPicPr>
+        <p:blipFill>
+          <a:blip r:embed="rId3">
+            <a:extLst>
+              <a:ext uri="{28A0092B-C50C-407E-A947-70E740481C1C}">
+                <a14:useLocalDpi xmlns:a14="http://schemas.microsoft.com/office/drawing/2010/main" val="0"/>
+              </a:ext>
+            </a:extLst>
+          </a:blip>
+          <a:stretch>
+            <a:fillRect/>
+          </a:stretch>
+        </p:blipFill>
+        <p:spPr>
+          <a:xfrm>
+            <a:off x="7283149" y="1046437"/>
+            <a:ext cx="2876571" cy="3933854"/>
+          </a:xfrm>
+          <a:prstGeom prst="rect">
+            <a:avLst/>
+          </a:prstGeom>
+          <a:ln>
+            <a:noFill/>
+          </a:ln>
+          <a:effectLst>
+            <a:outerShdw blurRad="292100" dist="139700" dir="2700000" algn="tl" rotWithShape="0">
+              <a:srgbClr val="333333">
+                <a:alpha val="65000"/>
+              </a:srgbClr>
+            </a:outerShdw>
+          </a:effectLst>
+        </p:spPr>
+      </p:pic>
+      <p:sp>
+        <p:nvSpPr>
+          <p:cNvPr id="6" name="四角形: 角を丸くする 5">
+            <a:extLst>
+              <a:ext uri="{FF2B5EF4-FFF2-40B4-BE49-F238E27FC236}">
+                <a16:creationId xmlns:a16="http://schemas.microsoft.com/office/drawing/2014/main" id="{2A2AF7F3-8448-47B6-B319-2F48A1BD3B68}"/>
+              </a:ext>
+            </a:extLst>
+          </p:cNvPr>
+          <p:cNvSpPr/>
+          <p:nvPr/>
+        </p:nvSpPr>
+        <p:spPr>
+          <a:xfrm>
+            <a:off x="7375221" y="1774564"/>
+            <a:ext cx="2710888" cy="670763"/>
+          </a:xfrm>
+          <a:prstGeom prst="roundRect">
+            <a:avLst>
+              <a:gd name="adj" fmla="val 9175"/>
+            </a:avLst>
+          </a:prstGeom>
+          <a:noFill/>
+          <a:ln w="38100">
+            <a:solidFill>
+              <a:srgbClr val="FF0000"/>
+            </a:solidFill>
+          </a:ln>
+        </p:spPr>
+        <p:style>
+          <a:lnRef idx="2">
+            <a:schemeClr val="accent1">
+              <a:shade val="50000"/>
+            </a:schemeClr>
+          </a:lnRef>
+          <a:fillRef idx="1">
+            <a:schemeClr val="accent1"/>
+          </a:fillRef>
+          <a:effectRef idx="0">
+            <a:schemeClr val="accent1"/>
+          </a:effectRef>
+          <a:fontRef idx="minor">
+            <a:schemeClr val="lt1"/>
+          </a:fontRef>
+        </p:style>
+        <p:txBody>
+          <a:bodyPr rot="0" spcFirstLastPara="0" vertOverflow="overflow" horzOverflow="overflow" vert="horz" wrap="square" lIns="91440" tIns="45720" rIns="91440" bIns="45720" numCol="1" spcCol="0" rtlCol="0" fromWordArt="0" anchor="ctr" anchorCtr="0" forceAA="0" compatLnSpc="1">
+            <a:prstTxWarp prst="textNoShape">
+              <a:avLst/>
+            </a:prstTxWarp>
+            <a:noAutofit/>
+          </a:bodyPr>
+          <a:lstStyle/>
+          <a:p>
+            <a:pPr algn="ctr"/>
+            <a:endParaRPr lang="ja-JP" altLang="en-US"/>
+          </a:p>
+        </p:txBody>
+      </p:sp>
+      <p:sp>
+        <p:nvSpPr>
+          <p:cNvPr id="7" name="楕円 6">
+            <a:extLst>
+              <a:ext uri="{FF2B5EF4-FFF2-40B4-BE49-F238E27FC236}">
+                <a16:creationId xmlns:a16="http://schemas.microsoft.com/office/drawing/2014/main" id="{20FBA6BD-F1ED-4F3A-8679-B06B2B08AA67}"/>
+              </a:ext>
+            </a:extLst>
+          </p:cNvPr>
+          <p:cNvSpPr/>
+          <p:nvPr/>
+        </p:nvSpPr>
+        <p:spPr>
+          <a:xfrm>
+            <a:off x="2813505" y="634647"/>
+            <a:ext cx="629388" cy="411790"/>
+          </a:xfrm>
+          <a:prstGeom prst="ellipse">
+            <a:avLst/>
+          </a:prstGeom>
+          <a:noFill/>
+          <a:ln w="38100">
+            <a:solidFill>
+              <a:srgbClr val="FF0000"/>
+            </a:solidFill>
+          </a:ln>
+        </p:spPr>
+        <p:style>
+          <a:lnRef idx="2">
+            <a:schemeClr val="accent1">
+              <a:shade val="50000"/>
+            </a:schemeClr>
+          </a:lnRef>
+          <a:fillRef idx="1">
+            <a:schemeClr val="accent1"/>
+          </a:fillRef>
+          <a:effectRef idx="0">
+            <a:schemeClr val="accent1"/>
+          </a:effectRef>
+          <a:fontRef idx="minor">
+            <a:schemeClr val="lt1"/>
+          </a:fontRef>
+        </p:style>
+        <p:txBody>
+          <a:bodyPr rtlCol="0" anchor="ctr"/>
+          <a:lstStyle/>
+          <a:p>
+            <a:pPr algn="ctr"/>
+            <a:endParaRPr kumimoji="1" lang="ja-JP" altLang="en-US"/>
+          </a:p>
+        </p:txBody>
+      </p:sp>
+    </p:spTree>
+    <p:extLst>
+      <p:ext uri="{BB962C8B-B14F-4D97-AF65-F5344CB8AC3E}">
+        <p14:creationId xmlns:p14="http://schemas.microsoft.com/office/powerpoint/2010/main" val="1937539058"/>
+      </p:ext>
+    </p:extLst>
+  </p:cSld>
+  <p:clrMapOvr>
+    <a:masterClrMapping/>
+  </p:clrMapOvr>
+</p:sld>
+</file>
+
+<file path=ppt/slides/slide16.xml><?xml version="1.0" encoding="utf-8"?>
+<p:sld xmlns:a="http://schemas.openxmlformats.org/drawingml/2006/main" xmlns:r="http://schemas.openxmlformats.org/officeDocument/2006/relationships" xmlns:p="http://schemas.openxmlformats.org/presentationml/2006/main">
+  <p:cSld>
+    <p:spTree>
+      <p:nvGrpSpPr>
+        <p:cNvPr id="1" name=""/>
+        <p:cNvGrpSpPr/>
+        <p:nvPr/>
+      </p:nvGrpSpPr>
+      <p:grpSpPr>
+        <a:xfrm>
+          <a:off x="0" y="0"/>
+          <a:ext cx="0" cy="0"/>
+          <a:chOff x="0" y="0"/>
+          <a:chExt cx="0" cy="0"/>
+        </a:xfrm>
+      </p:grpSpPr>
+      <p:pic>
+        <p:nvPicPr>
+          <p:cNvPr id="6" name="図 5">
+            <a:extLst>
+              <a:ext uri="{FF2B5EF4-FFF2-40B4-BE49-F238E27FC236}">
+                <a16:creationId xmlns:a16="http://schemas.microsoft.com/office/drawing/2014/main" id="{4840AD4C-FB10-4E4E-876B-F1FBA9E75DEF}"/>
+              </a:ext>
+            </a:extLst>
+          </p:cNvPr>
+          <p:cNvPicPr>
+            <a:picLocks noChangeAspect="1"/>
+          </p:cNvPicPr>
+          <p:nvPr/>
+        </p:nvPicPr>
+        <p:blipFill>
+          <a:blip r:embed="rId2"/>
+          <a:stretch>
+            <a:fillRect/>
+          </a:stretch>
+        </p:blipFill>
+        <p:spPr>
+          <a:xfrm>
+            <a:off x="1596556" y="595116"/>
+            <a:ext cx="8998886" cy="5667768"/>
+          </a:xfrm>
+          <a:prstGeom prst="rect">
+            <a:avLst/>
+          </a:prstGeom>
+          <a:ln>
+            <a:noFill/>
+          </a:ln>
+          <a:effectLst>
+            <a:outerShdw blurRad="292100" dist="139700" dir="2700000" algn="tl" rotWithShape="0">
+              <a:srgbClr val="333333">
+                <a:alpha val="65000"/>
+              </a:srgbClr>
+            </a:outerShdw>
+          </a:effectLst>
+        </p:spPr>
+      </p:pic>
+      <p:sp>
+        <p:nvSpPr>
+          <p:cNvPr id="7" name="四角形: 角を丸くする 6">
+            <a:extLst>
+              <a:ext uri="{FF2B5EF4-FFF2-40B4-BE49-F238E27FC236}">
+                <a16:creationId xmlns:a16="http://schemas.microsoft.com/office/drawing/2014/main" id="{5C73CFE3-6780-41C1-8C0F-D8339305E49B}"/>
+              </a:ext>
+            </a:extLst>
+          </p:cNvPr>
+          <p:cNvSpPr/>
+          <p:nvPr/>
+        </p:nvSpPr>
+        <p:spPr>
+          <a:xfrm>
+            <a:off x="4227882" y="1075187"/>
+            <a:ext cx="2036731" cy="503955"/>
+          </a:xfrm>
+          <a:prstGeom prst="roundRect">
+            <a:avLst>
+              <a:gd name="adj" fmla="val 9175"/>
+            </a:avLst>
+          </a:prstGeom>
+          <a:noFill/>
+          <a:ln w="38100">
+            <a:solidFill>
+              <a:srgbClr val="FF0000"/>
+            </a:solidFill>
+          </a:ln>
+        </p:spPr>
+        <p:style>
+          <a:lnRef idx="2">
+            <a:schemeClr val="accent1">
+              <a:shade val="50000"/>
+            </a:schemeClr>
+          </a:lnRef>
+          <a:fillRef idx="1">
+            <a:schemeClr val="accent1"/>
+          </a:fillRef>
+          <a:effectRef idx="0">
+            <a:schemeClr val="accent1"/>
+          </a:effectRef>
+          <a:fontRef idx="minor">
+            <a:schemeClr val="lt1"/>
+          </a:fontRef>
+        </p:style>
+        <p:txBody>
+          <a:bodyPr rot="0" spcFirstLastPara="0" vertOverflow="overflow" horzOverflow="overflow" vert="horz" wrap="square" lIns="91440" tIns="45720" rIns="91440" bIns="45720" numCol="1" spcCol="0" rtlCol="0" fromWordArt="0" anchor="ctr" anchorCtr="0" forceAA="0" compatLnSpc="1">
+            <a:prstTxWarp prst="textNoShape">
+              <a:avLst/>
+            </a:prstTxWarp>
+            <a:noAutofit/>
+          </a:bodyPr>
+          <a:lstStyle/>
+          <a:p>
+            <a:pPr algn="ctr"/>
+            <a:endParaRPr lang="ja-JP" altLang="en-US"/>
+          </a:p>
+        </p:txBody>
+      </p:sp>
+    </p:spTree>
+    <p:extLst>
+      <p:ext uri="{BB962C8B-B14F-4D97-AF65-F5344CB8AC3E}">
+        <p14:creationId xmlns:p14="http://schemas.microsoft.com/office/powerpoint/2010/main" val="1538266710"/>
+      </p:ext>
+    </p:extLst>
+  </p:cSld>
+  <p:clrMapOvr>
+    <a:masterClrMapping/>
+  </p:clrMapOvr>
+</p:sld>
+</file>
+
 <file path=ppt/slides/slide2.xml><?xml version="1.0" encoding="utf-8"?>
 <p:sld xmlns:a="http://schemas.openxmlformats.org/drawingml/2006/main" xmlns:r="http://schemas.openxmlformats.org/officeDocument/2006/relationships" xmlns:p="http://schemas.openxmlformats.org/presentationml/2006/main">
   <p:cSld>

--- a/document/01_develop_webdb_on_iaas/図版.pptx
+++ b/document/01_develop_webdb_on_iaas/図版.pptx
@@ -21,6 +21,10 @@
     <p:sldId id="269" r:id="rId15"/>
     <p:sldId id="270" r:id="rId16"/>
     <p:sldId id="271" r:id="rId17"/>
+    <p:sldId id="272" r:id="rId18"/>
+    <p:sldId id="273" r:id="rId19"/>
+    <p:sldId id="275" r:id="rId20"/>
+    <p:sldId id="274" r:id="rId21"/>
   </p:sldIdLst>
   <p:sldSz cx="12192000" cy="6858000"/>
   <p:notesSz cx="6858000" cy="9144000"/>
@@ -274,7 +278,7 @@
           <a:p>
             <a:fld id="{BAD14A03-038F-4C81-AA81-028A8293EF95}" type="datetimeFigureOut">
               <a:rPr kumimoji="1" lang="ja-JP" altLang="en-US" smtClean="0"/>
-              <a:t>2018/8/22</a:t>
+              <a:t>2018/8/31</a:t>
             </a:fld>
             <a:endParaRPr kumimoji="1" lang="ja-JP" altLang="en-US"/>
           </a:p>
@@ -504,7 +508,7 @@
           <a:p>
             <a:fld id="{BAD14A03-038F-4C81-AA81-028A8293EF95}" type="datetimeFigureOut">
               <a:rPr kumimoji="1" lang="ja-JP" altLang="en-US" smtClean="0"/>
-              <a:t>2018/8/22</a:t>
+              <a:t>2018/8/31</a:t>
             </a:fld>
             <a:endParaRPr kumimoji="1" lang="ja-JP" altLang="en-US"/>
           </a:p>
@@ -744,7 +748,7 @@
           <a:p>
             <a:fld id="{BAD14A03-038F-4C81-AA81-028A8293EF95}" type="datetimeFigureOut">
               <a:rPr kumimoji="1" lang="ja-JP" altLang="en-US" smtClean="0"/>
-              <a:t>2018/8/22</a:t>
+              <a:t>2018/8/31</a:t>
             </a:fld>
             <a:endParaRPr kumimoji="1" lang="ja-JP" altLang="en-US"/>
           </a:p>
@@ -974,7 +978,7 @@
           <a:p>
             <a:fld id="{BAD14A03-038F-4C81-AA81-028A8293EF95}" type="datetimeFigureOut">
               <a:rPr kumimoji="1" lang="ja-JP" altLang="en-US" smtClean="0"/>
-              <a:t>2018/8/22</a:t>
+              <a:t>2018/8/31</a:t>
             </a:fld>
             <a:endParaRPr kumimoji="1" lang="ja-JP" altLang="en-US"/>
           </a:p>
@@ -1249,7 +1253,7 @@
           <a:p>
             <a:fld id="{BAD14A03-038F-4C81-AA81-028A8293EF95}" type="datetimeFigureOut">
               <a:rPr kumimoji="1" lang="ja-JP" altLang="en-US" smtClean="0"/>
-              <a:t>2018/8/22</a:t>
+              <a:t>2018/8/31</a:t>
             </a:fld>
             <a:endParaRPr kumimoji="1" lang="ja-JP" altLang="en-US"/>
           </a:p>
@@ -1578,7 +1582,7 @@
           <a:p>
             <a:fld id="{BAD14A03-038F-4C81-AA81-028A8293EF95}" type="datetimeFigureOut">
               <a:rPr kumimoji="1" lang="ja-JP" altLang="en-US" smtClean="0"/>
-              <a:t>2018/8/22</a:t>
+              <a:t>2018/8/31</a:t>
             </a:fld>
             <a:endParaRPr kumimoji="1" lang="ja-JP" altLang="en-US"/>
           </a:p>
@@ -2054,7 +2058,7 @@
           <a:p>
             <a:fld id="{BAD14A03-038F-4C81-AA81-028A8293EF95}" type="datetimeFigureOut">
               <a:rPr kumimoji="1" lang="ja-JP" altLang="en-US" smtClean="0"/>
-              <a:t>2018/8/22</a:t>
+              <a:t>2018/8/31</a:t>
             </a:fld>
             <a:endParaRPr kumimoji="1" lang="ja-JP" altLang="en-US"/>
           </a:p>
@@ -2195,7 +2199,7 @@
           <a:p>
             <a:fld id="{BAD14A03-038F-4C81-AA81-028A8293EF95}" type="datetimeFigureOut">
               <a:rPr kumimoji="1" lang="ja-JP" altLang="en-US" smtClean="0"/>
-              <a:t>2018/8/22</a:t>
+              <a:t>2018/8/31</a:t>
             </a:fld>
             <a:endParaRPr kumimoji="1" lang="ja-JP" altLang="en-US"/>
           </a:p>
@@ -2308,7 +2312,7 @@
           <a:p>
             <a:fld id="{BAD14A03-038F-4C81-AA81-028A8293EF95}" type="datetimeFigureOut">
               <a:rPr kumimoji="1" lang="ja-JP" altLang="en-US" smtClean="0"/>
-              <a:t>2018/8/22</a:t>
+              <a:t>2018/8/31</a:t>
             </a:fld>
             <a:endParaRPr kumimoji="1" lang="ja-JP" altLang="en-US"/>
           </a:p>
@@ -2651,7 +2655,7 @@
           <a:p>
             <a:fld id="{BAD14A03-038F-4C81-AA81-028A8293EF95}" type="datetimeFigureOut">
               <a:rPr kumimoji="1" lang="ja-JP" altLang="en-US" smtClean="0"/>
-              <a:t>2018/8/22</a:t>
+              <a:t>2018/8/31</a:t>
             </a:fld>
             <a:endParaRPr kumimoji="1" lang="ja-JP" altLang="en-US"/>
           </a:p>
@@ -2939,7 +2943,7 @@
           <a:p>
             <a:fld id="{BAD14A03-038F-4C81-AA81-028A8293EF95}" type="datetimeFigureOut">
               <a:rPr kumimoji="1" lang="ja-JP" altLang="en-US" smtClean="0"/>
-              <a:t>2018/8/22</a:t>
+              <a:t>2018/8/31</a:t>
             </a:fld>
             <a:endParaRPr kumimoji="1" lang="ja-JP" altLang="en-US"/>
           </a:p>
@@ -3212,7 +3216,7 @@
           <a:p>
             <a:fld id="{BAD14A03-038F-4C81-AA81-028A8293EF95}" type="datetimeFigureOut">
               <a:rPr kumimoji="1" lang="ja-JP" altLang="en-US" smtClean="0"/>
-              <a:t>2018/8/22</a:t>
+              <a:t>2018/8/31</a:t>
             </a:fld>
             <a:endParaRPr kumimoji="1" lang="ja-JP" altLang="en-US"/>
           </a:p>
@@ -5208,6 +5212,578 @@
 </p:sld>
 </file>
 
+<file path=ppt/slides/slide17.xml><?xml version="1.0" encoding="utf-8"?>
+<p:sld xmlns:a="http://schemas.openxmlformats.org/drawingml/2006/main" xmlns:r="http://schemas.openxmlformats.org/officeDocument/2006/relationships" xmlns:p="http://schemas.openxmlformats.org/presentationml/2006/main">
+  <p:cSld>
+    <p:spTree>
+      <p:nvGrpSpPr>
+        <p:cNvPr id="1" name=""/>
+        <p:cNvGrpSpPr/>
+        <p:nvPr/>
+      </p:nvGrpSpPr>
+      <p:grpSpPr>
+        <a:xfrm>
+          <a:off x="0" y="0"/>
+          <a:ext cx="0" cy="0"/>
+          <a:chOff x="0" y="0"/>
+          <a:chExt cx="0" cy="0"/>
+        </a:xfrm>
+      </p:grpSpPr>
+      <p:pic>
+        <p:nvPicPr>
+          <p:cNvPr id="11" name="図 10">
+            <a:extLst>
+              <a:ext uri="{FF2B5EF4-FFF2-40B4-BE49-F238E27FC236}">
+                <a16:creationId xmlns:a16="http://schemas.microsoft.com/office/drawing/2014/main" id="{7805354A-B11D-4EE9-82C8-1B19E2AF4FBA}"/>
+              </a:ext>
+            </a:extLst>
+          </p:cNvPr>
+          <p:cNvPicPr>
+            <a:picLocks noChangeAspect="1"/>
+          </p:cNvPicPr>
+          <p:nvPr/>
+        </p:nvPicPr>
+        <p:blipFill>
+          <a:blip r:embed="rId2"/>
+          <a:stretch>
+            <a:fillRect/>
+          </a:stretch>
+        </p:blipFill>
+        <p:spPr>
+          <a:xfrm>
+            <a:off x="130304" y="1515539"/>
+            <a:ext cx="8657070" cy="3596952"/>
+          </a:xfrm>
+          <a:prstGeom prst="rect">
+            <a:avLst/>
+          </a:prstGeom>
+          <a:ln>
+            <a:noFill/>
+          </a:ln>
+          <a:effectLst>
+            <a:outerShdw blurRad="292100" dist="139700" dir="2700000" algn="tl" rotWithShape="0">
+              <a:srgbClr val="333333">
+                <a:alpha val="65000"/>
+              </a:srgbClr>
+            </a:outerShdw>
+          </a:effectLst>
+        </p:spPr>
+      </p:pic>
+      <p:sp>
+        <p:nvSpPr>
+          <p:cNvPr id="4" name="四角形: 角を丸くする 3">
+            <a:extLst>
+              <a:ext uri="{FF2B5EF4-FFF2-40B4-BE49-F238E27FC236}">
+                <a16:creationId xmlns:a16="http://schemas.microsoft.com/office/drawing/2014/main" id="{EC67B341-DD7A-46CA-BB13-58D15F943BBD}"/>
+              </a:ext>
+            </a:extLst>
+          </p:cNvPr>
+          <p:cNvSpPr/>
+          <p:nvPr/>
+        </p:nvSpPr>
+        <p:spPr>
+          <a:xfrm>
+            <a:off x="6180936" y="3503522"/>
+            <a:ext cx="1420786" cy="404115"/>
+          </a:xfrm>
+          <a:prstGeom prst="roundRect">
+            <a:avLst>
+              <a:gd name="adj" fmla="val 9175"/>
+            </a:avLst>
+          </a:prstGeom>
+          <a:noFill/>
+          <a:ln w="38100">
+            <a:solidFill>
+              <a:srgbClr val="FF0000"/>
+            </a:solidFill>
+          </a:ln>
+        </p:spPr>
+        <p:style>
+          <a:lnRef idx="2">
+            <a:schemeClr val="accent1">
+              <a:shade val="50000"/>
+            </a:schemeClr>
+          </a:lnRef>
+          <a:fillRef idx="1">
+            <a:schemeClr val="accent1"/>
+          </a:fillRef>
+          <a:effectRef idx="0">
+            <a:schemeClr val="accent1"/>
+          </a:effectRef>
+          <a:fontRef idx="minor">
+            <a:schemeClr val="lt1"/>
+          </a:fontRef>
+        </p:style>
+        <p:txBody>
+          <a:bodyPr rot="0" spcFirstLastPara="0" vertOverflow="overflow" horzOverflow="overflow" vert="horz" wrap="square" lIns="91440" tIns="45720" rIns="91440" bIns="45720" numCol="1" spcCol="0" rtlCol="0" fromWordArt="0" anchor="ctr" anchorCtr="0" forceAA="0" compatLnSpc="1">
+            <a:prstTxWarp prst="textNoShape">
+              <a:avLst/>
+            </a:prstTxWarp>
+            <a:noAutofit/>
+          </a:bodyPr>
+          <a:lstStyle/>
+          <a:p>
+            <a:pPr algn="ctr"/>
+            <a:endParaRPr lang="ja-JP" altLang="en-US"/>
+          </a:p>
+        </p:txBody>
+      </p:sp>
+      <p:pic>
+        <p:nvPicPr>
+          <p:cNvPr id="13" name="図 12">
+            <a:extLst>
+              <a:ext uri="{FF2B5EF4-FFF2-40B4-BE49-F238E27FC236}">
+                <a16:creationId xmlns:a16="http://schemas.microsoft.com/office/drawing/2014/main" id="{FF722D06-CEF2-44E0-8C35-63A27252185A}"/>
+              </a:ext>
+            </a:extLst>
+          </p:cNvPr>
+          <p:cNvPicPr>
+            <a:picLocks noChangeAspect="1"/>
+          </p:cNvPicPr>
+          <p:nvPr/>
+        </p:nvPicPr>
+        <p:blipFill>
+          <a:blip r:embed="rId3"/>
+          <a:stretch>
+            <a:fillRect/>
+          </a:stretch>
+        </p:blipFill>
+        <p:spPr>
+          <a:xfrm>
+            <a:off x="8488341" y="1887651"/>
+            <a:ext cx="5164013" cy="3871161"/>
+          </a:xfrm>
+          <a:prstGeom prst="rect">
+            <a:avLst/>
+          </a:prstGeom>
+          <a:ln>
+            <a:noFill/>
+          </a:ln>
+          <a:effectLst>
+            <a:outerShdw blurRad="292100" dist="139700" dir="2700000" algn="tl" rotWithShape="0">
+              <a:srgbClr val="333333">
+                <a:alpha val="65000"/>
+              </a:srgbClr>
+            </a:outerShdw>
+          </a:effectLst>
+        </p:spPr>
+      </p:pic>
+      <p:sp>
+        <p:nvSpPr>
+          <p:cNvPr id="14" name="四角形: 角を丸くする 13">
+            <a:extLst>
+              <a:ext uri="{FF2B5EF4-FFF2-40B4-BE49-F238E27FC236}">
+                <a16:creationId xmlns:a16="http://schemas.microsoft.com/office/drawing/2014/main" id="{709F3519-E362-4B4C-A305-74290C939609}"/>
+              </a:ext>
+            </a:extLst>
+          </p:cNvPr>
+          <p:cNvSpPr/>
+          <p:nvPr/>
+        </p:nvSpPr>
+        <p:spPr>
+          <a:xfrm>
+            <a:off x="10509470" y="2183027"/>
+            <a:ext cx="1682529" cy="242597"/>
+          </a:xfrm>
+          <a:prstGeom prst="roundRect">
+            <a:avLst>
+              <a:gd name="adj" fmla="val 9175"/>
+            </a:avLst>
+          </a:prstGeom>
+          <a:noFill/>
+          <a:ln w="38100">
+            <a:solidFill>
+              <a:srgbClr val="FF0000"/>
+            </a:solidFill>
+          </a:ln>
+        </p:spPr>
+        <p:style>
+          <a:lnRef idx="2">
+            <a:schemeClr val="accent1">
+              <a:shade val="50000"/>
+            </a:schemeClr>
+          </a:lnRef>
+          <a:fillRef idx="1">
+            <a:schemeClr val="accent1"/>
+          </a:fillRef>
+          <a:effectRef idx="0">
+            <a:schemeClr val="accent1"/>
+          </a:effectRef>
+          <a:fontRef idx="minor">
+            <a:schemeClr val="lt1"/>
+          </a:fontRef>
+        </p:style>
+        <p:txBody>
+          <a:bodyPr rot="0" spcFirstLastPara="0" vertOverflow="overflow" horzOverflow="overflow" vert="horz" wrap="square" lIns="91440" tIns="45720" rIns="91440" bIns="45720" numCol="1" spcCol="0" rtlCol="0" fromWordArt="0" anchor="ctr" anchorCtr="0" forceAA="0" compatLnSpc="1">
+            <a:prstTxWarp prst="textNoShape">
+              <a:avLst/>
+            </a:prstTxWarp>
+            <a:noAutofit/>
+          </a:bodyPr>
+          <a:lstStyle/>
+          <a:p>
+            <a:pPr algn="ctr"/>
+            <a:endParaRPr lang="ja-JP" altLang="en-US"/>
+          </a:p>
+        </p:txBody>
+      </p:sp>
+    </p:spTree>
+    <p:extLst>
+      <p:ext uri="{BB962C8B-B14F-4D97-AF65-F5344CB8AC3E}">
+        <p14:creationId xmlns:p14="http://schemas.microsoft.com/office/powerpoint/2010/main" val="341651797"/>
+      </p:ext>
+    </p:extLst>
+  </p:cSld>
+  <p:clrMapOvr>
+    <a:masterClrMapping/>
+  </p:clrMapOvr>
+</p:sld>
+</file>
+
+<file path=ppt/slides/slide18.xml><?xml version="1.0" encoding="utf-8"?>
+<p:sld xmlns:a="http://schemas.openxmlformats.org/drawingml/2006/main" xmlns:r="http://schemas.openxmlformats.org/officeDocument/2006/relationships" xmlns:p="http://schemas.openxmlformats.org/presentationml/2006/main">
+  <p:cSld>
+    <p:spTree>
+      <p:nvGrpSpPr>
+        <p:cNvPr id="1" name=""/>
+        <p:cNvGrpSpPr/>
+        <p:nvPr/>
+      </p:nvGrpSpPr>
+      <p:grpSpPr>
+        <a:xfrm>
+          <a:off x="0" y="0"/>
+          <a:ext cx="0" cy="0"/>
+          <a:chOff x="0" y="0"/>
+          <a:chExt cx="0" cy="0"/>
+        </a:xfrm>
+      </p:grpSpPr>
+      <p:pic>
+        <p:nvPicPr>
+          <p:cNvPr id="2" name="図 1">
+            <a:extLst>
+              <a:ext uri="{FF2B5EF4-FFF2-40B4-BE49-F238E27FC236}">
+                <a16:creationId xmlns:a16="http://schemas.microsoft.com/office/drawing/2014/main" id="{B8BA8428-FD41-461B-9BA1-E97D0EA56FEF}"/>
+              </a:ext>
+            </a:extLst>
+          </p:cNvPr>
+          <p:cNvPicPr>
+            <a:picLocks noChangeAspect="1"/>
+          </p:cNvPicPr>
+          <p:nvPr/>
+        </p:nvPicPr>
+        <p:blipFill>
+          <a:blip r:embed="rId2"/>
+          <a:stretch>
+            <a:fillRect/>
+          </a:stretch>
+        </p:blipFill>
+        <p:spPr>
+          <a:xfrm>
+            <a:off x="342853" y="949433"/>
+            <a:ext cx="5680414" cy="4258277"/>
+          </a:xfrm>
+          <a:prstGeom prst="rect">
+            <a:avLst/>
+          </a:prstGeom>
+          <a:ln>
+            <a:noFill/>
+          </a:ln>
+          <a:effectLst>
+            <a:outerShdw blurRad="292100" dist="139700" dir="2700000" algn="tl" rotWithShape="0">
+              <a:srgbClr val="333333">
+                <a:alpha val="65000"/>
+              </a:srgbClr>
+            </a:outerShdw>
+          </a:effectLst>
+        </p:spPr>
+      </p:pic>
+      <p:pic>
+        <p:nvPicPr>
+          <p:cNvPr id="3" name="図 2">
+            <a:extLst>
+              <a:ext uri="{FF2B5EF4-FFF2-40B4-BE49-F238E27FC236}">
+                <a16:creationId xmlns:a16="http://schemas.microsoft.com/office/drawing/2014/main" id="{D6BF77EE-D207-4DB8-99E2-AA9E16FFBF42}"/>
+              </a:ext>
+            </a:extLst>
+          </p:cNvPr>
+          <p:cNvPicPr>
+            <a:picLocks noChangeAspect="1"/>
+          </p:cNvPicPr>
+          <p:nvPr/>
+        </p:nvPicPr>
+        <p:blipFill>
+          <a:blip r:embed="rId3"/>
+          <a:stretch>
+            <a:fillRect/>
+          </a:stretch>
+        </p:blipFill>
+        <p:spPr>
+          <a:xfrm>
+            <a:off x="6283010" y="949432"/>
+            <a:ext cx="5680414" cy="4258277"/>
+          </a:xfrm>
+          <a:prstGeom prst="rect">
+            <a:avLst/>
+          </a:prstGeom>
+          <a:ln>
+            <a:noFill/>
+          </a:ln>
+          <a:effectLst>
+            <a:outerShdw blurRad="292100" dist="139700" dir="2700000" algn="tl" rotWithShape="0">
+              <a:srgbClr val="333333">
+                <a:alpha val="65000"/>
+              </a:srgbClr>
+            </a:outerShdw>
+          </a:effectLst>
+        </p:spPr>
+      </p:pic>
+    </p:spTree>
+    <p:extLst>
+      <p:ext uri="{BB962C8B-B14F-4D97-AF65-F5344CB8AC3E}">
+        <p14:creationId xmlns:p14="http://schemas.microsoft.com/office/powerpoint/2010/main" val="2159278051"/>
+      </p:ext>
+    </p:extLst>
+  </p:cSld>
+  <p:clrMapOvr>
+    <a:masterClrMapping/>
+  </p:clrMapOvr>
+</p:sld>
+</file>
+
+<file path=ppt/slides/slide19.xml><?xml version="1.0" encoding="utf-8"?>
+<p:sld xmlns:a="http://schemas.openxmlformats.org/drawingml/2006/main" xmlns:r="http://schemas.openxmlformats.org/officeDocument/2006/relationships" xmlns:p="http://schemas.openxmlformats.org/presentationml/2006/main">
+  <p:cSld>
+    <p:spTree>
+      <p:nvGrpSpPr>
+        <p:cNvPr id="1" name=""/>
+        <p:cNvGrpSpPr/>
+        <p:nvPr/>
+      </p:nvGrpSpPr>
+      <p:grpSpPr>
+        <a:xfrm>
+          <a:off x="0" y="0"/>
+          <a:ext cx="0" cy="0"/>
+          <a:chOff x="0" y="0"/>
+          <a:chExt cx="0" cy="0"/>
+        </a:xfrm>
+      </p:grpSpPr>
+      <p:pic>
+        <p:nvPicPr>
+          <p:cNvPr id="3" name="図 2" descr="スクリーンショット が含まれている画像&#10;&#10;非常に高い精度で生成された説明">
+            <a:extLst>
+              <a:ext uri="{FF2B5EF4-FFF2-40B4-BE49-F238E27FC236}">
+                <a16:creationId xmlns:a16="http://schemas.microsoft.com/office/drawing/2014/main" id="{658F60DC-B56E-4F88-8677-F2AF5341FB74}"/>
+              </a:ext>
+            </a:extLst>
+          </p:cNvPr>
+          <p:cNvPicPr>
+            <a:picLocks noChangeAspect="1"/>
+          </p:cNvPicPr>
+          <p:nvPr/>
+        </p:nvPicPr>
+        <p:blipFill>
+          <a:blip r:embed="rId2">
+            <a:extLst>
+              <a:ext uri="{28A0092B-C50C-407E-A947-70E740481C1C}">
+                <a14:useLocalDpi xmlns:a14="http://schemas.microsoft.com/office/drawing/2010/main" val="0"/>
+              </a:ext>
+            </a:extLst>
+          </a:blip>
+          <a:stretch>
+            <a:fillRect/>
+          </a:stretch>
+        </p:blipFill>
+        <p:spPr>
+          <a:xfrm>
+            <a:off x="609560" y="1359678"/>
+            <a:ext cx="10972880" cy="4138643"/>
+          </a:xfrm>
+          <a:prstGeom prst="rect">
+            <a:avLst/>
+          </a:prstGeom>
+          <a:ln>
+            <a:noFill/>
+          </a:ln>
+          <a:effectLst>
+            <a:outerShdw blurRad="292100" dist="139700" dir="2700000" algn="tl" rotWithShape="0">
+              <a:srgbClr val="333333">
+                <a:alpha val="65000"/>
+              </a:srgbClr>
+            </a:outerShdw>
+          </a:effectLst>
+        </p:spPr>
+      </p:pic>
+      <p:sp>
+        <p:nvSpPr>
+          <p:cNvPr id="4" name="四角形: 角を丸くする 3">
+            <a:extLst>
+              <a:ext uri="{FF2B5EF4-FFF2-40B4-BE49-F238E27FC236}">
+                <a16:creationId xmlns:a16="http://schemas.microsoft.com/office/drawing/2014/main" id="{F26BA48E-1BC1-4499-BC25-2A8EF7F8C514}"/>
+              </a:ext>
+            </a:extLst>
+          </p:cNvPr>
+          <p:cNvSpPr/>
+          <p:nvPr/>
+        </p:nvSpPr>
+        <p:spPr>
+          <a:xfrm>
+            <a:off x="8771461" y="2171077"/>
+            <a:ext cx="2672228" cy="528320"/>
+          </a:xfrm>
+          <a:prstGeom prst="roundRect">
+            <a:avLst>
+              <a:gd name="adj" fmla="val 9175"/>
+            </a:avLst>
+          </a:prstGeom>
+          <a:noFill/>
+          <a:ln w="38100">
+            <a:solidFill>
+              <a:srgbClr val="FF0000"/>
+            </a:solidFill>
+          </a:ln>
+        </p:spPr>
+        <p:style>
+          <a:lnRef idx="2">
+            <a:schemeClr val="accent1">
+              <a:shade val="50000"/>
+            </a:schemeClr>
+          </a:lnRef>
+          <a:fillRef idx="1">
+            <a:schemeClr val="accent1"/>
+          </a:fillRef>
+          <a:effectRef idx="0">
+            <a:schemeClr val="accent1"/>
+          </a:effectRef>
+          <a:fontRef idx="minor">
+            <a:schemeClr val="lt1"/>
+          </a:fontRef>
+        </p:style>
+        <p:txBody>
+          <a:bodyPr rot="0" spcFirstLastPara="0" vertOverflow="overflow" horzOverflow="overflow" vert="horz" wrap="square" lIns="91440" tIns="45720" rIns="91440" bIns="45720" numCol="1" spcCol="0" rtlCol="0" fromWordArt="0" anchor="ctr" anchorCtr="0" forceAA="0" compatLnSpc="1">
+            <a:prstTxWarp prst="textNoShape">
+              <a:avLst/>
+            </a:prstTxWarp>
+            <a:noAutofit/>
+          </a:bodyPr>
+          <a:lstStyle/>
+          <a:p>
+            <a:pPr algn="ctr"/>
+            <a:endParaRPr lang="ja-JP" altLang="en-US"/>
+          </a:p>
+        </p:txBody>
+      </p:sp>
+      <p:sp>
+        <p:nvSpPr>
+          <p:cNvPr id="5" name="楕円 4">
+            <a:extLst>
+              <a:ext uri="{FF2B5EF4-FFF2-40B4-BE49-F238E27FC236}">
+                <a16:creationId xmlns:a16="http://schemas.microsoft.com/office/drawing/2014/main" id="{A65259A3-4D4E-42EB-95C5-D340DB43D6BB}"/>
+              </a:ext>
+            </a:extLst>
+          </p:cNvPr>
+          <p:cNvSpPr/>
+          <p:nvPr/>
+        </p:nvSpPr>
+        <p:spPr>
+          <a:xfrm>
+            <a:off x="3169409" y="1965181"/>
+            <a:ext cx="629388" cy="411790"/>
+          </a:xfrm>
+          <a:prstGeom prst="ellipse">
+            <a:avLst/>
+          </a:prstGeom>
+          <a:noFill/>
+          <a:ln w="38100">
+            <a:solidFill>
+              <a:srgbClr val="FF0000"/>
+            </a:solidFill>
+          </a:ln>
+        </p:spPr>
+        <p:style>
+          <a:lnRef idx="2">
+            <a:schemeClr val="accent1">
+              <a:shade val="50000"/>
+            </a:schemeClr>
+          </a:lnRef>
+          <a:fillRef idx="1">
+            <a:schemeClr val="accent1"/>
+          </a:fillRef>
+          <a:effectRef idx="0">
+            <a:schemeClr val="accent1"/>
+          </a:effectRef>
+          <a:fontRef idx="minor">
+            <a:schemeClr val="lt1"/>
+          </a:fontRef>
+        </p:style>
+        <p:txBody>
+          <a:bodyPr rtlCol="0" anchor="ctr"/>
+          <a:lstStyle/>
+          <a:p>
+            <a:pPr algn="ctr"/>
+            <a:endParaRPr kumimoji="1" lang="ja-JP" altLang="en-US"/>
+          </a:p>
+        </p:txBody>
+      </p:sp>
+      <p:sp>
+        <p:nvSpPr>
+          <p:cNvPr id="7" name="正方形/長方形 6">
+            <a:extLst>
+              <a:ext uri="{FF2B5EF4-FFF2-40B4-BE49-F238E27FC236}">
+                <a16:creationId xmlns:a16="http://schemas.microsoft.com/office/drawing/2014/main" id="{4F9DE727-7950-4F3B-8E3C-92A619F7E908}"/>
+              </a:ext>
+            </a:extLst>
+          </p:cNvPr>
+          <p:cNvSpPr/>
+          <p:nvPr/>
+        </p:nvSpPr>
+        <p:spPr>
+          <a:xfrm>
+            <a:off x="4407737" y="3942325"/>
+            <a:ext cx="1401714" cy="1379812"/>
+          </a:xfrm>
+          <a:prstGeom prst="rect">
+            <a:avLst/>
+          </a:prstGeom>
+          <a:ln>
+            <a:noFill/>
+          </a:ln>
+        </p:spPr>
+        <p:style>
+          <a:lnRef idx="2">
+            <a:schemeClr val="dk1"/>
+          </a:lnRef>
+          <a:fillRef idx="1">
+            <a:schemeClr val="lt1"/>
+          </a:fillRef>
+          <a:effectRef idx="0">
+            <a:schemeClr val="dk1"/>
+          </a:effectRef>
+          <a:fontRef idx="minor">
+            <a:schemeClr val="dk1"/>
+          </a:fontRef>
+        </p:style>
+        <p:txBody>
+          <a:bodyPr rtlCol="0" anchor="ctr"/>
+          <a:lstStyle/>
+          <a:p>
+            <a:pPr algn="ctr"/>
+            <a:endParaRPr kumimoji="1" lang="ja-JP" altLang="en-US"/>
+          </a:p>
+        </p:txBody>
+      </p:sp>
+    </p:spTree>
+    <p:extLst>
+      <p:ext uri="{BB962C8B-B14F-4D97-AF65-F5344CB8AC3E}">
+        <p14:creationId xmlns:p14="http://schemas.microsoft.com/office/powerpoint/2010/main" val="3702738981"/>
+      </p:ext>
+    </p:extLst>
+  </p:cSld>
+  <p:clrMapOvr>
+    <a:masterClrMapping/>
+  </p:clrMapOvr>
+</p:sld>
+</file>
+
 <file path=ppt/slides/slide2.xml><?xml version="1.0" encoding="utf-8"?>
 <p:sld xmlns:a="http://schemas.openxmlformats.org/drawingml/2006/main" xmlns:r="http://schemas.openxmlformats.org/officeDocument/2006/relationships" xmlns:p="http://schemas.openxmlformats.org/presentationml/2006/main">
   <p:cSld>
@@ -5804,6 +6380,135 @@
     <p:extLst>
       <p:ext uri="{BB962C8B-B14F-4D97-AF65-F5344CB8AC3E}">
         <p14:creationId xmlns:p14="http://schemas.microsoft.com/office/powerpoint/2010/main" val="1471276140"/>
+      </p:ext>
+    </p:extLst>
+  </p:cSld>
+  <p:clrMapOvr>
+    <a:masterClrMapping/>
+  </p:clrMapOvr>
+</p:sld>
+</file>
+
+<file path=ppt/slides/slide20.xml><?xml version="1.0" encoding="utf-8"?>
+<p:sld xmlns:a="http://schemas.openxmlformats.org/drawingml/2006/main" xmlns:r="http://schemas.openxmlformats.org/officeDocument/2006/relationships" xmlns:p="http://schemas.openxmlformats.org/presentationml/2006/main">
+  <p:cSld>
+    <p:spTree>
+      <p:nvGrpSpPr>
+        <p:cNvPr id="1" name=""/>
+        <p:cNvGrpSpPr/>
+        <p:nvPr/>
+      </p:nvGrpSpPr>
+      <p:grpSpPr>
+        <a:xfrm>
+          <a:off x="0" y="0"/>
+          <a:ext cx="0" cy="0"/>
+          <a:chOff x="0" y="0"/>
+          <a:chExt cx="0" cy="0"/>
+        </a:xfrm>
+      </p:grpSpPr>
+      <p:pic>
+        <p:nvPicPr>
+          <p:cNvPr id="2" name="図 1">
+            <a:extLst>
+              <a:ext uri="{FF2B5EF4-FFF2-40B4-BE49-F238E27FC236}">
+                <a16:creationId xmlns:a16="http://schemas.microsoft.com/office/drawing/2014/main" id="{238B8DA8-C3EB-4DC2-9639-008712685D37}"/>
+              </a:ext>
+            </a:extLst>
+          </p:cNvPr>
+          <p:cNvPicPr>
+            <a:picLocks noChangeAspect="1"/>
+          </p:cNvPicPr>
+          <p:nvPr/>
+        </p:nvPicPr>
+        <p:blipFill>
+          <a:blip r:embed="rId2"/>
+          <a:stretch>
+            <a:fillRect/>
+          </a:stretch>
+        </p:blipFill>
+        <p:spPr>
+          <a:xfrm>
+            <a:off x="2654967" y="1611977"/>
+            <a:ext cx="6882066" cy="3634044"/>
+          </a:xfrm>
+          <a:prstGeom prst="rect">
+            <a:avLst/>
+          </a:prstGeom>
+          <a:ln>
+            <a:noFill/>
+          </a:ln>
+          <a:effectLst>
+            <a:outerShdw blurRad="292100" dist="139700" dir="2700000" algn="tl" rotWithShape="0">
+              <a:srgbClr val="333333">
+                <a:alpha val="65000"/>
+              </a:srgbClr>
+            </a:outerShdw>
+          </a:effectLst>
+        </p:spPr>
+      </p:pic>
+      <p:sp>
+        <p:nvSpPr>
+          <p:cNvPr id="3" name="四角形: 角を丸くする 2">
+            <a:extLst>
+              <a:ext uri="{FF2B5EF4-FFF2-40B4-BE49-F238E27FC236}">
+                <a16:creationId xmlns:a16="http://schemas.microsoft.com/office/drawing/2014/main" id="{A5DDA194-8202-4432-AC49-93C9399EA283}"/>
+              </a:ext>
+            </a:extLst>
+          </p:cNvPr>
+          <p:cNvSpPr/>
+          <p:nvPr/>
+        </p:nvSpPr>
+        <p:spPr>
+          <a:xfrm>
+            <a:off x="4013295" y="1804222"/>
+            <a:ext cx="1741402" cy="418810"/>
+          </a:xfrm>
+          <a:prstGeom prst="roundRect">
+            <a:avLst>
+              <a:gd name="adj" fmla="val 9175"/>
+            </a:avLst>
+          </a:prstGeom>
+          <a:noFill/>
+          <a:ln w="38100">
+            <a:solidFill>
+              <a:srgbClr val="FF0000"/>
+            </a:solidFill>
+          </a:ln>
+        </p:spPr>
+        <p:style>
+          <a:lnRef idx="2">
+            <a:schemeClr val="accent1">
+              <a:shade val="50000"/>
+            </a:schemeClr>
+          </a:lnRef>
+          <a:fillRef idx="1">
+            <a:schemeClr val="accent1"/>
+          </a:fillRef>
+          <a:effectRef idx="0">
+            <a:schemeClr val="accent1"/>
+          </a:effectRef>
+          <a:fontRef idx="minor">
+            <a:schemeClr val="lt1"/>
+          </a:fontRef>
+        </p:style>
+        <p:txBody>
+          <a:bodyPr rot="0" spcFirstLastPara="0" vertOverflow="overflow" horzOverflow="overflow" vert="horz" wrap="square" lIns="91440" tIns="45720" rIns="91440" bIns="45720" numCol="1" spcCol="0" rtlCol="0" fromWordArt="0" anchor="ctr" anchorCtr="0" forceAA="0" compatLnSpc="1">
+            <a:prstTxWarp prst="textNoShape">
+              <a:avLst/>
+            </a:prstTxWarp>
+            <a:noAutofit/>
+          </a:bodyPr>
+          <a:lstStyle/>
+          <a:p>
+            <a:pPr algn="ctr"/>
+            <a:endParaRPr lang="ja-JP" altLang="en-US"/>
+          </a:p>
+        </p:txBody>
+      </p:sp>
+    </p:spTree>
+    <p:extLst>
+      <p:ext uri="{BB962C8B-B14F-4D97-AF65-F5344CB8AC3E}">
+        <p14:creationId xmlns:p14="http://schemas.microsoft.com/office/powerpoint/2010/main" val="1974240185"/>
       </p:ext>
     </p:extLst>
   </p:cSld>
@@ -7323,6 +8028,65 @@
           <a:xfrm>
             <a:off x="7889893" y="4143245"/>
             <a:ext cx="2133871" cy="1323188"/>
+          </a:xfrm>
+          <a:prstGeom prst="roundRect">
+            <a:avLst>
+              <a:gd name="adj" fmla="val 9175"/>
+            </a:avLst>
+          </a:prstGeom>
+          <a:noFill/>
+          <a:ln w="38100">
+            <a:solidFill>
+              <a:srgbClr val="FF0000"/>
+            </a:solidFill>
+          </a:ln>
+        </p:spPr>
+        <p:style>
+          <a:lnRef idx="2">
+            <a:schemeClr val="accent1">
+              <a:shade val="50000"/>
+            </a:schemeClr>
+          </a:lnRef>
+          <a:fillRef idx="1">
+            <a:schemeClr val="accent1"/>
+          </a:fillRef>
+          <a:effectRef idx="0">
+            <a:schemeClr val="accent1"/>
+          </a:effectRef>
+          <a:fontRef idx="minor">
+            <a:schemeClr val="lt1"/>
+          </a:fontRef>
+        </p:style>
+        <p:txBody>
+          <a:bodyPr rot="0" spcFirstLastPara="0" vertOverflow="overflow" horzOverflow="overflow" vert="horz" wrap="square" lIns="91440" tIns="45720" rIns="91440" bIns="45720" numCol="1" spcCol="0" rtlCol="0" fromWordArt="0" anchor="ctr" anchorCtr="0" forceAA="0" compatLnSpc="1">
+            <a:prstTxWarp prst="textNoShape">
+              <a:avLst/>
+            </a:prstTxWarp>
+            <a:noAutofit/>
+          </a:bodyPr>
+          <a:lstStyle/>
+          <a:p>
+            <a:pPr algn="ctr"/>
+            <a:endParaRPr lang="ja-JP" altLang="en-US"/>
+          </a:p>
+        </p:txBody>
+      </p:sp>
+      <p:sp>
+        <p:nvSpPr>
+          <p:cNvPr id="9" name="四角形: 角を丸くする 8">
+            <a:extLst>
+              <a:ext uri="{FF2B5EF4-FFF2-40B4-BE49-F238E27FC236}">
+                <a16:creationId xmlns:a16="http://schemas.microsoft.com/office/drawing/2014/main" id="{5202B1E0-5F19-4603-ADDE-C01D376F6038}"/>
+              </a:ext>
+            </a:extLst>
+          </p:cNvPr>
+          <p:cNvSpPr/>
+          <p:nvPr/>
+        </p:nvSpPr>
+        <p:spPr>
+          <a:xfrm>
+            <a:off x="7889893" y="3132912"/>
+            <a:ext cx="2133871" cy="976274"/>
           </a:xfrm>
           <a:prstGeom prst="roundRect">
             <a:avLst>
